--- a/Documents/03_DevelopersGuide/01_Basic_RTC_Programming/03_ServciePort/ServicePort_Basic.pptx
+++ b/Documents/03_DevelopersGuide/01_Basic_RTC_Programming/03_ServciePort/ServicePort_Basic.pptx
@@ -181,7 +181,7 @@
             </a:lvl1pPr>
           </a:lstStyle>
           <a:p>
-            <a:endParaRPr kumimoji="1" lang="ja-JP" altLang="en-US"/>
+            <a:endParaRPr kumimoji="1" lang="ja-JP" altLang="en-US" dirty="0"/>
           </a:p>
         </p:txBody>
       </p:sp>
@@ -215,9 +215,9 @@
             <a:fld id="{1B9810DC-FF4F-48F0-BC2D-9530425C407D}" type="datetimeFigureOut">
               <a:rPr kumimoji="1" lang="ja-JP" altLang="en-US" smtClean="0"/>
               <a:pPr/>
-              <a:t>2010/12/28</a:t>
+              <a:t>2011/2/22</a:t>
             </a:fld>
-            <a:endParaRPr kumimoji="1" lang="ja-JP" altLang="en-US"/>
+            <a:endParaRPr kumimoji="1" lang="ja-JP" altLang="en-US" dirty="0"/>
           </a:p>
         </p:txBody>
       </p:sp>
@@ -250,7 +250,7 @@
           <a:bodyPr vert="horz" lIns="91440" tIns="45720" rIns="91440" bIns="45720" rtlCol="0" anchor="ctr"/>
           <a:lstStyle/>
           <a:p>
-            <a:endParaRPr lang="ja-JP" altLang="en-US"/>
+            <a:endParaRPr lang="ja-JP" altLang="en-US" dirty="0"/>
           </a:p>
         </p:txBody>
       </p:sp>
@@ -375,7 +375,7 @@
             </a:lvl1pPr>
           </a:lstStyle>
           <a:p>
-            <a:endParaRPr kumimoji="1" lang="ja-JP" altLang="en-US"/>
+            <a:endParaRPr kumimoji="1" lang="ja-JP" altLang="en-US" dirty="0"/>
           </a:p>
         </p:txBody>
       </p:sp>
@@ -411,7 +411,7 @@
               <a:pPr/>
               <a:t>&lt;#&gt;</a:t>
             </a:fld>
-            <a:endParaRPr kumimoji="1" lang="ja-JP" altLang="en-US"/>
+            <a:endParaRPr kumimoji="1" lang="ja-JP" altLang="en-US" dirty="0"/>
           </a:p>
         </p:txBody>
       </p:sp>
@@ -559,7 +559,7 @@
           </a:bodyPr>
           <a:lstStyle/>
           <a:p>
-            <a:endParaRPr kumimoji="1" lang="ja-JP" altLang="en-US"/>
+            <a:endParaRPr kumimoji="1" lang="ja-JP" altLang="en-US" dirty="0"/>
           </a:p>
         </p:txBody>
       </p:sp>
@@ -583,7 +583,7 @@
               <a:pPr/>
               <a:t>1</a:t>
             </a:fld>
-            <a:endParaRPr kumimoji="1" lang="ja-JP" altLang="en-US"/>
+            <a:endParaRPr kumimoji="1" lang="ja-JP" altLang="en-US" dirty="0"/>
           </a:p>
         </p:txBody>
       </p:sp>
@@ -641,7 +641,7 @@
           </a:bodyPr>
           <a:lstStyle/>
           <a:p>
-            <a:endParaRPr kumimoji="1" lang="ja-JP" altLang="en-US"/>
+            <a:endParaRPr kumimoji="1" lang="ja-JP" altLang="en-US" dirty="0"/>
           </a:p>
         </p:txBody>
       </p:sp>
@@ -665,7 +665,7 @@
               <a:pPr/>
               <a:t>10</a:t>
             </a:fld>
-            <a:endParaRPr kumimoji="1" lang="ja-JP" altLang="en-US"/>
+            <a:endParaRPr kumimoji="1" lang="ja-JP" altLang="en-US" dirty="0"/>
           </a:p>
         </p:txBody>
       </p:sp>
@@ -723,7 +723,7 @@
           </a:bodyPr>
           <a:lstStyle/>
           <a:p>
-            <a:endParaRPr kumimoji="1" lang="ja-JP" altLang="en-US"/>
+            <a:endParaRPr kumimoji="1" lang="ja-JP" altLang="en-US" dirty="0"/>
           </a:p>
         </p:txBody>
       </p:sp>
@@ -747,7 +747,7 @@
               <a:pPr/>
               <a:t>11</a:t>
             </a:fld>
-            <a:endParaRPr kumimoji="1" lang="ja-JP" altLang="en-US"/>
+            <a:endParaRPr kumimoji="1" lang="ja-JP" altLang="en-US" dirty="0"/>
           </a:p>
         </p:txBody>
       </p:sp>
@@ -805,7 +805,7 @@
           </a:bodyPr>
           <a:lstStyle/>
           <a:p>
-            <a:endParaRPr kumimoji="1" lang="ja-JP" altLang="en-US"/>
+            <a:endParaRPr kumimoji="1" lang="ja-JP" altLang="en-US" dirty="0"/>
           </a:p>
         </p:txBody>
       </p:sp>
@@ -829,7 +829,7 @@
               <a:pPr/>
               <a:t>12</a:t>
             </a:fld>
-            <a:endParaRPr kumimoji="1" lang="ja-JP" altLang="en-US"/>
+            <a:endParaRPr kumimoji="1" lang="ja-JP" altLang="en-US" dirty="0"/>
           </a:p>
         </p:txBody>
       </p:sp>
@@ -887,7 +887,7 @@
           </a:bodyPr>
           <a:lstStyle/>
           <a:p>
-            <a:endParaRPr kumimoji="1" lang="ja-JP" altLang="en-US"/>
+            <a:endParaRPr kumimoji="1" lang="ja-JP" altLang="en-US" dirty="0"/>
           </a:p>
         </p:txBody>
       </p:sp>
@@ -911,7 +911,7 @@
               <a:pPr/>
               <a:t>13</a:t>
             </a:fld>
-            <a:endParaRPr kumimoji="1" lang="ja-JP" altLang="en-US"/>
+            <a:endParaRPr kumimoji="1" lang="ja-JP" altLang="en-US" dirty="0"/>
           </a:p>
         </p:txBody>
       </p:sp>
@@ -969,7 +969,7 @@
           </a:bodyPr>
           <a:lstStyle/>
           <a:p>
-            <a:endParaRPr kumimoji="1" lang="ja-JP" altLang="en-US"/>
+            <a:endParaRPr kumimoji="1" lang="ja-JP" altLang="en-US" dirty="0"/>
           </a:p>
         </p:txBody>
       </p:sp>
@@ -993,7 +993,7 @@
               <a:pPr/>
               <a:t>14</a:t>
             </a:fld>
-            <a:endParaRPr kumimoji="1" lang="ja-JP" altLang="en-US"/>
+            <a:endParaRPr kumimoji="1" lang="ja-JP" altLang="en-US" dirty="0"/>
           </a:p>
         </p:txBody>
       </p:sp>
@@ -1051,7 +1051,7 @@
           </a:bodyPr>
           <a:lstStyle/>
           <a:p>
-            <a:endParaRPr kumimoji="1" lang="ja-JP" altLang="en-US"/>
+            <a:endParaRPr kumimoji="1" lang="ja-JP" altLang="en-US" dirty="0"/>
           </a:p>
         </p:txBody>
       </p:sp>
@@ -1075,7 +1075,7 @@
               <a:pPr/>
               <a:t>15</a:t>
             </a:fld>
-            <a:endParaRPr kumimoji="1" lang="ja-JP" altLang="en-US"/>
+            <a:endParaRPr kumimoji="1" lang="ja-JP" altLang="en-US" dirty="0"/>
           </a:p>
         </p:txBody>
       </p:sp>
@@ -1133,7 +1133,7 @@
           </a:bodyPr>
           <a:lstStyle/>
           <a:p>
-            <a:endParaRPr kumimoji="1" lang="ja-JP" altLang="en-US"/>
+            <a:endParaRPr kumimoji="1" lang="ja-JP" altLang="en-US" dirty="0"/>
           </a:p>
         </p:txBody>
       </p:sp>
@@ -1157,7 +1157,7 @@
               <a:pPr/>
               <a:t>16</a:t>
             </a:fld>
-            <a:endParaRPr kumimoji="1" lang="ja-JP" altLang="en-US"/>
+            <a:endParaRPr kumimoji="1" lang="ja-JP" altLang="en-US" dirty="0"/>
           </a:p>
         </p:txBody>
       </p:sp>
@@ -1215,7 +1215,7 @@
           </a:bodyPr>
           <a:lstStyle/>
           <a:p>
-            <a:endParaRPr kumimoji="1" lang="ja-JP" altLang="en-US"/>
+            <a:endParaRPr kumimoji="1" lang="ja-JP" altLang="en-US" dirty="0"/>
           </a:p>
         </p:txBody>
       </p:sp>
@@ -1239,7 +1239,7 @@
               <a:pPr/>
               <a:t>17</a:t>
             </a:fld>
-            <a:endParaRPr kumimoji="1" lang="ja-JP" altLang="en-US"/>
+            <a:endParaRPr kumimoji="1" lang="ja-JP" altLang="en-US" dirty="0"/>
           </a:p>
         </p:txBody>
       </p:sp>
@@ -1297,7 +1297,7 @@
           </a:bodyPr>
           <a:lstStyle/>
           <a:p>
-            <a:endParaRPr kumimoji="1" lang="ja-JP" altLang="en-US"/>
+            <a:endParaRPr kumimoji="1" lang="ja-JP" altLang="en-US" dirty="0"/>
           </a:p>
         </p:txBody>
       </p:sp>
@@ -1321,7 +1321,7 @@
               <a:pPr/>
               <a:t>18</a:t>
             </a:fld>
-            <a:endParaRPr kumimoji="1" lang="ja-JP" altLang="en-US"/>
+            <a:endParaRPr kumimoji="1" lang="ja-JP" altLang="en-US" dirty="0"/>
           </a:p>
         </p:txBody>
       </p:sp>
@@ -1379,7 +1379,7 @@
           </a:bodyPr>
           <a:lstStyle/>
           <a:p>
-            <a:endParaRPr kumimoji="1" lang="ja-JP" altLang="en-US"/>
+            <a:endParaRPr kumimoji="1" lang="ja-JP" altLang="en-US" dirty="0"/>
           </a:p>
         </p:txBody>
       </p:sp>
@@ -1403,7 +1403,7 @@
               <a:pPr/>
               <a:t>19</a:t>
             </a:fld>
-            <a:endParaRPr kumimoji="1" lang="ja-JP" altLang="en-US"/>
+            <a:endParaRPr kumimoji="1" lang="ja-JP" altLang="en-US" dirty="0"/>
           </a:p>
         </p:txBody>
       </p:sp>
@@ -1461,7 +1461,7 @@
           </a:bodyPr>
           <a:lstStyle/>
           <a:p>
-            <a:endParaRPr kumimoji="1" lang="ja-JP" altLang="en-US"/>
+            <a:endParaRPr kumimoji="1" lang="ja-JP" altLang="en-US" dirty="0"/>
           </a:p>
         </p:txBody>
       </p:sp>
@@ -1485,7 +1485,7 @@
               <a:pPr/>
               <a:t>2</a:t>
             </a:fld>
-            <a:endParaRPr kumimoji="1" lang="ja-JP" altLang="en-US"/>
+            <a:endParaRPr kumimoji="1" lang="ja-JP" altLang="en-US" dirty="0"/>
           </a:p>
         </p:txBody>
       </p:sp>
@@ -1543,7 +1543,7 @@
           </a:bodyPr>
           <a:lstStyle/>
           <a:p>
-            <a:endParaRPr kumimoji="1" lang="ja-JP" altLang="en-US"/>
+            <a:endParaRPr kumimoji="1" lang="ja-JP" altLang="en-US" dirty="0"/>
           </a:p>
         </p:txBody>
       </p:sp>
@@ -1567,7 +1567,7 @@
               <a:pPr/>
               <a:t>20</a:t>
             </a:fld>
-            <a:endParaRPr kumimoji="1" lang="ja-JP" altLang="en-US"/>
+            <a:endParaRPr kumimoji="1" lang="ja-JP" altLang="en-US" dirty="0"/>
           </a:p>
         </p:txBody>
       </p:sp>
@@ -1625,7 +1625,7 @@
           </a:bodyPr>
           <a:lstStyle/>
           <a:p>
-            <a:endParaRPr kumimoji="1" lang="ja-JP" altLang="en-US"/>
+            <a:endParaRPr kumimoji="1" lang="ja-JP" altLang="en-US" dirty="0"/>
           </a:p>
         </p:txBody>
       </p:sp>
@@ -1649,7 +1649,7 @@
               <a:pPr/>
               <a:t>21</a:t>
             </a:fld>
-            <a:endParaRPr kumimoji="1" lang="ja-JP" altLang="en-US"/>
+            <a:endParaRPr kumimoji="1" lang="ja-JP" altLang="en-US" dirty="0"/>
           </a:p>
         </p:txBody>
       </p:sp>
@@ -1707,7 +1707,7 @@
           </a:bodyPr>
           <a:lstStyle/>
           <a:p>
-            <a:endParaRPr kumimoji="1" lang="ja-JP" altLang="en-US"/>
+            <a:endParaRPr kumimoji="1" lang="ja-JP" altLang="en-US" dirty="0"/>
           </a:p>
         </p:txBody>
       </p:sp>
@@ -1731,7 +1731,7 @@
               <a:pPr/>
               <a:t>22</a:t>
             </a:fld>
-            <a:endParaRPr kumimoji="1" lang="ja-JP" altLang="en-US"/>
+            <a:endParaRPr kumimoji="1" lang="ja-JP" altLang="en-US" dirty="0"/>
           </a:p>
         </p:txBody>
       </p:sp>
@@ -1789,7 +1789,7 @@
           </a:bodyPr>
           <a:lstStyle/>
           <a:p>
-            <a:endParaRPr kumimoji="1" lang="ja-JP" altLang="en-US"/>
+            <a:endParaRPr kumimoji="1" lang="ja-JP" altLang="en-US" dirty="0"/>
           </a:p>
         </p:txBody>
       </p:sp>
@@ -1813,7 +1813,7 @@
               <a:pPr/>
               <a:t>23</a:t>
             </a:fld>
-            <a:endParaRPr kumimoji="1" lang="ja-JP" altLang="en-US"/>
+            <a:endParaRPr kumimoji="1" lang="ja-JP" altLang="en-US" dirty="0"/>
           </a:p>
         </p:txBody>
       </p:sp>
@@ -1871,7 +1871,7 @@
           </a:bodyPr>
           <a:lstStyle/>
           <a:p>
-            <a:endParaRPr kumimoji="1" lang="ja-JP" altLang="en-US"/>
+            <a:endParaRPr kumimoji="1" lang="ja-JP" altLang="en-US" dirty="0"/>
           </a:p>
         </p:txBody>
       </p:sp>
@@ -1895,7 +1895,7 @@
               <a:pPr/>
               <a:t>3</a:t>
             </a:fld>
-            <a:endParaRPr kumimoji="1" lang="ja-JP" altLang="en-US"/>
+            <a:endParaRPr kumimoji="1" lang="ja-JP" altLang="en-US" dirty="0"/>
           </a:p>
         </p:txBody>
       </p:sp>
@@ -1995,7 +1995,7 @@
           <a:lstStyle/>
           <a:p>
             <a:pPr eaLnBrk="1" hangingPunct="1"/>
-            <a:endParaRPr lang="ja-JP" altLang="ja-JP" smtClean="0"/>
+            <a:endParaRPr lang="ja-JP" altLang="ja-JP" dirty="0" smtClean="0"/>
           </a:p>
         </p:txBody>
       </p:sp>
@@ -2053,7 +2053,7 @@
           </a:bodyPr>
           <a:lstStyle/>
           <a:p>
-            <a:endParaRPr kumimoji="1" lang="ja-JP" altLang="en-US"/>
+            <a:endParaRPr kumimoji="1" lang="ja-JP" altLang="en-US" dirty="0"/>
           </a:p>
         </p:txBody>
       </p:sp>
@@ -2077,7 +2077,7 @@
               <a:pPr/>
               <a:t>5</a:t>
             </a:fld>
-            <a:endParaRPr kumimoji="1" lang="ja-JP" altLang="en-US"/>
+            <a:endParaRPr kumimoji="1" lang="ja-JP" altLang="en-US" dirty="0"/>
           </a:p>
         </p:txBody>
       </p:sp>
@@ -2135,7 +2135,7 @@
           </a:bodyPr>
           <a:lstStyle/>
           <a:p>
-            <a:endParaRPr kumimoji="1" lang="ja-JP" altLang="en-US"/>
+            <a:endParaRPr kumimoji="1" lang="ja-JP" altLang="en-US" dirty="0"/>
           </a:p>
         </p:txBody>
       </p:sp>
@@ -2159,7 +2159,7 @@
               <a:pPr/>
               <a:t>6</a:t>
             </a:fld>
-            <a:endParaRPr kumimoji="1" lang="ja-JP" altLang="en-US"/>
+            <a:endParaRPr kumimoji="1" lang="ja-JP" altLang="en-US" dirty="0"/>
           </a:p>
         </p:txBody>
       </p:sp>
@@ -2217,7 +2217,7 @@
           </a:bodyPr>
           <a:lstStyle/>
           <a:p>
-            <a:endParaRPr kumimoji="1" lang="ja-JP" altLang="en-US"/>
+            <a:endParaRPr kumimoji="1" lang="ja-JP" altLang="en-US" dirty="0"/>
           </a:p>
         </p:txBody>
       </p:sp>
@@ -2241,7 +2241,7 @@
               <a:pPr/>
               <a:t>7</a:t>
             </a:fld>
-            <a:endParaRPr kumimoji="1" lang="ja-JP" altLang="en-US"/>
+            <a:endParaRPr kumimoji="1" lang="ja-JP" altLang="en-US" dirty="0"/>
           </a:p>
         </p:txBody>
       </p:sp>
@@ -2299,7 +2299,7 @@
           </a:bodyPr>
           <a:lstStyle/>
           <a:p>
-            <a:endParaRPr kumimoji="1" lang="ja-JP" altLang="en-US"/>
+            <a:endParaRPr kumimoji="1" lang="ja-JP" altLang="en-US" dirty="0"/>
           </a:p>
         </p:txBody>
       </p:sp>
@@ -2323,7 +2323,7 @@
               <a:pPr/>
               <a:t>8</a:t>
             </a:fld>
-            <a:endParaRPr kumimoji="1" lang="ja-JP" altLang="en-US"/>
+            <a:endParaRPr kumimoji="1" lang="ja-JP" altLang="en-US" dirty="0"/>
           </a:p>
         </p:txBody>
       </p:sp>
@@ -2381,7 +2381,7 @@
           </a:bodyPr>
           <a:lstStyle/>
           <a:p>
-            <a:endParaRPr kumimoji="1" lang="ja-JP" altLang="en-US"/>
+            <a:endParaRPr kumimoji="1" lang="ja-JP" altLang="en-US" dirty="0"/>
           </a:p>
         </p:txBody>
       </p:sp>
@@ -2405,7 +2405,7 @@
               <a:pPr/>
               <a:t>9</a:t>
             </a:fld>
-            <a:endParaRPr kumimoji="1" lang="ja-JP" altLang="en-US"/>
+            <a:endParaRPr kumimoji="1" lang="ja-JP" altLang="en-US" dirty="0"/>
           </a:p>
         </p:txBody>
       </p:sp>
@@ -2599,9 +2599,9 @@
             <a:fld id="{E90ED720-0104-4369-84BC-D37694168613}" type="datetimeFigureOut">
               <a:rPr kumimoji="1" lang="ja-JP" altLang="en-US" smtClean="0"/>
               <a:pPr/>
-              <a:t>2010/12/28</a:t>
+              <a:t>2011/2/22</a:t>
             </a:fld>
-            <a:endParaRPr kumimoji="1" lang="ja-JP" altLang="en-US"/>
+            <a:endParaRPr kumimoji="1" lang="ja-JP" altLang="en-US" dirty="0"/>
           </a:p>
         </p:txBody>
       </p:sp>
@@ -2620,7 +2620,7 @@
           <a:bodyPr/>
           <a:lstStyle/>
           <a:p>
-            <a:endParaRPr kumimoji="1" lang="ja-JP" altLang="en-US"/>
+            <a:endParaRPr kumimoji="1" lang="ja-JP" altLang="en-US" dirty="0"/>
           </a:p>
         </p:txBody>
       </p:sp>
@@ -2644,7 +2644,7 @@
               <a:pPr/>
               <a:t>&lt;#&gt;</a:t>
             </a:fld>
-            <a:endParaRPr kumimoji="1" lang="ja-JP" altLang="en-US"/>
+            <a:endParaRPr kumimoji="1" lang="ja-JP" altLang="en-US" dirty="0"/>
           </a:p>
         </p:txBody>
       </p:sp>
@@ -2798,9 +2798,9 @@
             <a:fld id="{E90ED720-0104-4369-84BC-D37694168613}" type="datetimeFigureOut">
               <a:rPr kumimoji="1" lang="ja-JP" altLang="en-US" smtClean="0"/>
               <a:pPr/>
-              <a:t>2010/12/28</a:t>
+              <a:t>2011/2/22</a:t>
             </a:fld>
-            <a:endParaRPr kumimoji="1" lang="ja-JP" altLang="en-US"/>
+            <a:endParaRPr kumimoji="1" lang="ja-JP" altLang="en-US" dirty="0"/>
           </a:p>
         </p:txBody>
       </p:sp>
@@ -2819,7 +2819,7 @@
           <a:bodyPr/>
           <a:lstStyle/>
           <a:p>
-            <a:endParaRPr kumimoji="1" lang="ja-JP" altLang="en-US"/>
+            <a:endParaRPr kumimoji="1" lang="ja-JP" altLang="en-US" dirty="0"/>
           </a:p>
         </p:txBody>
       </p:sp>
@@ -2843,7 +2843,7 @@
               <a:pPr/>
               <a:t>&lt;#&gt;</a:t>
             </a:fld>
-            <a:endParaRPr kumimoji="1" lang="ja-JP" altLang="en-US"/>
+            <a:endParaRPr kumimoji="1" lang="ja-JP" altLang="en-US" dirty="0"/>
           </a:p>
         </p:txBody>
       </p:sp>
@@ -3007,9 +3007,9 @@
             <a:fld id="{E90ED720-0104-4369-84BC-D37694168613}" type="datetimeFigureOut">
               <a:rPr kumimoji="1" lang="ja-JP" altLang="en-US" smtClean="0"/>
               <a:pPr/>
-              <a:t>2010/12/28</a:t>
+              <a:t>2011/2/22</a:t>
             </a:fld>
-            <a:endParaRPr kumimoji="1" lang="ja-JP" altLang="en-US"/>
+            <a:endParaRPr kumimoji="1" lang="ja-JP" altLang="en-US" dirty="0"/>
           </a:p>
         </p:txBody>
       </p:sp>
@@ -3028,7 +3028,7 @@
           <a:bodyPr/>
           <a:lstStyle/>
           <a:p>
-            <a:endParaRPr kumimoji="1" lang="ja-JP" altLang="en-US"/>
+            <a:endParaRPr kumimoji="1" lang="ja-JP" altLang="en-US" dirty="0"/>
           </a:p>
         </p:txBody>
       </p:sp>
@@ -3052,7 +3052,7 @@
               <a:pPr/>
               <a:t>&lt;#&gt;</a:t>
             </a:fld>
-            <a:endParaRPr kumimoji="1" lang="ja-JP" altLang="en-US"/>
+            <a:endParaRPr kumimoji="1" lang="ja-JP" altLang="en-US" dirty="0"/>
           </a:p>
         </p:txBody>
       </p:sp>
@@ -3206,9 +3206,9 @@
             <a:fld id="{E90ED720-0104-4369-84BC-D37694168613}" type="datetimeFigureOut">
               <a:rPr kumimoji="1" lang="ja-JP" altLang="en-US" smtClean="0"/>
               <a:pPr/>
-              <a:t>2010/12/28</a:t>
+              <a:t>2011/2/22</a:t>
             </a:fld>
-            <a:endParaRPr kumimoji="1" lang="ja-JP" altLang="en-US"/>
+            <a:endParaRPr kumimoji="1" lang="ja-JP" altLang="en-US" dirty="0"/>
           </a:p>
         </p:txBody>
       </p:sp>
@@ -3227,7 +3227,7 @@
           <a:bodyPr/>
           <a:lstStyle/>
           <a:p>
-            <a:endParaRPr kumimoji="1" lang="ja-JP" altLang="en-US"/>
+            <a:endParaRPr kumimoji="1" lang="ja-JP" altLang="en-US" dirty="0"/>
           </a:p>
         </p:txBody>
       </p:sp>
@@ -3251,7 +3251,7 @@
               <a:pPr/>
               <a:t>&lt;#&gt;</a:t>
             </a:fld>
-            <a:endParaRPr kumimoji="1" lang="ja-JP" altLang="en-US"/>
+            <a:endParaRPr kumimoji="1" lang="ja-JP" altLang="en-US" dirty="0"/>
           </a:p>
         </p:txBody>
       </p:sp>
@@ -3449,9 +3449,9 @@
             <a:fld id="{E90ED720-0104-4369-84BC-D37694168613}" type="datetimeFigureOut">
               <a:rPr kumimoji="1" lang="ja-JP" altLang="en-US" smtClean="0"/>
               <a:pPr/>
-              <a:t>2010/12/28</a:t>
+              <a:t>2011/2/22</a:t>
             </a:fld>
-            <a:endParaRPr kumimoji="1" lang="ja-JP" altLang="en-US"/>
+            <a:endParaRPr kumimoji="1" lang="ja-JP" altLang="en-US" dirty="0"/>
           </a:p>
         </p:txBody>
       </p:sp>
@@ -3470,7 +3470,7 @@
           <a:bodyPr/>
           <a:lstStyle/>
           <a:p>
-            <a:endParaRPr kumimoji="1" lang="ja-JP" altLang="en-US"/>
+            <a:endParaRPr kumimoji="1" lang="ja-JP" altLang="en-US" dirty="0"/>
           </a:p>
         </p:txBody>
       </p:sp>
@@ -3494,7 +3494,7 @@
               <a:pPr/>
               <a:t>&lt;#&gt;</a:t>
             </a:fld>
-            <a:endParaRPr kumimoji="1" lang="ja-JP" altLang="en-US"/>
+            <a:endParaRPr kumimoji="1" lang="ja-JP" altLang="en-US" dirty="0"/>
           </a:p>
         </p:txBody>
       </p:sp>
@@ -3798,9 +3798,9 @@
             <a:fld id="{E90ED720-0104-4369-84BC-D37694168613}" type="datetimeFigureOut">
               <a:rPr kumimoji="1" lang="ja-JP" altLang="en-US" smtClean="0"/>
               <a:pPr/>
-              <a:t>2010/12/28</a:t>
+              <a:t>2011/2/22</a:t>
             </a:fld>
-            <a:endParaRPr kumimoji="1" lang="ja-JP" altLang="en-US"/>
+            <a:endParaRPr kumimoji="1" lang="ja-JP" altLang="en-US" dirty="0"/>
           </a:p>
         </p:txBody>
       </p:sp>
@@ -3819,7 +3819,7 @@
           <a:bodyPr/>
           <a:lstStyle/>
           <a:p>
-            <a:endParaRPr kumimoji="1" lang="ja-JP" altLang="en-US"/>
+            <a:endParaRPr kumimoji="1" lang="ja-JP" altLang="en-US" dirty="0"/>
           </a:p>
         </p:txBody>
       </p:sp>
@@ -3843,7 +3843,7 @@
               <a:pPr/>
               <a:t>&lt;#&gt;</a:t>
             </a:fld>
-            <a:endParaRPr kumimoji="1" lang="ja-JP" altLang="en-US"/>
+            <a:endParaRPr kumimoji="1" lang="ja-JP" altLang="en-US" dirty="0"/>
           </a:p>
         </p:txBody>
       </p:sp>
@@ -4281,9 +4281,9 @@
             <a:fld id="{E90ED720-0104-4369-84BC-D37694168613}" type="datetimeFigureOut">
               <a:rPr kumimoji="1" lang="ja-JP" altLang="en-US" smtClean="0"/>
               <a:pPr/>
-              <a:t>2010/12/28</a:t>
+              <a:t>2011/2/22</a:t>
             </a:fld>
-            <a:endParaRPr kumimoji="1" lang="ja-JP" altLang="en-US"/>
+            <a:endParaRPr kumimoji="1" lang="ja-JP" altLang="en-US" dirty="0"/>
           </a:p>
         </p:txBody>
       </p:sp>
@@ -4302,7 +4302,7 @@
           <a:bodyPr/>
           <a:lstStyle/>
           <a:p>
-            <a:endParaRPr kumimoji="1" lang="ja-JP" altLang="en-US"/>
+            <a:endParaRPr kumimoji="1" lang="ja-JP" altLang="en-US" dirty="0"/>
           </a:p>
         </p:txBody>
       </p:sp>
@@ -4326,7 +4326,7 @@
               <a:pPr/>
               <a:t>&lt;#&gt;</a:t>
             </a:fld>
-            <a:endParaRPr kumimoji="1" lang="ja-JP" altLang="en-US"/>
+            <a:endParaRPr kumimoji="1" lang="ja-JP" altLang="en-US" dirty="0"/>
           </a:p>
         </p:txBody>
       </p:sp>
@@ -4396,9 +4396,9 @@
             <a:fld id="{E90ED720-0104-4369-84BC-D37694168613}" type="datetimeFigureOut">
               <a:rPr kumimoji="1" lang="ja-JP" altLang="en-US" smtClean="0"/>
               <a:pPr/>
-              <a:t>2010/12/28</a:t>
+              <a:t>2011/2/22</a:t>
             </a:fld>
-            <a:endParaRPr kumimoji="1" lang="ja-JP" altLang="en-US"/>
+            <a:endParaRPr kumimoji="1" lang="ja-JP" altLang="en-US" dirty="0"/>
           </a:p>
         </p:txBody>
       </p:sp>
@@ -4417,7 +4417,7 @@
           <a:bodyPr/>
           <a:lstStyle/>
           <a:p>
-            <a:endParaRPr kumimoji="1" lang="ja-JP" altLang="en-US"/>
+            <a:endParaRPr kumimoji="1" lang="ja-JP" altLang="en-US" dirty="0"/>
           </a:p>
         </p:txBody>
       </p:sp>
@@ -4441,7 +4441,7 @@
               <a:pPr/>
               <a:t>&lt;#&gt;</a:t>
             </a:fld>
-            <a:endParaRPr kumimoji="1" lang="ja-JP" altLang="en-US"/>
+            <a:endParaRPr kumimoji="1" lang="ja-JP" altLang="en-US" dirty="0"/>
           </a:p>
         </p:txBody>
       </p:sp>
@@ -4488,9 +4488,9 @@
             <a:fld id="{E90ED720-0104-4369-84BC-D37694168613}" type="datetimeFigureOut">
               <a:rPr kumimoji="1" lang="ja-JP" altLang="en-US" smtClean="0"/>
               <a:pPr/>
-              <a:t>2010/12/28</a:t>
+              <a:t>2011/2/22</a:t>
             </a:fld>
-            <a:endParaRPr kumimoji="1" lang="ja-JP" altLang="en-US"/>
+            <a:endParaRPr kumimoji="1" lang="ja-JP" altLang="en-US" dirty="0"/>
           </a:p>
         </p:txBody>
       </p:sp>
@@ -4509,7 +4509,7 @@
           <a:bodyPr/>
           <a:lstStyle/>
           <a:p>
-            <a:endParaRPr kumimoji="1" lang="ja-JP" altLang="en-US"/>
+            <a:endParaRPr kumimoji="1" lang="ja-JP" altLang="en-US" dirty="0"/>
           </a:p>
         </p:txBody>
       </p:sp>
@@ -4533,7 +4533,7 @@
               <a:pPr/>
               <a:t>&lt;#&gt;</a:t>
             </a:fld>
-            <a:endParaRPr kumimoji="1" lang="ja-JP" altLang="en-US"/>
+            <a:endParaRPr kumimoji="1" lang="ja-JP" altLang="en-US" dirty="0"/>
           </a:p>
         </p:txBody>
       </p:sp>
@@ -4794,9 +4794,9 @@
             <a:fld id="{E90ED720-0104-4369-84BC-D37694168613}" type="datetimeFigureOut">
               <a:rPr kumimoji="1" lang="ja-JP" altLang="en-US" smtClean="0"/>
               <a:pPr/>
-              <a:t>2010/12/28</a:t>
+              <a:t>2011/2/22</a:t>
             </a:fld>
-            <a:endParaRPr kumimoji="1" lang="ja-JP" altLang="en-US"/>
+            <a:endParaRPr kumimoji="1" lang="ja-JP" altLang="en-US" dirty="0"/>
           </a:p>
         </p:txBody>
       </p:sp>
@@ -4815,7 +4815,7 @@
           <a:bodyPr/>
           <a:lstStyle/>
           <a:p>
-            <a:endParaRPr kumimoji="1" lang="ja-JP" altLang="en-US"/>
+            <a:endParaRPr kumimoji="1" lang="ja-JP" altLang="en-US" dirty="0"/>
           </a:p>
         </p:txBody>
       </p:sp>
@@ -4839,7 +4839,7 @@
               <a:pPr/>
               <a:t>&lt;#&gt;</a:t>
             </a:fld>
-            <a:endParaRPr kumimoji="1" lang="ja-JP" altLang="en-US"/>
+            <a:endParaRPr kumimoji="1" lang="ja-JP" altLang="en-US" dirty="0"/>
           </a:p>
         </p:txBody>
       </p:sp>
@@ -4957,7 +4957,7 @@
             </a:lvl9pPr>
           </a:lstStyle>
           <a:p>
-            <a:endParaRPr kumimoji="1" lang="ja-JP" altLang="en-US"/>
+            <a:endParaRPr kumimoji="1" lang="ja-JP" altLang="en-US" dirty="0"/>
           </a:p>
         </p:txBody>
       </p:sp>
@@ -5044,9 +5044,9 @@
             <a:fld id="{E90ED720-0104-4369-84BC-D37694168613}" type="datetimeFigureOut">
               <a:rPr kumimoji="1" lang="ja-JP" altLang="en-US" smtClean="0"/>
               <a:pPr/>
-              <a:t>2010/12/28</a:t>
+              <a:t>2011/2/22</a:t>
             </a:fld>
-            <a:endParaRPr kumimoji="1" lang="ja-JP" altLang="en-US"/>
+            <a:endParaRPr kumimoji="1" lang="ja-JP" altLang="en-US" dirty="0"/>
           </a:p>
         </p:txBody>
       </p:sp>
@@ -5065,7 +5065,7 @@
           <a:bodyPr/>
           <a:lstStyle/>
           <a:p>
-            <a:endParaRPr kumimoji="1" lang="ja-JP" altLang="en-US"/>
+            <a:endParaRPr kumimoji="1" lang="ja-JP" altLang="en-US" dirty="0"/>
           </a:p>
         </p:txBody>
       </p:sp>
@@ -5089,7 +5089,7 @@
               <a:pPr/>
               <a:t>&lt;#&gt;</a:t>
             </a:fld>
-            <a:endParaRPr kumimoji="1" lang="ja-JP" altLang="en-US"/>
+            <a:endParaRPr kumimoji="1" lang="ja-JP" altLang="en-US" dirty="0"/>
           </a:p>
         </p:txBody>
       </p:sp>
@@ -5286,9 +5286,9 @@
             <a:fld id="{E90ED720-0104-4369-84BC-D37694168613}" type="datetimeFigureOut">
               <a:rPr kumimoji="1" lang="ja-JP" altLang="en-US" smtClean="0"/>
               <a:pPr/>
-              <a:t>2010/12/28</a:t>
+              <a:t>2011/2/22</a:t>
             </a:fld>
-            <a:endParaRPr kumimoji="1" lang="ja-JP" altLang="en-US"/>
+            <a:endParaRPr kumimoji="1" lang="ja-JP" altLang="en-US" dirty="0"/>
           </a:p>
         </p:txBody>
       </p:sp>
@@ -5325,7 +5325,7 @@
             </a:lvl1pPr>
           </a:lstStyle>
           <a:p>
-            <a:endParaRPr kumimoji="1" lang="ja-JP" altLang="en-US"/>
+            <a:endParaRPr kumimoji="1" lang="ja-JP" altLang="en-US" dirty="0"/>
           </a:p>
         </p:txBody>
       </p:sp>
@@ -5367,7 +5367,7 @@
               <a:pPr/>
               <a:t>&lt;#&gt;</a:t>
             </a:fld>
-            <a:endParaRPr kumimoji="1" lang="ja-JP" altLang="en-US"/>
+            <a:endParaRPr kumimoji="1" lang="ja-JP" altLang="en-US" dirty="0"/>
           </a:p>
         </p:txBody>
       </p:sp>
@@ -5672,7 +5672,7 @@
           <a:bodyPr/>
           <a:lstStyle/>
           <a:p>
-            <a:endParaRPr kumimoji="1" lang="ja-JP" altLang="en-US"/>
+            <a:endParaRPr kumimoji="1" lang="ja-JP" altLang="en-US" dirty="0"/>
           </a:p>
         </p:txBody>
       </p:sp>
@@ -5720,7 +5720,7 @@
             <a:bodyPr/>
             <a:lstStyle/>
             <a:p>
-              <a:endParaRPr lang="ja-JP" altLang="en-US" sz="3600"/>
+              <a:endParaRPr lang="ja-JP" altLang="en-US" sz="3600" dirty="0"/>
             </a:p>
           </p:txBody>
         </p:sp>
@@ -5754,7 +5754,7 @@
             <a:bodyPr/>
             <a:lstStyle/>
             <a:p>
-              <a:endParaRPr lang="ja-JP" altLang="en-US" sz="3600"/>
+              <a:endParaRPr lang="ja-JP" altLang="en-US" sz="3600" dirty="0"/>
             </a:p>
           </p:txBody>
         </p:sp>
@@ -5788,7 +5788,7 @@
             <a:bodyPr/>
             <a:lstStyle/>
             <a:p>
-              <a:endParaRPr lang="ja-JP" altLang="en-US" sz="3600"/>
+              <a:endParaRPr lang="ja-JP" altLang="en-US" sz="3600" dirty="0"/>
             </a:p>
           </p:txBody>
         </p:sp>
@@ -5822,7 +5822,7 @@
             <a:bodyPr/>
             <a:lstStyle/>
             <a:p>
-              <a:endParaRPr lang="ja-JP" altLang="en-US" sz="3600"/>
+              <a:endParaRPr lang="ja-JP" altLang="en-US" sz="3600" dirty="0"/>
             </a:p>
           </p:txBody>
         </p:sp>
@@ -5856,7 +5856,7 @@
             <a:bodyPr/>
             <a:lstStyle/>
             <a:p>
-              <a:endParaRPr lang="ja-JP" altLang="en-US" sz="3600"/>
+              <a:endParaRPr lang="ja-JP" altLang="en-US" sz="3600" dirty="0"/>
             </a:p>
           </p:txBody>
         </p:sp>
@@ -5890,7 +5890,7 @@
             <a:bodyPr/>
             <a:lstStyle/>
             <a:p>
-              <a:endParaRPr lang="ja-JP" altLang="en-US" sz="3600"/>
+              <a:endParaRPr lang="ja-JP" altLang="en-US" sz="3600" dirty="0"/>
             </a:p>
           </p:txBody>
         </p:sp>
@@ -5924,7 +5924,7 @@
             <a:bodyPr/>
             <a:lstStyle/>
             <a:p>
-              <a:endParaRPr lang="ja-JP" altLang="en-US" sz="3600"/>
+              <a:endParaRPr lang="ja-JP" altLang="en-US" sz="3600" dirty="0"/>
             </a:p>
           </p:txBody>
         </p:sp>
@@ -5958,7 +5958,7 @@
             <a:bodyPr/>
             <a:lstStyle/>
             <a:p>
-              <a:endParaRPr lang="ja-JP" altLang="en-US" sz="3600"/>
+              <a:endParaRPr lang="ja-JP" altLang="en-US" sz="3600" dirty="0"/>
             </a:p>
           </p:txBody>
         </p:sp>
@@ -5992,7 +5992,7 @@
             <a:bodyPr/>
             <a:lstStyle/>
             <a:p>
-              <a:endParaRPr lang="ja-JP" altLang="en-US" sz="3600"/>
+              <a:endParaRPr lang="ja-JP" altLang="en-US" sz="3600" dirty="0"/>
             </a:p>
           </p:txBody>
         </p:sp>
@@ -6026,7 +6026,7 @@
             <a:bodyPr/>
             <a:lstStyle/>
             <a:p>
-              <a:endParaRPr lang="ja-JP" altLang="en-US" sz="3600"/>
+              <a:endParaRPr lang="ja-JP" altLang="en-US" sz="3600" dirty="0"/>
             </a:p>
           </p:txBody>
         </p:sp>
@@ -6060,7 +6060,7 @@
             <a:bodyPr/>
             <a:lstStyle/>
             <a:p>
-              <a:endParaRPr lang="ja-JP" altLang="en-US" sz="3600"/>
+              <a:endParaRPr lang="ja-JP" altLang="en-US" sz="3600" dirty="0"/>
             </a:p>
           </p:txBody>
         </p:sp>
@@ -6094,7 +6094,7 @@
             <a:bodyPr/>
             <a:lstStyle/>
             <a:p>
-              <a:endParaRPr lang="ja-JP" altLang="en-US" sz="3600"/>
+              <a:endParaRPr lang="ja-JP" altLang="en-US" sz="3600" dirty="0"/>
             </a:p>
           </p:txBody>
         </p:sp>
@@ -6128,7 +6128,7 @@
             <a:bodyPr/>
             <a:lstStyle/>
             <a:p>
-              <a:endParaRPr lang="ja-JP" altLang="en-US" sz="3600"/>
+              <a:endParaRPr lang="ja-JP" altLang="en-US" sz="3600" dirty="0"/>
             </a:p>
           </p:txBody>
         </p:sp>
@@ -6164,7 +6164,7 @@
             <a:p>
               <a:pPr algn="r"/>
               <a:r>
-                <a:rPr lang="ja-JP" altLang="en-US" sz="1600">
+                <a:rPr lang="ja-JP" altLang="en-US" sz="1600" dirty="0">
                   <a:solidFill>
                     <a:srgbClr val="1F1A17"/>
                   </a:solidFill>
@@ -6177,7 +6177,7 @@
             <a:p>
               <a:pPr algn="r"/>
               <a:r>
-                <a:rPr lang="ja-JP" altLang="en-US" sz="1600">
+                <a:rPr lang="ja-JP" altLang="en-US" sz="1600" dirty="0">
                   <a:solidFill>
                     <a:srgbClr val="1F1A17"/>
                   </a:solidFill>
@@ -6186,7 +6186,7 @@
                 </a:rPr>
                 <a:t>コンポーネント</a:t>
               </a:r>
-              <a:endParaRPr lang="ja-JP" altLang="en-US" sz="3600"/>
+              <a:endParaRPr lang="ja-JP" altLang="en-US" sz="3600" dirty="0"/>
             </a:p>
           </p:txBody>
         </p:sp>
@@ -6236,7 +6236,7 @@
               <a:bodyPr/>
               <a:lstStyle/>
               <a:p>
-                <a:endParaRPr lang="ja-JP" altLang="en-US" sz="3600"/>
+                <a:endParaRPr lang="ja-JP" altLang="en-US" sz="3600" dirty="0"/>
               </a:p>
             </p:txBody>
           </p:sp>
@@ -6272,7 +6272,7 @@
               <a:bodyPr/>
               <a:lstStyle/>
               <a:p>
-                <a:endParaRPr lang="ja-JP" altLang="en-US" sz="3600"/>
+                <a:endParaRPr lang="ja-JP" altLang="en-US" sz="3600" dirty="0"/>
               </a:p>
             </p:txBody>
           </p:sp>
@@ -6355,7 +6355,7 @@
               <a:bodyPr/>
               <a:lstStyle/>
               <a:p>
-                <a:endParaRPr lang="ja-JP" altLang="en-US" sz="3600"/>
+                <a:endParaRPr lang="ja-JP" altLang="en-US" sz="3600" dirty="0"/>
               </a:p>
             </p:txBody>
           </p:sp>
@@ -6389,7 +6389,7 @@
               <a:bodyPr/>
               <a:lstStyle/>
               <a:p>
-                <a:endParaRPr lang="ja-JP" altLang="en-US" sz="3600"/>
+                <a:endParaRPr lang="ja-JP" altLang="en-US" sz="3600" dirty="0"/>
               </a:p>
             </p:txBody>
           </p:sp>
@@ -6426,7 +6426,7 @@
             <a:bodyPr wrap="none" anchor="ctr"/>
             <a:lstStyle/>
             <a:p>
-              <a:endParaRPr lang="ja-JP" altLang="en-US" sz="3600"/>
+              <a:endParaRPr lang="ja-JP" altLang="en-US" sz="3600" dirty="0"/>
             </a:p>
           </p:txBody>
         </p:sp>
@@ -6491,7 +6491,7 @@
             <a:lstStyle/>
             <a:p>
               <a:pPr algn="ctr"/>
-              <a:endParaRPr lang="en-US" altLang="ja-JP" sz="3600"/>
+              <a:endParaRPr lang="en-US" altLang="ja-JP" sz="3600" dirty="0"/>
             </a:p>
           </p:txBody>
         </p:sp>
@@ -6525,7 +6525,7 @@
             <a:bodyPr/>
             <a:lstStyle/>
             <a:p>
-              <a:endParaRPr lang="ja-JP" altLang="en-US" sz="3600"/>
+              <a:endParaRPr lang="ja-JP" altLang="en-US" sz="3600" dirty="0"/>
             </a:p>
           </p:txBody>
         </p:sp>
@@ -6560,7 +6560,7 @@
             <a:lstStyle/>
             <a:p>
               <a:r>
-                <a:rPr lang="ja-JP" altLang="en-US" sz="1400"/>
+                <a:rPr lang="ja-JP" altLang="en-US" sz="1400" dirty="0"/>
                 <a:t>アームインターフェース</a:t>
               </a:r>
             </a:p>
@@ -6668,7 +6668,7 @@
             <a:bodyPr/>
             <a:lstStyle/>
             <a:p>
-              <a:endParaRPr lang="ja-JP" altLang="en-US" sz="3600"/>
+              <a:endParaRPr lang="ja-JP" altLang="en-US" sz="3600" dirty="0"/>
             </a:p>
           </p:txBody>
         </p:sp>
@@ -6747,7 +6747,7 @@
             <a:bodyPr/>
             <a:lstStyle/>
             <a:p>
-              <a:endParaRPr lang="ja-JP" altLang="en-US" sz="3600"/>
+              <a:endParaRPr lang="ja-JP" altLang="en-US" sz="3600" dirty="0"/>
             </a:p>
           </p:txBody>
         </p:sp>
@@ -6783,14 +6783,14 @@
             <a:p>
               <a:pPr algn="ctr"/>
               <a:r>
-                <a:rPr lang="ja-JP" altLang="en-US" sz="1600"/>
+                <a:rPr lang="ja-JP" altLang="en-US" sz="1600" dirty="0"/>
                 <a:t>手先位置・</a:t>
               </a:r>
             </a:p>
             <a:p>
               <a:pPr algn="ctr"/>
               <a:r>
-                <a:rPr lang="ja-JP" altLang="en-US" sz="1600"/>
+                <a:rPr lang="ja-JP" altLang="en-US" sz="1600" dirty="0"/>
                 <a:t>速度データ</a:t>
               </a:r>
             </a:p>
@@ -6828,7 +6828,7 @@
             <a:p>
               <a:pPr algn="ctr"/>
               <a:r>
-                <a:rPr lang="ja-JP" altLang="en-US" sz="1600"/>
+                <a:rPr lang="ja-JP" altLang="en-US" sz="1600" dirty="0"/>
                 <a:t>サービスポート</a:t>
               </a:r>
             </a:p>
@@ -6866,7 +6866,7 @@
             <a:p>
               <a:pPr algn="ctr"/>
               <a:r>
-                <a:rPr lang="ja-JP" altLang="en-US" sz="1600"/>
+                <a:rPr lang="ja-JP" altLang="en-US" sz="1600" dirty="0"/>
                 <a:t>データポート</a:t>
               </a:r>
             </a:p>
@@ -6902,7 +6902,7 @@
             <a:bodyPr/>
             <a:lstStyle/>
             <a:p>
-              <a:endParaRPr lang="ja-JP" altLang="en-US" sz="3600"/>
+              <a:endParaRPr lang="ja-JP" altLang="en-US" sz="3600" dirty="0"/>
             </a:p>
           </p:txBody>
         </p:sp>
@@ -6936,7 +6936,7 @@
             <a:bodyPr/>
             <a:lstStyle/>
             <a:p>
-              <a:endParaRPr lang="ja-JP" altLang="en-US" sz="3600"/>
+              <a:endParaRPr lang="ja-JP" altLang="en-US" sz="3600" dirty="0"/>
             </a:p>
           </p:txBody>
         </p:sp>
@@ -7013,7 +7013,7 @@
           <a:lstStyle/>
           <a:p>
             <a:pPr algn="ctr"/>
-            <a:endParaRPr kumimoji="1" lang="ja-JP" altLang="en-US"/>
+            <a:endParaRPr kumimoji="1" lang="ja-JP" altLang="en-US" dirty="0"/>
           </a:p>
         </p:txBody>
       </p:sp>
@@ -7064,7 +7064,7 @@
           <a:lstStyle/>
           <a:p>
             <a:pPr algn="ctr"/>
-            <a:endParaRPr kumimoji="1" lang="ja-JP" altLang="en-US"/>
+            <a:endParaRPr kumimoji="1" lang="ja-JP" altLang="en-US" dirty="0"/>
           </a:p>
         </p:txBody>
       </p:sp>
@@ -7115,7 +7115,7 @@
           <a:lstStyle/>
           <a:p>
             <a:pPr algn="ctr"/>
-            <a:endParaRPr kumimoji="1" lang="ja-JP" altLang="en-US"/>
+            <a:endParaRPr kumimoji="1" lang="ja-JP" altLang="en-US" dirty="0"/>
           </a:p>
         </p:txBody>
       </p:sp>
@@ -7166,7 +7166,7 @@
           <a:lstStyle/>
           <a:p>
             <a:pPr algn="ctr"/>
-            <a:endParaRPr kumimoji="1" lang="ja-JP" altLang="en-US"/>
+            <a:endParaRPr kumimoji="1" lang="ja-JP" altLang="en-US" dirty="0"/>
           </a:p>
         </p:txBody>
       </p:sp>
@@ -7217,7 +7217,7 @@
           <a:lstStyle/>
           <a:p>
             <a:pPr algn="ctr"/>
-            <a:endParaRPr kumimoji="1" lang="ja-JP" altLang="en-US"/>
+            <a:endParaRPr kumimoji="1" lang="ja-JP" altLang="en-US" dirty="0"/>
           </a:p>
         </p:txBody>
       </p:sp>
@@ -7268,7 +7268,7 @@
           <a:lstStyle/>
           <a:p>
             <a:pPr algn="ctr"/>
-            <a:endParaRPr kumimoji="1" lang="ja-JP" altLang="en-US"/>
+            <a:endParaRPr kumimoji="1" lang="ja-JP" altLang="en-US" dirty="0"/>
           </a:p>
         </p:txBody>
       </p:sp>
@@ -7364,7 +7364,7 @@
           <a:lstStyle/>
           <a:p>
             <a:pPr algn="ctr"/>
-            <a:endParaRPr kumimoji="1" lang="ja-JP" altLang="en-US">
+            <a:endParaRPr kumimoji="1" lang="ja-JP" altLang="en-US" dirty="0">
               <a:solidFill>
                 <a:schemeClr val="tx1"/>
               </a:solidFill>
@@ -7419,7 +7419,7 @@
           <a:lstStyle/>
           <a:p>
             <a:pPr algn="ctr"/>
-            <a:endParaRPr kumimoji="1" lang="ja-JP" altLang="en-US"/>
+            <a:endParaRPr kumimoji="1" lang="ja-JP" altLang="en-US" dirty="0"/>
           </a:p>
         </p:txBody>
       </p:sp>
@@ -7474,7 +7474,7 @@
           <a:lstStyle/>
           <a:p>
             <a:pPr algn="ctr"/>
-            <a:endParaRPr kumimoji="1" lang="ja-JP" altLang="en-US">
+            <a:endParaRPr kumimoji="1" lang="ja-JP" altLang="en-US" dirty="0">
               <a:solidFill>
                 <a:schemeClr val="tx1"/>
               </a:solidFill>
@@ -7654,7 +7654,7 @@
           <a:lstStyle/>
           <a:p>
             <a:pPr algn="ctr"/>
-            <a:endParaRPr kumimoji="1" lang="ja-JP" altLang="en-US">
+            <a:endParaRPr kumimoji="1" lang="ja-JP" altLang="en-US" dirty="0">
               <a:solidFill>
                 <a:schemeClr val="tx1"/>
               </a:solidFill>
@@ -7749,7 +7749,7 @@
           <a:lstStyle/>
           <a:p>
             <a:pPr algn="ctr"/>
-            <a:endParaRPr kumimoji="1" lang="ja-JP" altLang="en-US"/>
+            <a:endParaRPr kumimoji="1" lang="ja-JP" altLang="en-US" dirty="0"/>
           </a:p>
         </p:txBody>
       </p:sp>
@@ -7805,8 +7805,8 @@
         </p:nvCxnSpPr>
         <p:spPr>
           <a:xfrm rot="16200000" flipH="1">
-            <a:off x="3236624" y="3612248"/>
-            <a:ext cx="576064" cy="2513824"/>
+            <a:off x="3120807" y="3728065"/>
+            <a:ext cx="576064" cy="2282190"/>
           </a:xfrm>
           <a:prstGeom prst="line">
             <a:avLst/>
@@ -7844,7 +7844,7 @@
         <p:spPr>
           <a:xfrm>
             <a:off x="3995936" y="5157192"/>
-            <a:ext cx="1571264" cy="369332"/>
+            <a:ext cx="1107996" cy="369332"/>
           </a:xfrm>
           <a:prstGeom prst="rect">
             <a:avLst/>
@@ -7862,8 +7862,8 @@
           <a:lstStyle/>
           <a:p>
             <a:r>
-              <a:rPr lang="ja-JP" altLang="en-US" dirty="0" smtClean="0"/>
-              <a:t>コンポーネント</a:t>
+              <a:rPr lang="ko-KR" altLang="en-US" dirty="0" smtClean="0"/>
+              <a:t>컴포넌트</a:t>
             </a:r>
             <a:endParaRPr kumimoji="1" lang="ja-JP" altLang="en-US" dirty="0"/>
           </a:p>
@@ -7880,8 +7880,8 @@
         </p:nvCxnSpPr>
         <p:spPr>
           <a:xfrm rot="5400000">
-            <a:off x="5720900" y="3641796"/>
-            <a:ext cx="576064" cy="2454728"/>
+            <a:off x="5605083" y="3525979"/>
+            <a:ext cx="576064" cy="2686362"/>
           </a:xfrm>
           <a:prstGeom prst="line">
             <a:avLst/>
@@ -7919,7 +7919,7 @@
         <p:spPr>
           <a:xfrm>
             <a:off x="3779912" y="4437112"/>
-            <a:ext cx="774571" cy="369332"/>
+            <a:ext cx="646331" cy="369332"/>
           </a:xfrm>
           <a:prstGeom prst="rect">
             <a:avLst/>
@@ -7937,8 +7937,8 @@
           <a:lstStyle/>
           <a:p>
             <a:r>
-              <a:rPr lang="ja-JP" altLang="en-US" dirty="0" smtClean="0"/>
-              <a:t>ポート</a:t>
+              <a:rPr lang="ko-KR" altLang="en-US" dirty="0" smtClean="0"/>
+              <a:t>포트</a:t>
             </a:r>
             <a:endParaRPr kumimoji="1" lang="ja-JP" altLang="en-US" dirty="0"/>
           </a:p>
@@ -7955,8 +7955,8 @@
         </p:nvCxnSpPr>
         <p:spPr>
           <a:xfrm rot="16200000" flipV="1">
-            <a:off x="3311673" y="3581587"/>
-            <a:ext cx="1143744" cy="567306"/>
+            <a:off x="3279613" y="3613647"/>
+            <a:ext cx="1143744" cy="503186"/>
           </a:xfrm>
           <a:prstGeom prst="line">
             <a:avLst/>
@@ -7996,8 +7996,8 @@
         </p:nvCxnSpPr>
         <p:spPr>
           <a:xfrm rot="5400000" flipH="1" flipV="1">
-            <a:off x="4463801" y="2996765"/>
-            <a:ext cx="1143744" cy="1736950"/>
+            <a:off x="4431741" y="2964705"/>
+            <a:ext cx="1143744" cy="1801070"/>
           </a:xfrm>
           <a:prstGeom prst="line">
             <a:avLst/>
@@ -8037,8 +8037,8 @@
         </p:nvCxnSpPr>
         <p:spPr>
           <a:xfrm rot="5400000" flipH="1" flipV="1">
-            <a:off x="4927661" y="3460625"/>
-            <a:ext cx="216024" cy="1736950"/>
+            <a:off x="4895601" y="3428565"/>
+            <a:ext cx="216024" cy="1801070"/>
           </a:xfrm>
           <a:prstGeom prst="line">
             <a:avLst/>
@@ -8075,8 +8075,8 @@
         </p:nvSpPr>
         <p:spPr>
           <a:xfrm>
-            <a:off x="3635896" y="2276872"/>
-            <a:ext cx="2252540" cy="307777"/>
+            <a:off x="3847072" y="2276872"/>
+            <a:ext cx="1661032" cy="307777"/>
           </a:xfrm>
           <a:prstGeom prst="rect">
             <a:avLst/>
@@ -8090,8 +8090,8 @@
           <a:lstStyle/>
           <a:p>
             <a:r>
-              <a:rPr kumimoji="1" lang="ja-JP" altLang="en-US" sz="1400" dirty="0" smtClean="0"/>
-              <a:t>接続されたインターフェース</a:t>
+              <a:rPr kumimoji="1" lang="ko-KR" altLang="en-US" sz="1400" dirty="0" smtClean="0"/>
+              <a:t>연결된 인터페이스</a:t>
             </a:r>
             <a:endParaRPr kumimoji="1" lang="ja-JP" altLang="en-US" sz="1400" dirty="0"/>
           </a:p>
@@ -8767,7 +8767,7 @@
           <a:lstStyle/>
           <a:p>
             <a:pPr algn="ctr"/>
-            <a:endParaRPr kumimoji="1" lang="ja-JP" altLang="en-US"/>
+            <a:endParaRPr kumimoji="1" lang="ja-JP" altLang="en-US" dirty="0"/>
           </a:p>
         </p:txBody>
       </p:sp>
@@ -9204,15 +9204,7 @@
                   <a:schemeClr val="tx1"/>
                 </a:solidFill>
               </a:rPr>
-              <a:t>Skeleton </a:t>
-            </a:r>
-            <a:r>
-              <a:rPr kumimoji="1" lang="en-US" altLang="ja-JP" sz="1600" dirty="0" err="1" smtClean="0">
-                <a:solidFill>
-                  <a:schemeClr val="tx1"/>
-                </a:solidFill>
-              </a:rPr>
-              <a:t>defintion</a:t>
+              <a:t>Skeleton defintion</a:t>
             </a:r>
             <a:endParaRPr kumimoji="1" lang="ja-JP" altLang="en-US" sz="1600" dirty="0">
               <a:solidFill>
@@ -9340,21 +9332,8 @@
                   <a:schemeClr val="tx1"/>
                 </a:solidFill>
               </a:rPr>
-              <a:t>Servant class </a:t>
-            </a:r>
-            <a:r>
-              <a:rPr kumimoji="1" lang="en-US" altLang="ja-JP" sz="1600" dirty="0" err="1" smtClean="0">
-                <a:solidFill>
-                  <a:schemeClr val="tx1"/>
-                </a:solidFill>
-              </a:rPr>
-              <a:t>defintion</a:t>
-            </a:r>
-            <a:endParaRPr kumimoji="1" lang="en-US" altLang="ja-JP" sz="1600" dirty="0" smtClean="0">
-              <a:solidFill>
-                <a:schemeClr val="tx1"/>
-              </a:solidFill>
-            </a:endParaRPr>
+              <a:t>Servant class defintion</a:t>
+            </a:r>
           </a:p>
           <a:p>
             <a:pPr algn="ctr"/>
@@ -9619,7 +9598,7 @@
           <a:lstStyle/>
           <a:p>
             <a:pPr algn="ctr"/>
-            <a:endParaRPr kumimoji="1" lang="ja-JP" altLang="en-US"/>
+            <a:endParaRPr kumimoji="1" lang="ja-JP" altLang="en-US" dirty="0"/>
           </a:p>
         </p:txBody>
       </p:sp>
@@ -9942,8 +9921,8 @@
               <a:t>IDL</a:t>
             </a:r>
             <a:r>
-              <a:rPr lang="ja-JP" altLang="en-US" sz="1600" dirty="0" smtClean="0"/>
-              <a:t>コンパイラ</a:t>
+              <a:rPr kumimoji="1" lang="ko-KR" altLang="en-US" sz="1600" dirty="0" smtClean="0"/>
+              <a:t>컴파일러</a:t>
             </a:r>
             <a:endParaRPr kumimoji="1" lang="en-US" altLang="ja-JP" sz="1600" dirty="0" smtClean="0"/>
           </a:p>
@@ -9998,12 +9977,12 @@
           <a:p>
             <a:pPr algn="ctr"/>
             <a:r>
-              <a:rPr kumimoji="1" lang="ja-JP" altLang="en-US" sz="1600" dirty="0" smtClean="0">
+              <a:rPr kumimoji="1" lang="ko-KR" altLang="en-US" sz="1600" dirty="0" smtClean="0">
                 <a:solidFill>
                   <a:schemeClr val="tx1"/>
                 </a:solidFill>
               </a:rPr>
-              <a:t>スタブ定義</a:t>
+              <a:t>스텁 정의</a:t>
             </a:r>
             <a:endParaRPr kumimoji="1" lang="ja-JP" altLang="en-US" sz="1600" dirty="0">
               <a:solidFill>
@@ -10062,12 +10041,12 @@
           <a:p>
             <a:pPr algn="ctr"/>
             <a:r>
-              <a:rPr kumimoji="1" lang="ja-JP" altLang="en-US" sz="1600" dirty="0" smtClean="0">
+              <a:rPr kumimoji="1" lang="ko-KR" altLang="en-US" sz="1600" dirty="0" smtClean="0">
                 <a:solidFill>
                   <a:schemeClr val="tx1"/>
                 </a:solidFill>
               </a:rPr>
-              <a:t>スケルトン定義</a:t>
+              <a:t>스켈레톤 정의</a:t>
             </a:r>
             <a:endParaRPr kumimoji="1" lang="ja-JP" altLang="en-US" sz="1600" dirty="0">
               <a:solidFill>
@@ -10126,12 +10105,12 @@
           <a:p>
             <a:pPr algn="ctr"/>
             <a:r>
-              <a:rPr kumimoji="1" lang="ja-JP" altLang="en-US" sz="1600" dirty="0" smtClean="0">
+              <a:rPr kumimoji="1" lang="ko-KR" altLang="en-US" sz="1600" dirty="0" smtClean="0">
                 <a:solidFill>
                   <a:schemeClr val="tx1"/>
                 </a:solidFill>
               </a:rPr>
-              <a:t>クライアントコード</a:t>
+              <a:t>클라이언트 코드</a:t>
             </a:r>
             <a:endParaRPr kumimoji="1" lang="ja-JP" altLang="en-US" sz="1600" dirty="0">
               <a:solidFill>
@@ -10190,12 +10169,12 @@
           <a:p>
             <a:pPr algn="ctr"/>
             <a:r>
-              <a:rPr kumimoji="1" lang="ja-JP" altLang="en-US" sz="1600" dirty="0" smtClean="0">
+              <a:rPr kumimoji="1" lang="ko-KR" altLang="en-US" sz="1600" dirty="0" smtClean="0">
                 <a:solidFill>
                   <a:schemeClr val="tx1"/>
                 </a:solidFill>
               </a:rPr>
-              <a:t>サーバントクラス定義</a:t>
+              <a:t>하위 클래스 정의</a:t>
             </a:r>
             <a:endParaRPr kumimoji="1" lang="en-US" altLang="ja-JP" sz="1600" dirty="0" smtClean="0">
               <a:solidFill>
@@ -10211,7 +10190,23 @@
                   <a:schemeClr val="tx1"/>
                 </a:solidFill>
               </a:rPr>
-              <a:t>（サーバコード）</a:t>
+              <a:t>（</a:t>
+            </a:r>
+            <a:r>
+              <a:rPr lang="ko-KR" altLang="en-US" sz="1600" dirty="0" smtClean="0">
+                <a:solidFill>
+                  <a:schemeClr val="tx1"/>
+                </a:solidFill>
+              </a:rPr>
+              <a:t>서버 코드</a:t>
+            </a:r>
+            <a:r>
+              <a:rPr lang="ja-JP" altLang="en-US" sz="1600" dirty="0" smtClean="0">
+                <a:solidFill>
+                  <a:schemeClr val="tx1"/>
+                </a:solidFill>
+              </a:rPr>
+              <a:t>）</a:t>
             </a:r>
             <a:endParaRPr kumimoji="1" lang="ja-JP" altLang="en-US" sz="1600" dirty="0">
               <a:solidFill>
@@ -10466,7 +10461,7 @@
           <a:lstStyle/>
           <a:p>
             <a:pPr algn="ctr"/>
-            <a:endParaRPr kumimoji="1" lang="ja-JP" altLang="en-US"/>
+            <a:endParaRPr kumimoji="1" lang="ja-JP" altLang="en-US" dirty="0"/>
           </a:p>
         </p:txBody>
       </p:sp>
@@ -10479,7 +10474,7 @@
         <p:spPr>
           <a:xfrm>
             <a:off x="4519535" y="1517520"/>
-            <a:ext cx="1106393" cy="338554"/>
+            <a:ext cx="800219" cy="338554"/>
           </a:xfrm>
           <a:prstGeom prst="rect">
             <a:avLst/>
@@ -10493,8 +10488,8 @@
           <a:lstStyle/>
           <a:p>
             <a:r>
-              <a:rPr kumimoji="1" lang="ja-JP" altLang="en-US" sz="1600" dirty="0" smtClean="0"/>
-              <a:t>コンパイル</a:t>
+              <a:rPr kumimoji="1" lang="ko-KR" altLang="en-US" sz="1600" dirty="0" smtClean="0"/>
+              <a:t>컴파일</a:t>
             </a:r>
             <a:endParaRPr kumimoji="1" lang="ja-JP" altLang="en-US" sz="1600" dirty="0"/>
           </a:p>
@@ -10509,7 +10504,7 @@
         <p:spPr>
           <a:xfrm>
             <a:off x="2195736" y="2555612"/>
-            <a:ext cx="1119217" cy="338554"/>
+            <a:ext cx="1051891" cy="338554"/>
           </a:xfrm>
           <a:prstGeom prst="rect">
             <a:avLst/>
@@ -10523,8 +10518,8 @@
           <a:lstStyle/>
           <a:p>
             <a:r>
-              <a:rPr kumimoji="1" lang="ja-JP" altLang="en-US" sz="1600" dirty="0" smtClean="0"/>
-              <a:t>スタブ生成</a:t>
+              <a:rPr kumimoji="1" lang="ko-KR" altLang="en-US" sz="1600" dirty="0" smtClean="0"/>
+              <a:t>스텁 생성</a:t>
             </a:r>
             <a:endParaRPr kumimoji="1" lang="ja-JP" altLang="en-US" sz="1600" dirty="0"/>
           </a:p>
@@ -10538,8 +10533,8 @@
         </p:nvSpPr>
         <p:spPr>
           <a:xfrm>
-            <a:off x="5676253" y="2258288"/>
-            <a:ext cx="2143536" cy="677108"/>
+            <a:off x="5867014" y="2258288"/>
+            <a:ext cx="1762021" cy="677108"/>
           </a:xfrm>
           <a:prstGeom prst="rect">
             <a:avLst/>
@@ -10554,24 +10549,32 @@
           <a:p>
             <a:pPr algn="ctr"/>
             <a:r>
-              <a:rPr kumimoji="1" lang="ja-JP" altLang="en-US" sz="1600" dirty="0" smtClean="0"/>
-              <a:t>スケルトン生成</a:t>
-            </a:r>
-            <a:endParaRPr kumimoji="1" lang="en-US" altLang="ja-JP" sz="1600" dirty="0" smtClean="0"/>
+              <a:rPr kumimoji="1" lang="ko-KR" altLang="en-US" sz="1600" dirty="0" smtClean="0"/>
+              <a:t>스켈레톤 생성</a:t>
+            </a:r>
+            <a:endParaRPr kumimoji="1" lang="en-US" altLang="ko-KR" sz="1600" dirty="0" smtClean="0"/>
           </a:p>
           <a:p>
             <a:pPr algn="ctr"/>
             <a:r>
               <a:rPr lang="ja-JP" altLang="en-US" sz="1100" dirty="0" smtClean="0"/>
-              <a:t>（サーバントクラス定義ファイルが</a:t>
+              <a:t>（</a:t>
+            </a:r>
+            <a:r>
+              <a:rPr lang="ko-KR" altLang="en-US" sz="1100" dirty="0" smtClean="0"/>
+              <a:t>하위 클래스 정의 파일이</a:t>
             </a:r>
             <a:endParaRPr lang="en-US" altLang="ja-JP" sz="1100" dirty="0" smtClean="0"/>
           </a:p>
           <a:p>
             <a:pPr algn="ctr"/>
             <a:r>
+              <a:rPr lang="ko-KR" altLang="en-US" sz="1100" dirty="0" smtClean="0"/>
+              <a:t>생성되는 경우도 있음</a:t>
+            </a:r>
+            <a:r>
               <a:rPr lang="ja-JP" altLang="en-US" sz="1100" dirty="0" smtClean="0"/>
-              <a:t>生成される場合もある）</a:t>
+              <a:t>）</a:t>
             </a:r>
             <a:endParaRPr kumimoji="1" lang="ja-JP" altLang="en-US" sz="1100" dirty="0"/>
           </a:p>
@@ -10600,8 +10603,8 @@
           <a:lstStyle/>
           <a:p>
             <a:r>
-              <a:rPr kumimoji="1" lang="ja-JP" altLang="en-US" sz="1600" dirty="0" smtClean="0"/>
-              <a:t>継承</a:t>
+              <a:rPr kumimoji="1" lang="ko-KR" altLang="en-US" sz="1600" dirty="0" smtClean="0"/>
+              <a:t>계승</a:t>
             </a:r>
             <a:endParaRPr kumimoji="1" lang="ja-JP" altLang="en-US" sz="1600" dirty="0"/>
           </a:p>
@@ -10630,8 +10633,8 @@
           <a:lstStyle/>
           <a:p>
             <a:r>
-              <a:rPr kumimoji="1" lang="ja-JP" altLang="en-US" sz="1600" dirty="0" smtClean="0"/>
-              <a:t>利用</a:t>
+              <a:rPr kumimoji="1" lang="ko-KR" altLang="en-US" sz="1600" dirty="0" smtClean="0"/>
+              <a:t>이용</a:t>
             </a:r>
             <a:endParaRPr kumimoji="1" lang="ja-JP" altLang="en-US" sz="1600" dirty="0"/>
           </a:p>
@@ -10879,7 +10882,7 @@
           <a:lstStyle/>
           <a:p>
             <a:pPr algn="ctr"/>
-            <a:endParaRPr kumimoji="1" lang="ja-JP" altLang="en-US"/>
+            <a:endParaRPr kumimoji="1" lang="ja-JP" altLang="en-US" dirty="0"/>
           </a:p>
         </p:txBody>
       </p:sp>
@@ -10930,7 +10933,7 @@
           <a:lstStyle/>
           <a:p>
             <a:pPr algn="ctr"/>
-            <a:endParaRPr kumimoji="1" lang="ja-JP" altLang="en-US"/>
+            <a:endParaRPr kumimoji="1" lang="ja-JP" altLang="en-US" dirty="0"/>
           </a:p>
         </p:txBody>
       </p:sp>
@@ -10981,7 +10984,7 @@
           <a:lstStyle/>
           <a:p>
             <a:pPr algn="ctr"/>
-            <a:endParaRPr kumimoji="1" lang="ja-JP" altLang="en-US"/>
+            <a:endParaRPr kumimoji="1" lang="ja-JP" altLang="en-US" dirty="0"/>
           </a:p>
         </p:txBody>
       </p:sp>
@@ -11077,7 +11080,7 @@
           <a:lstStyle/>
           <a:p>
             <a:pPr algn="ctr"/>
-            <a:endParaRPr kumimoji="1" lang="ja-JP" altLang="en-US">
+            <a:endParaRPr kumimoji="1" lang="ja-JP" altLang="en-US" dirty="0">
               <a:solidFill>
                 <a:schemeClr val="tx1"/>
               </a:solidFill>
@@ -11136,7 +11139,7 @@
           <a:lstStyle/>
           <a:p>
             <a:pPr algn="ctr"/>
-            <a:endParaRPr kumimoji="1" lang="ja-JP" altLang="en-US">
+            <a:endParaRPr kumimoji="1" lang="ja-JP" altLang="en-US" dirty="0">
               <a:solidFill>
                 <a:schemeClr val="tx1"/>
               </a:solidFill>
@@ -11275,7 +11278,7 @@
           <a:lstStyle/>
           <a:p>
             <a:pPr algn="ctr"/>
-            <a:endParaRPr kumimoji="1" lang="ja-JP" altLang="en-US">
+            <a:endParaRPr kumimoji="1" lang="ja-JP" altLang="en-US" dirty="0">
               <a:solidFill>
                 <a:schemeClr val="tx1"/>
               </a:solidFill>
@@ -11326,11 +11329,7 @@
             </a:r>
             <a:r>
               <a:rPr lang="en-US" altLang="ja-JP" sz="1400" dirty="0" smtClean="0"/>
-              <a:t>: </a:t>
-            </a:r>
-            <a:r>
-              <a:rPr lang="en-US" altLang="ja-JP" sz="1400" dirty="0" err="1" smtClean="0"/>
-              <a:t>abc</a:t>
+              <a:t>: abc</a:t>
             </a:r>
             <a:endParaRPr kumimoji="1" lang="ja-JP" altLang="en-US" sz="1400" dirty="0"/>
           </a:p>
@@ -11421,11 +11420,7 @@
             </a:r>
             <a:r>
               <a:rPr lang="en-US" altLang="ja-JP" sz="1400" dirty="0" smtClean="0"/>
-              <a:t>: </a:t>
-            </a:r>
-            <a:r>
-              <a:rPr lang="en-US" altLang="ja-JP" sz="1400" dirty="0" err="1" smtClean="0"/>
-              <a:t>ghi</a:t>
+              <a:t>: ghi</a:t>
             </a:r>
             <a:endParaRPr kumimoji="1" lang="ja-JP" altLang="en-US" sz="1400" dirty="0"/>
           </a:p>
@@ -11639,11 +11634,7 @@
             </a:r>
             <a:r>
               <a:rPr lang="en-US" altLang="ja-JP" sz="1400" dirty="0" smtClean="0"/>
-              <a:t>: </a:t>
-            </a:r>
-            <a:r>
-              <a:rPr lang="en-US" altLang="ja-JP" sz="1400" dirty="0" err="1" smtClean="0"/>
-              <a:t>abc</a:t>
+              <a:t>: abc</a:t>
             </a:r>
             <a:endParaRPr kumimoji="1" lang="ja-JP" altLang="en-US" sz="1400" dirty="0"/>
           </a:p>
@@ -11988,7 +11979,7 @@
           <a:lstStyle/>
           <a:p>
             <a:pPr algn="ctr"/>
-            <a:endParaRPr kumimoji="1" lang="ja-JP" altLang="en-US"/>
+            <a:endParaRPr kumimoji="1" lang="ja-JP" altLang="en-US" dirty="0"/>
           </a:p>
         </p:txBody>
       </p:sp>
@@ -12039,7 +12030,7 @@
           <a:lstStyle/>
           <a:p>
             <a:pPr algn="ctr"/>
-            <a:endParaRPr kumimoji="1" lang="ja-JP" altLang="en-US"/>
+            <a:endParaRPr kumimoji="1" lang="ja-JP" altLang="en-US" dirty="0"/>
           </a:p>
         </p:txBody>
       </p:sp>
@@ -12090,7 +12081,7 @@
           <a:lstStyle/>
           <a:p>
             <a:pPr algn="ctr"/>
-            <a:endParaRPr kumimoji="1" lang="ja-JP" altLang="en-US"/>
+            <a:endParaRPr kumimoji="1" lang="ja-JP" altLang="en-US" dirty="0"/>
           </a:p>
         </p:txBody>
       </p:sp>
@@ -12186,7 +12177,7 @@
           <a:lstStyle/>
           <a:p>
             <a:pPr algn="ctr"/>
-            <a:endParaRPr kumimoji="1" lang="ja-JP" altLang="en-US">
+            <a:endParaRPr kumimoji="1" lang="ja-JP" altLang="en-US" dirty="0">
               <a:solidFill>
                 <a:schemeClr val="tx1"/>
               </a:solidFill>
@@ -12245,7 +12236,7 @@
           <a:lstStyle/>
           <a:p>
             <a:pPr algn="ctr"/>
-            <a:endParaRPr kumimoji="1" lang="ja-JP" altLang="en-US">
+            <a:endParaRPr kumimoji="1" lang="ja-JP" altLang="en-US" dirty="0">
               <a:solidFill>
                 <a:schemeClr val="tx1"/>
               </a:solidFill>
@@ -12384,7 +12375,7 @@
           <a:lstStyle/>
           <a:p>
             <a:pPr algn="ctr"/>
-            <a:endParaRPr kumimoji="1" lang="ja-JP" altLang="en-US">
+            <a:endParaRPr kumimoji="1" lang="ja-JP" altLang="en-US" dirty="0">
               <a:solidFill>
                 <a:schemeClr val="tx1"/>
               </a:solidFill>
@@ -12431,11 +12422,7 @@
           <a:p>
             <a:r>
               <a:rPr lang="en-US" altLang="ja-JP" sz="1400" dirty="0" smtClean="0"/>
-              <a:t>Instance name: </a:t>
-            </a:r>
-            <a:r>
-              <a:rPr lang="en-US" altLang="ja-JP" sz="1400" dirty="0" err="1" smtClean="0"/>
-              <a:t>abc</a:t>
+              <a:t>Instance name: abc</a:t>
             </a:r>
             <a:endParaRPr kumimoji="1" lang="ja-JP" altLang="en-US" sz="1400" dirty="0"/>
           </a:p>
@@ -12518,11 +12505,7 @@
           <a:p>
             <a:r>
               <a:rPr lang="en-US" altLang="ja-JP" sz="1400" dirty="0" smtClean="0"/>
-              <a:t>Instance name: </a:t>
-            </a:r>
-            <a:r>
-              <a:rPr lang="en-US" altLang="ja-JP" sz="1400" dirty="0" err="1" smtClean="0"/>
-              <a:t>ghi</a:t>
+              <a:t>Instance name: ghi</a:t>
             </a:r>
             <a:endParaRPr kumimoji="1" lang="ja-JP" altLang="en-US" sz="1400" dirty="0"/>
           </a:p>
@@ -12728,11 +12711,7 @@
           <a:p>
             <a:r>
               <a:rPr lang="en-US" altLang="ja-JP" sz="1400" dirty="0" smtClean="0"/>
-              <a:t>Instance name: </a:t>
-            </a:r>
-            <a:r>
-              <a:rPr lang="en-US" altLang="ja-JP" sz="1400" dirty="0" err="1" smtClean="0"/>
-              <a:t>abc</a:t>
+              <a:t>Instance name: abc</a:t>
             </a:r>
             <a:endParaRPr kumimoji="1" lang="ja-JP" altLang="en-US" sz="1400" dirty="0"/>
           </a:p>
@@ -13077,7 +13056,7 @@
           <a:lstStyle/>
           <a:p>
             <a:pPr algn="ctr"/>
-            <a:endParaRPr kumimoji="1" lang="ja-JP" altLang="en-US"/>
+            <a:endParaRPr kumimoji="1" lang="ja-JP" altLang="en-US" dirty="0"/>
           </a:p>
         </p:txBody>
       </p:sp>
@@ -13128,7 +13107,7 @@
           <a:lstStyle/>
           <a:p>
             <a:pPr algn="ctr"/>
-            <a:endParaRPr kumimoji="1" lang="ja-JP" altLang="en-US"/>
+            <a:endParaRPr kumimoji="1" lang="ja-JP" altLang="en-US" dirty="0"/>
           </a:p>
         </p:txBody>
       </p:sp>
@@ -13179,7 +13158,7 @@
           <a:lstStyle/>
           <a:p>
             <a:pPr algn="ctr"/>
-            <a:endParaRPr kumimoji="1" lang="ja-JP" altLang="en-US"/>
+            <a:endParaRPr kumimoji="1" lang="ja-JP" altLang="en-US" dirty="0"/>
           </a:p>
         </p:txBody>
       </p:sp>
@@ -13275,7 +13254,7 @@
           <a:lstStyle/>
           <a:p>
             <a:pPr algn="ctr"/>
-            <a:endParaRPr kumimoji="1" lang="ja-JP" altLang="en-US">
+            <a:endParaRPr kumimoji="1" lang="ja-JP" altLang="en-US" dirty="0">
               <a:solidFill>
                 <a:schemeClr val="tx1"/>
               </a:solidFill>
@@ -13334,7 +13313,7 @@
           <a:lstStyle/>
           <a:p>
             <a:pPr algn="ctr"/>
-            <a:endParaRPr kumimoji="1" lang="ja-JP" altLang="en-US">
+            <a:endParaRPr kumimoji="1" lang="ja-JP" altLang="en-US" dirty="0">
               <a:solidFill>
                 <a:schemeClr val="tx1"/>
               </a:solidFill>
@@ -13473,7 +13452,7 @@
           <a:lstStyle/>
           <a:p>
             <a:pPr algn="ctr"/>
-            <a:endParaRPr kumimoji="1" lang="ja-JP" altLang="en-US">
+            <a:endParaRPr kumimoji="1" lang="ja-JP" altLang="en-US" dirty="0">
               <a:solidFill>
                 <a:schemeClr val="tx1"/>
               </a:solidFill>
@@ -13490,7 +13469,7 @@
         <p:spPr>
           <a:xfrm>
             <a:off x="4932040" y="1988840"/>
-            <a:ext cx="1628972" cy="523220"/>
+            <a:ext cx="1646605" cy="523220"/>
           </a:xfrm>
           <a:prstGeom prst="rect">
             <a:avLst/>
@@ -13509,8 +13488,8 @@
           <a:lstStyle/>
           <a:p>
             <a:r>
-              <a:rPr kumimoji="1" lang="ja-JP" altLang="en-US" sz="1400" dirty="0" smtClean="0"/>
-              <a:t>型</a:t>
+              <a:rPr kumimoji="1" lang="ko-KR" altLang="en-US" sz="1400" dirty="0" smtClean="0"/>
+              <a:t>타입</a:t>
             </a:r>
             <a:r>
               <a:rPr kumimoji="1" lang="en-US" altLang="ja-JP" sz="1400" dirty="0" smtClean="0"/>
@@ -13519,16 +13498,12 @@
           </a:p>
           <a:p>
             <a:r>
-              <a:rPr lang="ja-JP" altLang="en-US" sz="1400" dirty="0" smtClean="0"/>
-              <a:t>インスタンス名</a:t>
+              <a:rPr lang="ko-KR" altLang="en-US" sz="1400" dirty="0" smtClean="0"/>
+              <a:t>인터페이스 명</a:t>
             </a:r>
             <a:r>
               <a:rPr lang="en-US" altLang="ja-JP" sz="1400" dirty="0" smtClean="0"/>
-              <a:t>: </a:t>
-            </a:r>
-            <a:r>
-              <a:rPr lang="en-US" altLang="ja-JP" sz="1400" dirty="0" err="1" smtClean="0"/>
-              <a:t>abc</a:t>
+              <a:t>: abc</a:t>
             </a:r>
             <a:endParaRPr kumimoji="1" lang="ja-JP" altLang="en-US" sz="1400" dirty="0"/>
           </a:p>
@@ -13583,7 +13558,7 @@
         <p:spPr>
           <a:xfrm>
             <a:off x="5004048" y="4221088"/>
-            <a:ext cx="1593706" cy="523220"/>
+            <a:ext cx="1611339" cy="523220"/>
           </a:xfrm>
           <a:prstGeom prst="rect">
             <a:avLst/>
@@ -13604,8 +13579,8 @@
           <a:lstStyle/>
           <a:p>
             <a:r>
-              <a:rPr kumimoji="1" lang="ja-JP" altLang="en-US" sz="1400" dirty="0" smtClean="0"/>
-              <a:t>型</a:t>
+              <a:rPr kumimoji="1" lang="ko-KR" altLang="en-US" sz="1400" dirty="0" smtClean="0"/>
+              <a:t>타입</a:t>
             </a:r>
             <a:r>
               <a:rPr kumimoji="1" lang="en-US" altLang="ja-JP" sz="1400" dirty="0" smtClean="0"/>
@@ -13614,16 +13589,12 @@
           </a:p>
           <a:p>
             <a:r>
-              <a:rPr lang="ja-JP" altLang="en-US" sz="1400" dirty="0" smtClean="0"/>
-              <a:t>インスタンス名</a:t>
+              <a:rPr lang="ko-KR" altLang="en-US" sz="1400" dirty="0" smtClean="0"/>
+              <a:t>인터페이스 명</a:t>
             </a:r>
             <a:r>
               <a:rPr lang="en-US" altLang="ja-JP" sz="1400" dirty="0" smtClean="0"/>
-              <a:t>: </a:t>
-            </a:r>
-            <a:r>
-              <a:rPr lang="en-US" altLang="ja-JP" sz="1400" dirty="0" err="1" smtClean="0"/>
-              <a:t>ghi</a:t>
+              <a:t>: ghi</a:t>
             </a:r>
             <a:endParaRPr kumimoji="1" lang="ja-JP" altLang="en-US" sz="1400" dirty="0"/>
           </a:p>
@@ -13638,7 +13609,7 @@
         <p:spPr>
           <a:xfrm>
             <a:off x="5292080" y="3429000"/>
-            <a:ext cx="1609736" cy="523220"/>
+            <a:ext cx="1627369" cy="523220"/>
           </a:xfrm>
           <a:prstGeom prst="rect">
             <a:avLst/>
@@ -13659,8 +13630,8 @@
           <a:lstStyle/>
           <a:p>
             <a:r>
-              <a:rPr kumimoji="1" lang="ja-JP" altLang="en-US" sz="1400" dirty="0" smtClean="0"/>
-              <a:t>型</a:t>
+              <a:rPr kumimoji="1" lang="ko-KR" altLang="en-US" sz="1400" dirty="0" smtClean="0"/>
+              <a:t>타입</a:t>
             </a:r>
             <a:r>
               <a:rPr kumimoji="1" lang="en-US" altLang="ja-JP" sz="1400" dirty="0" smtClean="0"/>
@@ -13669,8 +13640,8 @@
           </a:p>
           <a:p>
             <a:r>
-              <a:rPr lang="ja-JP" altLang="en-US" sz="1400" dirty="0" smtClean="0"/>
-              <a:t>インスタンス名</a:t>
+              <a:rPr lang="ko-KR" altLang="en-US" sz="1400" dirty="0" smtClean="0"/>
+              <a:t>인터페이스 명</a:t>
             </a:r>
             <a:r>
               <a:rPr lang="en-US" altLang="ja-JP" sz="1400" dirty="0" smtClean="0"/>
@@ -13803,7 +13774,7 @@
         <p:spPr>
           <a:xfrm>
             <a:off x="2555776" y="1988840"/>
-            <a:ext cx="1628972" cy="523220"/>
+            <a:ext cx="1646605" cy="523220"/>
           </a:xfrm>
           <a:prstGeom prst="rect">
             <a:avLst/>
@@ -13822,8 +13793,8 @@
           <a:lstStyle/>
           <a:p>
             <a:r>
-              <a:rPr kumimoji="1" lang="ja-JP" altLang="en-US" sz="1400" dirty="0" smtClean="0"/>
-              <a:t>型</a:t>
+              <a:rPr kumimoji="1" lang="ko-KR" altLang="en-US" sz="1400" dirty="0" smtClean="0"/>
+              <a:t>타입</a:t>
             </a:r>
             <a:r>
               <a:rPr kumimoji="1" lang="en-US" altLang="ja-JP" sz="1400" dirty="0" smtClean="0"/>
@@ -13832,16 +13803,12 @@
           </a:p>
           <a:p>
             <a:r>
-              <a:rPr lang="ja-JP" altLang="en-US" sz="1400" dirty="0" smtClean="0"/>
-              <a:t>インスタンス名</a:t>
+              <a:rPr lang="ko-KR" altLang="en-US" sz="1400" dirty="0" smtClean="0"/>
+              <a:t>인터페이스 명</a:t>
             </a:r>
             <a:r>
               <a:rPr lang="en-US" altLang="ja-JP" sz="1400" dirty="0" smtClean="0"/>
-              <a:t>: </a:t>
-            </a:r>
-            <a:r>
-              <a:rPr lang="en-US" altLang="ja-JP" sz="1400" dirty="0" err="1" smtClean="0"/>
-              <a:t>abc</a:t>
+              <a:t>: abc</a:t>
             </a:r>
             <a:endParaRPr kumimoji="1" lang="ja-JP" altLang="en-US" sz="1400" dirty="0"/>
           </a:p>
@@ -13858,8 +13825,8 @@
         </p:nvCxnSpPr>
         <p:spPr>
           <a:xfrm>
-            <a:off x="4184748" y="2250450"/>
-            <a:ext cx="346880" cy="418098"/>
+            <a:off x="4202381" y="2250450"/>
+            <a:ext cx="329247" cy="418098"/>
           </a:xfrm>
           <a:prstGeom prst="line">
             <a:avLst/>
@@ -13929,12 +13896,20 @@
           <a:lstStyle/>
           <a:p>
             <a:r>
-              <a:rPr lang="ja-JP" altLang="en-US" sz="1600" dirty="0" smtClean="0">
+              <a:rPr lang="ko-KR" altLang="en-US" sz="1600" dirty="0" smtClean="0">
                 <a:solidFill>
                   <a:schemeClr val="tx1"/>
                 </a:solidFill>
               </a:rPr>
-              <a:t>接続時に何も指定しなければ型とインスタンス名が同じインターフェース同士が自動的に接続される。</a:t>
+              <a:t>연결시 아무것도 지정하지 않으면 타입과 인터페이스 명이 같은 인터페이스끼리가 자동적으로 연결된다</a:t>
+            </a:r>
+            <a:r>
+              <a:rPr lang="en-US" altLang="ko-KR" sz="1600" dirty="0" smtClean="0">
+                <a:solidFill>
+                  <a:schemeClr val="tx1"/>
+                </a:solidFill>
+              </a:rPr>
+              <a:t>.</a:t>
             </a:r>
             <a:endParaRPr lang="ja-JP" altLang="en-US" sz="1600" dirty="0">
               <a:solidFill>
@@ -14061,7 +14036,7 @@
           <a:lstStyle/>
           <a:p>
             <a:pPr algn="ctr"/>
-            <a:endParaRPr kumimoji="1" lang="ja-JP" altLang="en-US"/>
+            <a:endParaRPr kumimoji="1" lang="ja-JP" altLang="en-US" dirty="0"/>
           </a:p>
         </p:txBody>
       </p:sp>
@@ -14112,7 +14087,7 @@
           <a:lstStyle/>
           <a:p>
             <a:pPr algn="ctr"/>
-            <a:endParaRPr kumimoji="1" lang="ja-JP" altLang="en-US"/>
+            <a:endParaRPr kumimoji="1" lang="ja-JP" altLang="en-US" dirty="0"/>
           </a:p>
         </p:txBody>
       </p:sp>
@@ -14167,7 +14142,7 @@
           <a:lstStyle/>
           <a:p>
             <a:pPr algn="ctr"/>
-            <a:endParaRPr kumimoji="1" lang="ja-JP" altLang="en-US">
+            <a:endParaRPr kumimoji="1" lang="ja-JP" altLang="en-US" dirty="0">
               <a:solidFill>
                 <a:schemeClr val="tx1"/>
               </a:solidFill>
@@ -14350,36 +14325,12 @@
           </a:p>
           <a:p>
             <a:r>
-              <a:rPr lang="en-US" altLang="ja-JP" sz="1100" dirty="0" err="1" smtClean="0">
-                <a:solidFill>
-                  <a:schemeClr val="tx1"/>
-                </a:solidFill>
-              </a:rPr>
-              <a:t>retval</a:t>
-            </a:r>
-            <a:r>
               <a:rPr lang="en-US" altLang="ja-JP" sz="1100" dirty="0" smtClean="0">
                 <a:solidFill>
                   <a:schemeClr val="tx1"/>
                 </a:solidFill>
               </a:rPr>
-              <a:t> = </a:t>
-            </a:r>
-            <a:r>
-              <a:rPr lang="en-US" altLang="ja-JP" sz="1100" dirty="0" err="1" smtClean="0">
-                <a:solidFill>
-                  <a:schemeClr val="tx1"/>
-                </a:solidFill>
-              </a:rPr>
-              <a:t>o</a:t>
-            </a:r>
-            <a:r>
-              <a:rPr kumimoji="1" lang="en-US" altLang="ja-JP" sz="1100" dirty="0" err="1" smtClean="0">
-                <a:solidFill>
-                  <a:schemeClr val="tx1"/>
-                </a:solidFill>
-              </a:rPr>
-              <a:t>bj</a:t>
+              <a:t>retval = o</a:t>
             </a:r>
             <a:r>
               <a:rPr kumimoji="1" lang="en-US" altLang="ja-JP" sz="1100" dirty="0" smtClean="0">
@@ -14387,59 +14338,27 @@
                   <a:schemeClr val="tx1"/>
                 </a:solidFill>
               </a:rPr>
-              <a:t>-&gt;echo(“Hello World!!”);</a:t>
-            </a:r>
-          </a:p>
-          <a:p>
-            <a:r>
-              <a:rPr lang="en-US" altLang="ja-JP" sz="1100" dirty="0" err="1" smtClean="0">
-                <a:solidFill>
-                  <a:schemeClr val="tx1"/>
-                </a:solidFill>
-              </a:rPr>
-              <a:t>sendRetvalToRemoteCaller</a:t>
-            </a:r>
+              <a:t>bj-&gt;echo(“Hello World!!”);</a:t>
+            </a:r>
+          </a:p>
+          <a:p>
             <a:r>
               <a:rPr lang="en-US" altLang="ja-JP" sz="1100" dirty="0" smtClean="0">
                 <a:solidFill>
                   <a:schemeClr val="tx1"/>
                 </a:solidFill>
               </a:rPr>
-              <a:t>(</a:t>
-            </a:r>
-            <a:r>
-              <a:rPr lang="en-US" altLang="ja-JP" sz="1100" dirty="0" err="1" smtClean="0">
-                <a:solidFill>
-                  <a:schemeClr val="tx1"/>
-                </a:solidFill>
-              </a:rPr>
-              <a:t>retval</a:t>
-            </a:r>
+              <a:t>sendRetvalToRemoteCaller(retval);</a:t>
+            </a:r>
+          </a:p>
+          <a:p>
             <a:r>
               <a:rPr lang="en-US" altLang="ja-JP" sz="1100" dirty="0" smtClean="0">
                 <a:solidFill>
                   <a:schemeClr val="tx1"/>
                 </a:solidFill>
               </a:rPr>
-              <a:t>);</a:t>
-            </a:r>
-          </a:p>
-          <a:p>
-            <a:r>
-              <a:rPr lang="en-US" altLang="ja-JP" sz="1100" dirty="0" err="1" smtClean="0">
-                <a:solidFill>
-                  <a:schemeClr val="tx1"/>
-                </a:solidFill>
-              </a:rPr>
               <a:t>d</a:t>
-            </a:r>
-            <a:r>
-              <a:rPr kumimoji="1" lang="en-US" altLang="ja-JP" sz="1100" dirty="0" err="1" smtClean="0">
-                <a:solidFill>
-                  <a:schemeClr val="tx1"/>
-                </a:solidFill>
-              </a:rPr>
-              <a:t>eleteObject</a:t>
             </a:r>
             <a:r>
               <a:rPr kumimoji="1" lang="en-US" altLang="ja-JP" sz="1100" dirty="0" smtClean="0">
@@ -14447,23 +14366,7 @@
                   <a:schemeClr val="tx1"/>
                 </a:solidFill>
               </a:rPr>
-              <a:t>(</a:t>
-            </a:r>
-            <a:r>
-              <a:rPr kumimoji="1" lang="en-US" altLang="ja-JP" sz="1100" dirty="0" err="1" smtClean="0">
-                <a:solidFill>
-                  <a:schemeClr val="tx1"/>
-                </a:solidFill>
-              </a:rPr>
-              <a:t>retval</a:t>
-            </a:r>
-            <a:r>
-              <a:rPr kumimoji="1" lang="en-US" altLang="ja-JP" sz="1100" dirty="0" smtClean="0">
-                <a:solidFill>
-                  <a:schemeClr val="tx1"/>
-                </a:solidFill>
-              </a:rPr>
-              <a:t>);</a:t>
+              <a:t>eleteObject(retval);</a:t>
             </a:r>
           </a:p>
           <a:p>
@@ -14530,15 +14433,7 @@
             </a:r>
             <a:r>
               <a:rPr lang="en-US" altLang="ja-JP" sz="1100" dirty="0" smtClean="0"/>
-              <a:t>har* echo(char* </a:t>
-            </a:r>
-            <a:r>
-              <a:rPr lang="en-US" altLang="ja-JP" sz="1100" dirty="0" err="1" smtClean="0"/>
-              <a:t>msg</a:t>
-            </a:r>
-            <a:r>
-              <a:rPr lang="en-US" altLang="ja-JP" sz="1100" dirty="0" smtClean="0"/>
-              <a:t>)</a:t>
+              <a:t>har* echo(char* msg)</a:t>
             </a:r>
           </a:p>
           <a:p>
@@ -14550,23 +14445,7 @@
           <a:p>
             <a:r>
               <a:rPr lang="en-US" altLang="ja-JP" sz="1100" dirty="0" smtClean="0"/>
-              <a:t>    return CORBA::</a:t>
-            </a:r>
-            <a:r>
-              <a:rPr lang="en-US" altLang="ja-JP" sz="1100" dirty="0" err="1" smtClean="0"/>
-              <a:t>string_dup</a:t>
-            </a:r>
-            <a:r>
-              <a:rPr lang="en-US" altLang="ja-JP" sz="1100" dirty="0" smtClean="0"/>
-              <a:t>(</a:t>
-            </a:r>
-            <a:r>
-              <a:rPr lang="en-US" altLang="ja-JP" sz="1100" dirty="0" err="1" smtClean="0"/>
-              <a:t>msg</a:t>
-            </a:r>
-            <a:r>
-              <a:rPr lang="en-US" altLang="ja-JP" sz="1100" dirty="0" smtClean="0"/>
-              <a:t>)</a:t>
+              <a:t>    return CORBA::string_dup(msg)</a:t>
             </a:r>
             <a:r>
               <a:rPr kumimoji="1" lang="en-US" altLang="ja-JP" sz="1100" dirty="0" smtClean="0"/>
@@ -15011,7 +14890,7 @@
           <a:lstStyle/>
           <a:p>
             <a:pPr algn="ctr"/>
-            <a:endParaRPr kumimoji="1" lang="ja-JP" altLang="en-US"/>
+            <a:endParaRPr kumimoji="1" lang="ja-JP" altLang="en-US" dirty="0"/>
           </a:p>
         </p:txBody>
       </p:sp>
@@ -15062,7 +14941,7 @@
           <a:lstStyle/>
           <a:p>
             <a:pPr algn="ctr"/>
-            <a:endParaRPr kumimoji="1" lang="ja-JP" altLang="en-US"/>
+            <a:endParaRPr kumimoji="1" lang="ja-JP" altLang="en-US" dirty="0"/>
           </a:p>
         </p:txBody>
       </p:sp>
@@ -15117,7 +14996,7 @@
           <a:lstStyle/>
           <a:p>
             <a:pPr algn="ctr"/>
-            <a:endParaRPr kumimoji="1" lang="ja-JP" altLang="en-US">
+            <a:endParaRPr kumimoji="1" lang="ja-JP" altLang="en-US" dirty="0">
               <a:solidFill>
                 <a:schemeClr val="tx1"/>
               </a:solidFill>
@@ -15300,36 +15179,12 @@
           </a:p>
           <a:p>
             <a:r>
-              <a:rPr lang="en-US" altLang="ja-JP" sz="1100" dirty="0" err="1" smtClean="0">
-                <a:solidFill>
-                  <a:schemeClr val="tx1"/>
-                </a:solidFill>
-              </a:rPr>
-              <a:t>retval</a:t>
-            </a:r>
-            <a:r>
               <a:rPr lang="en-US" altLang="ja-JP" sz="1100" dirty="0" smtClean="0">
                 <a:solidFill>
                   <a:schemeClr val="tx1"/>
                 </a:solidFill>
               </a:rPr>
-              <a:t> = </a:t>
-            </a:r>
-            <a:r>
-              <a:rPr lang="en-US" altLang="ja-JP" sz="1100" dirty="0" err="1" smtClean="0">
-                <a:solidFill>
-                  <a:schemeClr val="tx1"/>
-                </a:solidFill>
-              </a:rPr>
-              <a:t>o</a:t>
-            </a:r>
-            <a:r>
-              <a:rPr kumimoji="1" lang="en-US" altLang="ja-JP" sz="1100" dirty="0" err="1" smtClean="0">
-                <a:solidFill>
-                  <a:schemeClr val="tx1"/>
-                </a:solidFill>
-              </a:rPr>
-              <a:t>bj</a:t>
+              <a:t>retval = o</a:t>
             </a:r>
             <a:r>
               <a:rPr kumimoji="1" lang="en-US" altLang="ja-JP" sz="1100" dirty="0" smtClean="0">
@@ -15337,59 +15192,27 @@
                   <a:schemeClr val="tx1"/>
                 </a:solidFill>
               </a:rPr>
-              <a:t>-&gt;echo(“Hello World!!”);</a:t>
-            </a:r>
-          </a:p>
-          <a:p>
-            <a:r>
-              <a:rPr lang="en-US" altLang="ja-JP" sz="1100" dirty="0" err="1" smtClean="0">
-                <a:solidFill>
-                  <a:schemeClr val="tx1"/>
-                </a:solidFill>
-              </a:rPr>
-              <a:t>sendRetvalToRemoteCaller</a:t>
-            </a:r>
+              <a:t>bj-&gt;echo(“Hello World!!”);</a:t>
+            </a:r>
+          </a:p>
+          <a:p>
             <a:r>
               <a:rPr lang="en-US" altLang="ja-JP" sz="1100" dirty="0" smtClean="0">
                 <a:solidFill>
                   <a:schemeClr val="tx1"/>
                 </a:solidFill>
               </a:rPr>
-              <a:t>(</a:t>
-            </a:r>
-            <a:r>
-              <a:rPr lang="en-US" altLang="ja-JP" sz="1100" dirty="0" err="1" smtClean="0">
-                <a:solidFill>
-                  <a:schemeClr val="tx1"/>
-                </a:solidFill>
-              </a:rPr>
-              <a:t>retval</a:t>
-            </a:r>
+              <a:t>sendRetvalToRemoteCaller(retval);</a:t>
+            </a:r>
+          </a:p>
+          <a:p>
             <a:r>
               <a:rPr lang="en-US" altLang="ja-JP" sz="1100" dirty="0" smtClean="0">
                 <a:solidFill>
                   <a:schemeClr val="tx1"/>
                 </a:solidFill>
               </a:rPr>
-              <a:t>);</a:t>
-            </a:r>
-          </a:p>
-          <a:p>
-            <a:r>
-              <a:rPr lang="en-US" altLang="ja-JP" sz="1100" dirty="0" err="1" smtClean="0">
-                <a:solidFill>
-                  <a:schemeClr val="tx1"/>
-                </a:solidFill>
-              </a:rPr>
               <a:t>d</a:t>
-            </a:r>
-            <a:r>
-              <a:rPr kumimoji="1" lang="en-US" altLang="ja-JP" sz="1100" dirty="0" err="1" smtClean="0">
-                <a:solidFill>
-                  <a:schemeClr val="tx1"/>
-                </a:solidFill>
-              </a:rPr>
-              <a:t>eleteObject</a:t>
             </a:r>
             <a:r>
               <a:rPr kumimoji="1" lang="en-US" altLang="ja-JP" sz="1100" dirty="0" smtClean="0">
@@ -15397,23 +15220,7 @@
                   <a:schemeClr val="tx1"/>
                 </a:solidFill>
               </a:rPr>
-              <a:t>(</a:t>
-            </a:r>
-            <a:r>
-              <a:rPr kumimoji="1" lang="en-US" altLang="ja-JP" sz="1100" dirty="0" err="1" smtClean="0">
-                <a:solidFill>
-                  <a:schemeClr val="tx1"/>
-                </a:solidFill>
-              </a:rPr>
-              <a:t>retval</a:t>
-            </a:r>
-            <a:r>
-              <a:rPr kumimoji="1" lang="en-US" altLang="ja-JP" sz="1100" dirty="0" smtClean="0">
-                <a:solidFill>
-                  <a:schemeClr val="tx1"/>
-                </a:solidFill>
-              </a:rPr>
-              <a:t>);</a:t>
+              <a:t>eleteObject(retval);</a:t>
             </a:r>
           </a:p>
           <a:p>
@@ -15480,15 +15287,7 @@
             </a:r>
             <a:r>
               <a:rPr lang="en-US" altLang="ja-JP" sz="1100" dirty="0" smtClean="0"/>
-              <a:t>har* echo(char* </a:t>
-            </a:r>
-            <a:r>
-              <a:rPr lang="en-US" altLang="ja-JP" sz="1100" dirty="0" err="1" smtClean="0"/>
-              <a:t>msg</a:t>
-            </a:r>
-            <a:r>
-              <a:rPr lang="en-US" altLang="ja-JP" sz="1100" dirty="0" smtClean="0"/>
-              <a:t>)</a:t>
+              <a:t>har* echo(char* msg)</a:t>
             </a:r>
           </a:p>
           <a:p>
@@ -15500,23 +15299,7 @@
           <a:p>
             <a:r>
               <a:rPr lang="en-US" altLang="ja-JP" sz="1100" dirty="0" smtClean="0"/>
-              <a:t>    return CORBA::</a:t>
-            </a:r>
-            <a:r>
-              <a:rPr lang="en-US" altLang="ja-JP" sz="1100" dirty="0" err="1" smtClean="0"/>
-              <a:t>string_dup</a:t>
-            </a:r>
-            <a:r>
-              <a:rPr lang="en-US" altLang="ja-JP" sz="1100" dirty="0" smtClean="0"/>
-              <a:t>(</a:t>
-            </a:r>
-            <a:r>
-              <a:rPr lang="en-US" altLang="ja-JP" sz="1100" dirty="0" err="1" smtClean="0"/>
-              <a:t>msg</a:t>
-            </a:r>
-            <a:r>
-              <a:rPr lang="en-US" altLang="ja-JP" sz="1100" dirty="0" smtClean="0"/>
-              <a:t>)</a:t>
+              <a:t>    return CORBA::string_dup(msg)</a:t>
             </a:r>
             <a:r>
               <a:rPr kumimoji="1" lang="en-US" altLang="ja-JP" sz="1100" dirty="0" smtClean="0"/>
@@ -15961,7 +15744,7 @@
           <a:lstStyle/>
           <a:p>
             <a:pPr algn="ctr"/>
-            <a:endParaRPr kumimoji="1" lang="ja-JP" altLang="en-US"/>
+            <a:endParaRPr kumimoji="1" lang="ja-JP" altLang="en-US" dirty="0"/>
           </a:p>
         </p:txBody>
       </p:sp>
@@ -16012,7 +15795,7 @@
           <a:lstStyle/>
           <a:p>
             <a:pPr algn="ctr"/>
-            <a:endParaRPr kumimoji="1" lang="ja-JP" altLang="en-US"/>
+            <a:endParaRPr kumimoji="1" lang="ja-JP" altLang="en-US" dirty="0"/>
           </a:p>
         </p:txBody>
       </p:sp>
@@ -16067,7 +15850,7 @@
           <a:lstStyle/>
           <a:p>
             <a:pPr algn="ctr"/>
-            <a:endParaRPr kumimoji="1" lang="ja-JP" altLang="en-US">
+            <a:endParaRPr kumimoji="1" lang="ja-JP" altLang="en-US" dirty="0">
               <a:solidFill>
                 <a:schemeClr val="tx1"/>
               </a:solidFill>
@@ -16083,8 +15866,8 @@
         </p:nvSpPr>
         <p:spPr>
           <a:xfrm>
-            <a:off x="1331640" y="1628800"/>
-            <a:ext cx="1391728" cy="369332"/>
+            <a:off x="1606605" y="1628800"/>
+            <a:ext cx="877163" cy="369332"/>
           </a:xfrm>
           <a:prstGeom prst="rect">
             <a:avLst/>
@@ -16098,8 +15881,8 @@
           <a:lstStyle/>
           <a:p>
             <a:r>
-              <a:rPr lang="ja-JP" altLang="en-US" dirty="0" smtClean="0"/>
-              <a:t>コンシューマ</a:t>
+              <a:rPr lang="ko-KR" altLang="en-US" dirty="0" smtClean="0"/>
+              <a:t>컨슈머</a:t>
             </a:r>
             <a:endParaRPr kumimoji="1" lang="ja-JP" altLang="en-US" dirty="0"/>
           </a:p>
@@ -16114,7 +15897,7 @@
         <p:spPr>
           <a:xfrm>
             <a:off x="3779912" y="1628800"/>
-            <a:ext cx="1221809" cy="369332"/>
+            <a:ext cx="1338828" cy="369332"/>
           </a:xfrm>
           <a:prstGeom prst="rect">
             <a:avLst/>
@@ -16128,8 +15911,8 @@
           <a:lstStyle/>
           <a:p>
             <a:r>
-              <a:rPr lang="ja-JP" altLang="en-US" dirty="0" smtClean="0"/>
-              <a:t>プロバイダ</a:t>
+              <a:rPr lang="ko-KR" altLang="en-US" dirty="0" smtClean="0"/>
+              <a:t>프로바이더</a:t>
             </a:r>
             <a:endParaRPr kumimoji="1" lang="ja-JP" altLang="en-US" dirty="0"/>
           </a:p>
@@ -16250,36 +16033,12 @@
           </a:p>
           <a:p>
             <a:r>
-              <a:rPr lang="en-US" altLang="ja-JP" sz="1100" dirty="0" err="1" smtClean="0">
-                <a:solidFill>
-                  <a:schemeClr val="tx1"/>
-                </a:solidFill>
-              </a:rPr>
-              <a:t>retval</a:t>
-            </a:r>
-            <a:r>
               <a:rPr lang="en-US" altLang="ja-JP" sz="1100" dirty="0" smtClean="0">
                 <a:solidFill>
                   <a:schemeClr val="tx1"/>
                 </a:solidFill>
               </a:rPr>
-              <a:t> = </a:t>
-            </a:r>
-            <a:r>
-              <a:rPr lang="en-US" altLang="ja-JP" sz="1100" dirty="0" err="1" smtClean="0">
-                <a:solidFill>
-                  <a:schemeClr val="tx1"/>
-                </a:solidFill>
-              </a:rPr>
-              <a:t>o</a:t>
-            </a:r>
-            <a:r>
-              <a:rPr kumimoji="1" lang="en-US" altLang="ja-JP" sz="1100" dirty="0" err="1" smtClean="0">
-                <a:solidFill>
-                  <a:schemeClr val="tx1"/>
-                </a:solidFill>
-              </a:rPr>
-              <a:t>bj</a:t>
+              <a:t>retval = o</a:t>
             </a:r>
             <a:r>
               <a:rPr kumimoji="1" lang="en-US" altLang="ja-JP" sz="1100" dirty="0" smtClean="0">
@@ -16287,59 +16046,27 @@
                   <a:schemeClr val="tx1"/>
                 </a:solidFill>
               </a:rPr>
-              <a:t>-&gt;echo(“Hello World!!”);</a:t>
-            </a:r>
-          </a:p>
-          <a:p>
-            <a:r>
-              <a:rPr lang="en-US" altLang="ja-JP" sz="1100" dirty="0" err="1" smtClean="0">
-                <a:solidFill>
-                  <a:schemeClr val="tx1"/>
-                </a:solidFill>
-              </a:rPr>
-              <a:t>sendRetvalToRemoteCaller</a:t>
-            </a:r>
+              <a:t>bj-&gt;echo(“Hello World!!”);</a:t>
+            </a:r>
+          </a:p>
+          <a:p>
             <a:r>
               <a:rPr lang="en-US" altLang="ja-JP" sz="1100" dirty="0" smtClean="0">
                 <a:solidFill>
                   <a:schemeClr val="tx1"/>
                 </a:solidFill>
               </a:rPr>
-              <a:t>(</a:t>
-            </a:r>
-            <a:r>
-              <a:rPr lang="en-US" altLang="ja-JP" sz="1100" dirty="0" err="1" smtClean="0">
-                <a:solidFill>
-                  <a:schemeClr val="tx1"/>
-                </a:solidFill>
-              </a:rPr>
-              <a:t>retval</a:t>
-            </a:r>
+              <a:t>sendRetvalToRemoteCaller(retval);</a:t>
+            </a:r>
+          </a:p>
+          <a:p>
             <a:r>
               <a:rPr lang="en-US" altLang="ja-JP" sz="1100" dirty="0" smtClean="0">
                 <a:solidFill>
                   <a:schemeClr val="tx1"/>
                 </a:solidFill>
               </a:rPr>
-              <a:t>);</a:t>
-            </a:r>
-          </a:p>
-          <a:p>
-            <a:r>
-              <a:rPr lang="en-US" altLang="ja-JP" sz="1100" dirty="0" err="1" smtClean="0">
-                <a:solidFill>
-                  <a:schemeClr val="tx1"/>
-                </a:solidFill>
-              </a:rPr>
               <a:t>d</a:t>
-            </a:r>
-            <a:r>
-              <a:rPr kumimoji="1" lang="en-US" altLang="ja-JP" sz="1100" dirty="0" err="1" smtClean="0">
-                <a:solidFill>
-                  <a:schemeClr val="tx1"/>
-                </a:solidFill>
-              </a:rPr>
-              <a:t>eleteObject</a:t>
             </a:r>
             <a:r>
               <a:rPr kumimoji="1" lang="en-US" altLang="ja-JP" sz="1100" dirty="0" smtClean="0">
@@ -16347,23 +16074,7 @@
                   <a:schemeClr val="tx1"/>
                 </a:solidFill>
               </a:rPr>
-              <a:t>(</a:t>
-            </a:r>
-            <a:r>
-              <a:rPr kumimoji="1" lang="en-US" altLang="ja-JP" sz="1100" dirty="0" err="1" smtClean="0">
-                <a:solidFill>
-                  <a:schemeClr val="tx1"/>
-                </a:solidFill>
-              </a:rPr>
-              <a:t>retval</a:t>
-            </a:r>
-            <a:r>
-              <a:rPr kumimoji="1" lang="en-US" altLang="ja-JP" sz="1100" dirty="0" smtClean="0">
-                <a:solidFill>
-                  <a:schemeClr val="tx1"/>
-                </a:solidFill>
-              </a:rPr>
-              <a:t>);</a:t>
+              <a:t>eleteObject(retval);</a:t>
             </a:r>
           </a:p>
           <a:p>
@@ -16430,15 +16141,7 @@
             </a:r>
             <a:r>
               <a:rPr lang="en-US" altLang="ja-JP" sz="1100" dirty="0" smtClean="0"/>
-              <a:t>har* echo(char* </a:t>
-            </a:r>
-            <a:r>
-              <a:rPr lang="en-US" altLang="ja-JP" sz="1100" dirty="0" err="1" smtClean="0"/>
-              <a:t>msg</a:t>
-            </a:r>
-            <a:r>
-              <a:rPr lang="en-US" altLang="ja-JP" sz="1100" dirty="0" smtClean="0"/>
-              <a:t>)</a:t>
+              <a:t>har* echo(char* msg)</a:t>
             </a:r>
           </a:p>
           <a:p>
@@ -16450,23 +16153,7 @@
           <a:p>
             <a:r>
               <a:rPr lang="en-US" altLang="ja-JP" sz="1100" dirty="0" smtClean="0"/>
-              <a:t>    return CORBA::</a:t>
-            </a:r>
-            <a:r>
-              <a:rPr lang="en-US" altLang="ja-JP" sz="1100" dirty="0" err="1" smtClean="0"/>
-              <a:t>string_dup</a:t>
-            </a:r>
-            <a:r>
-              <a:rPr lang="en-US" altLang="ja-JP" sz="1100" dirty="0" smtClean="0"/>
-              <a:t>(</a:t>
-            </a:r>
-            <a:r>
-              <a:rPr lang="en-US" altLang="ja-JP" sz="1100" dirty="0" err="1" smtClean="0"/>
-              <a:t>msg</a:t>
-            </a:r>
-            <a:r>
-              <a:rPr lang="en-US" altLang="ja-JP" sz="1100" dirty="0" smtClean="0"/>
-              <a:t>)</a:t>
+              <a:t>    return CORBA::string_dup(msg)</a:t>
             </a:r>
             <a:r>
               <a:rPr kumimoji="1" lang="en-US" altLang="ja-JP" sz="1100" dirty="0" smtClean="0"/>
@@ -16772,8 +16459,8 @@
         </p:nvSpPr>
         <p:spPr>
           <a:xfrm>
-            <a:off x="2267744" y="2348880"/>
-            <a:ext cx="1694695" cy="276999"/>
+            <a:off x="2554770" y="2376176"/>
+            <a:ext cx="1297150" cy="276999"/>
           </a:xfrm>
           <a:prstGeom prst="rect">
             <a:avLst/>
@@ -16787,8 +16474,8 @@
           <a:lstStyle/>
           <a:p>
             <a:r>
-              <a:rPr kumimoji="1" lang="ja-JP" altLang="en-US" sz="1200" dirty="0" smtClean="0"/>
-              <a:t>オペレーション呼び出し</a:t>
+              <a:rPr kumimoji="1" lang="ko-KR" altLang="en-US" sz="1200" dirty="0" smtClean="0"/>
+              <a:t>오퍼레이션 호출</a:t>
             </a:r>
             <a:endParaRPr kumimoji="1" lang="ja-JP" altLang="en-US" sz="1200" dirty="0"/>
           </a:p>
@@ -16834,7 +16521,7 @@
           <a:bodyPr/>
           <a:lstStyle/>
           <a:p>
-            <a:endParaRPr kumimoji="1" lang="ja-JP" altLang="en-US"/>
+            <a:endParaRPr kumimoji="1" lang="ja-JP" altLang="en-US" dirty="0"/>
           </a:p>
         </p:txBody>
       </p:sp>
@@ -16882,7 +16569,7 @@
             <a:bodyPr/>
             <a:lstStyle/>
             <a:p>
-              <a:endParaRPr lang="ja-JP" altLang="en-US" sz="3600"/>
+              <a:endParaRPr lang="ja-JP" altLang="en-US" sz="3600" dirty="0"/>
             </a:p>
           </p:txBody>
         </p:sp>
@@ -16916,7 +16603,7 @@
             <a:bodyPr/>
             <a:lstStyle/>
             <a:p>
-              <a:endParaRPr lang="ja-JP" altLang="en-US" sz="3600"/>
+              <a:endParaRPr lang="ja-JP" altLang="en-US" sz="3600" dirty="0"/>
             </a:p>
           </p:txBody>
         </p:sp>
@@ -16950,7 +16637,7 @@
             <a:bodyPr/>
             <a:lstStyle/>
             <a:p>
-              <a:endParaRPr lang="ja-JP" altLang="en-US" sz="3600"/>
+              <a:endParaRPr lang="ja-JP" altLang="en-US" sz="3600" dirty="0"/>
             </a:p>
           </p:txBody>
         </p:sp>
@@ -16984,7 +16671,7 @@
             <a:bodyPr/>
             <a:lstStyle/>
             <a:p>
-              <a:endParaRPr lang="ja-JP" altLang="en-US" sz="3600"/>
+              <a:endParaRPr lang="ja-JP" altLang="en-US" sz="3600" dirty="0"/>
             </a:p>
           </p:txBody>
         </p:sp>
@@ -17018,7 +16705,7 @@
             <a:bodyPr/>
             <a:lstStyle/>
             <a:p>
-              <a:endParaRPr lang="ja-JP" altLang="en-US" sz="3600"/>
+              <a:endParaRPr lang="ja-JP" altLang="en-US" sz="3600" dirty="0"/>
             </a:p>
           </p:txBody>
         </p:sp>
@@ -17052,7 +16739,7 @@
             <a:bodyPr/>
             <a:lstStyle/>
             <a:p>
-              <a:endParaRPr lang="ja-JP" altLang="en-US" sz="3600"/>
+              <a:endParaRPr lang="ja-JP" altLang="en-US" sz="3600" dirty="0"/>
             </a:p>
           </p:txBody>
         </p:sp>
@@ -17086,7 +16773,7 @@
             <a:bodyPr/>
             <a:lstStyle/>
             <a:p>
-              <a:endParaRPr lang="ja-JP" altLang="en-US" sz="3600"/>
+              <a:endParaRPr lang="ja-JP" altLang="en-US" sz="3600" dirty="0"/>
             </a:p>
           </p:txBody>
         </p:sp>
@@ -17120,7 +16807,7 @@
             <a:bodyPr/>
             <a:lstStyle/>
             <a:p>
-              <a:endParaRPr lang="ja-JP" altLang="en-US" sz="3600"/>
+              <a:endParaRPr lang="ja-JP" altLang="en-US" sz="3600" dirty="0"/>
             </a:p>
           </p:txBody>
         </p:sp>
@@ -17154,7 +16841,7 @@
             <a:bodyPr/>
             <a:lstStyle/>
             <a:p>
-              <a:endParaRPr lang="ja-JP" altLang="en-US" sz="3600"/>
+              <a:endParaRPr lang="ja-JP" altLang="en-US" sz="3600" dirty="0"/>
             </a:p>
           </p:txBody>
         </p:sp>
@@ -17188,7 +16875,7 @@
             <a:bodyPr/>
             <a:lstStyle/>
             <a:p>
-              <a:endParaRPr lang="ja-JP" altLang="en-US" sz="3600"/>
+              <a:endParaRPr lang="ja-JP" altLang="en-US" sz="3600" dirty="0"/>
             </a:p>
           </p:txBody>
         </p:sp>
@@ -17222,7 +16909,7 @@
             <a:bodyPr/>
             <a:lstStyle/>
             <a:p>
-              <a:endParaRPr lang="ja-JP" altLang="en-US" sz="3600"/>
+              <a:endParaRPr lang="ja-JP" altLang="en-US" sz="3600" dirty="0"/>
             </a:p>
           </p:txBody>
         </p:sp>
@@ -17256,7 +16943,7 @@
             <a:bodyPr/>
             <a:lstStyle/>
             <a:p>
-              <a:endParaRPr lang="ja-JP" altLang="en-US" sz="3600"/>
+              <a:endParaRPr lang="ja-JP" altLang="en-US" sz="3600" dirty="0"/>
             </a:p>
           </p:txBody>
         </p:sp>
@@ -17290,7 +16977,7 @@
             <a:bodyPr/>
             <a:lstStyle/>
             <a:p>
-              <a:endParaRPr lang="ja-JP" altLang="en-US" sz="3600"/>
+              <a:endParaRPr lang="ja-JP" altLang="en-US" sz="3600" dirty="0"/>
             </a:p>
           </p:txBody>
         </p:sp>
@@ -17405,7 +17092,7 @@
               <a:bodyPr/>
               <a:lstStyle/>
               <a:p>
-                <a:endParaRPr lang="ja-JP" altLang="en-US" sz="3600"/>
+                <a:endParaRPr lang="ja-JP" altLang="en-US" sz="3600" dirty="0"/>
               </a:p>
             </p:txBody>
           </p:sp>
@@ -17441,7 +17128,7 @@
               <a:bodyPr/>
               <a:lstStyle/>
               <a:p>
-                <a:endParaRPr lang="ja-JP" altLang="en-US" sz="3600"/>
+                <a:endParaRPr lang="ja-JP" altLang="en-US" sz="3600" dirty="0"/>
               </a:p>
             </p:txBody>
           </p:sp>
@@ -17524,7 +17211,7 @@
               <a:bodyPr/>
               <a:lstStyle/>
               <a:p>
-                <a:endParaRPr lang="ja-JP" altLang="en-US" sz="3600"/>
+                <a:endParaRPr lang="ja-JP" altLang="en-US" sz="3600" dirty="0"/>
               </a:p>
             </p:txBody>
           </p:sp>
@@ -17558,7 +17245,7 @@
               <a:bodyPr/>
               <a:lstStyle/>
               <a:p>
-                <a:endParaRPr lang="ja-JP" altLang="en-US" sz="3600"/>
+                <a:endParaRPr lang="ja-JP" altLang="en-US" sz="3600" dirty="0"/>
               </a:p>
             </p:txBody>
           </p:sp>
@@ -17595,7 +17282,7 @@
             <a:bodyPr wrap="none" anchor="ctr"/>
             <a:lstStyle/>
             <a:p>
-              <a:endParaRPr lang="ja-JP" altLang="en-US" sz="3600"/>
+              <a:endParaRPr lang="ja-JP" altLang="en-US" sz="3600" dirty="0"/>
             </a:p>
           </p:txBody>
         </p:sp>
@@ -17660,7 +17347,7 @@
             <a:lstStyle/>
             <a:p>
               <a:pPr algn="ctr"/>
-              <a:endParaRPr lang="en-US" altLang="ja-JP" sz="3600"/>
+              <a:endParaRPr lang="en-US" altLang="ja-JP" sz="3600" dirty="0"/>
             </a:p>
           </p:txBody>
         </p:sp>
@@ -17694,7 +17381,7 @@
             <a:bodyPr/>
             <a:lstStyle/>
             <a:p>
-              <a:endParaRPr lang="ja-JP" altLang="en-US" sz="3600"/>
+              <a:endParaRPr lang="ja-JP" altLang="en-US" sz="3600" dirty="0"/>
             </a:p>
           </p:txBody>
         </p:sp>
@@ -17863,7 +17550,7 @@
             <a:bodyPr/>
             <a:lstStyle/>
             <a:p>
-              <a:endParaRPr lang="ja-JP" altLang="en-US" sz="3600"/>
+              <a:endParaRPr lang="ja-JP" altLang="en-US" sz="3600" dirty="0"/>
             </a:p>
           </p:txBody>
         </p:sp>
@@ -17943,7 +17630,7 @@
             <a:bodyPr/>
             <a:lstStyle/>
             <a:p>
-              <a:endParaRPr lang="ja-JP" altLang="en-US" sz="3600"/>
+              <a:endParaRPr lang="ja-JP" altLang="en-US" sz="3600" dirty="0"/>
             </a:p>
           </p:txBody>
         </p:sp>
@@ -18113,7 +17800,7 @@
             <a:bodyPr/>
             <a:lstStyle/>
             <a:p>
-              <a:endParaRPr lang="ja-JP" altLang="en-US" sz="3600"/>
+              <a:endParaRPr lang="ja-JP" altLang="en-US" sz="3600" dirty="0"/>
             </a:p>
           </p:txBody>
         </p:sp>
@@ -18147,7 +17834,7 @@
             <a:bodyPr/>
             <a:lstStyle/>
             <a:p>
-              <a:endParaRPr lang="ja-JP" altLang="en-US" sz="3600"/>
+              <a:endParaRPr lang="ja-JP" altLang="en-US" sz="3600" dirty="0"/>
             </a:p>
           </p:txBody>
         </p:sp>
@@ -18224,7 +17911,7 @@
           <a:lstStyle/>
           <a:p>
             <a:pPr algn="ctr"/>
-            <a:endParaRPr kumimoji="1" lang="ja-JP" altLang="en-US"/>
+            <a:endParaRPr kumimoji="1" lang="ja-JP" altLang="en-US" dirty="0"/>
           </a:p>
         </p:txBody>
       </p:sp>
@@ -18275,7 +17962,7 @@
           <a:lstStyle/>
           <a:p>
             <a:pPr algn="ctr"/>
-            <a:endParaRPr kumimoji="1" lang="ja-JP" altLang="en-US"/>
+            <a:endParaRPr kumimoji="1" lang="ja-JP" altLang="en-US" dirty="0"/>
           </a:p>
         </p:txBody>
       </p:sp>
@@ -18326,7 +18013,7 @@
           <a:lstStyle/>
           <a:p>
             <a:pPr algn="ctr"/>
-            <a:endParaRPr kumimoji="1" lang="ja-JP" altLang="en-US"/>
+            <a:endParaRPr kumimoji="1" lang="ja-JP" altLang="en-US" dirty="0"/>
           </a:p>
         </p:txBody>
       </p:sp>
@@ -18377,7 +18064,7 @@
           <a:lstStyle/>
           <a:p>
             <a:pPr algn="ctr"/>
-            <a:endParaRPr kumimoji="1" lang="ja-JP" altLang="en-US"/>
+            <a:endParaRPr kumimoji="1" lang="ja-JP" altLang="en-US" dirty="0"/>
           </a:p>
         </p:txBody>
       </p:sp>
@@ -18485,7 +18172,7 @@
           <a:lstStyle/>
           <a:p>
             <a:pPr algn="ctr"/>
-            <a:endParaRPr kumimoji="1" lang="ja-JP" altLang="en-US">
+            <a:endParaRPr kumimoji="1" lang="ja-JP" altLang="en-US" dirty="0">
               <a:solidFill>
                 <a:schemeClr val="tx1"/>
               </a:solidFill>
@@ -18590,15 +18277,7 @@
           <a:p>
             <a:r>
               <a:rPr lang="ja-JP" altLang="en-US" dirty="0" smtClean="0"/>
-              <a:t>参照</a:t>
-            </a:r>
-            <a:r>
-              <a:rPr lang="ja-JP" altLang="en-US" dirty="0" smtClean="0"/>
-              <a:t>（</a:t>
-            </a:r>
-            <a:r>
-              <a:rPr lang="ja-JP" altLang="en-US" dirty="0" smtClean="0"/>
-              <a:t>オブジェクトリファレンス）</a:t>
+              <a:t>参照（オブジェクトリファレンス）</a:t>
             </a:r>
             <a:endParaRPr kumimoji="1" lang="ja-JP" altLang="en-US" dirty="0"/>
           </a:p>
@@ -18728,7 +18407,7 @@
           <a:lstStyle/>
           <a:p>
             <a:pPr algn="ctr"/>
-            <a:endParaRPr kumimoji="1" lang="ja-JP" altLang="en-US">
+            <a:endParaRPr kumimoji="1" lang="ja-JP" altLang="en-US" dirty="0">
               <a:solidFill>
                 <a:schemeClr val="tx1"/>
               </a:solidFill>
@@ -18778,7 +18457,7 @@
           <a:lstStyle/>
           <a:p>
             <a:pPr algn="ctr"/>
-            <a:endParaRPr kumimoji="1" lang="ja-JP" altLang="en-US"/>
+            <a:endParaRPr kumimoji="1" lang="ja-JP" altLang="en-US" dirty="0"/>
           </a:p>
         </p:txBody>
       </p:sp>
@@ -18843,11 +18522,7 @@
           <a:p>
             <a:r>
               <a:rPr lang="ja-JP" altLang="en-US" dirty="0" smtClean="0"/>
-              <a:t>空の参照</a:t>
-            </a:r>
-            <a:r>
-              <a:rPr lang="ja-JP" altLang="en-US" dirty="0" smtClean="0"/>
-              <a:t>（</a:t>
+              <a:t>空の参照（</a:t>
             </a:r>
             <a:r>
               <a:rPr lang="en-US" altLang="ja-JP" dirty="0" smtClean="0"/>
@@ -18915,7 +18590,7 @@
           <a:lstStyle/>
           <a:p>
             <a:pPr algn="ctr"/>
-            <a:endParaRPr kumimoji="1" lang="ja-JP" altLang="en-US"/>
+            <a:endParaRPr kumimoji="1" lang="ja-JP" altLang="en-US" dirty="0"/>
           </a:p>
         </p:txBody>
       </p:sp>
@@ -19003,7 +18678,7 @@
           <a:lstStyle/>
           <a:p>
             <a:pPr algn="ctr"/>
-            <a:endParaRPr kumimoji="1" lang="ja-JP" altLang="en-US"/>
+            <a:endParaRPr kumimoji="1" lang="ja-JP" altLang="en-US" dirty="0"/>
           </a:p>
         </p:txBody>
       </p:sp>
@@ -19054,7 +18729,7 @@
           <a:lstStyle/>
           <a:p>
             <a:pPr algn="ctr"/>
-            <a:endParaRPr kumimoji="1" lang="ja-JP" altLang="en-US"/>
+            <a:endParaRPr kumimoji="1" lang="ja-JP" altLang="en-US" dirty="0"/>
           </a:p>
         </p:txBody>
       </p:sp>
@@ -19105,7 +18780,7 @@
           <a:lstStyle/>
           <a:p>
             <a:pPr algn="ctr"/>
-            <a:endParaRPr kumimoji="1" lang="ja-JP" altLang="en-US"/>
+            <a:endParaRPr kumimoji="1" lang="ja-JP" altLang="en-US" dirty="0"/>
           </a:p>
         </p:txBody>
       </p:sp>
@@ -19156,7 +18831,7 @@
           <a:lstStyle/>
           <a:p>
             <a:pPr algn="ctr"/>
-            <a:endParaRPr kumimoji="1" lang="ja-JP" altLang="en-US"/>
+            <a:endParaRPr kumimoji="1" lang="ja-JP" altLang="en-US" dirty="0"/>
           </a:p>
         </p:txBody>
       </p:sp>
@@ -19381,7 +19056,7 @@
           <a:lstStyle/>
           <a:p>
             <a:pPr algn="ctr"/>
-            <a:endParaRPr kumimoji="1" lang="ja-JP" altLang="en-US">
+            <a:endParaRPr kumimoji="1" lang="ja-JP" altLang="en-US" dirty="0">
               <a:solidFill>
                 <a:schemeClr val="tx1"/>
               </a:solidFill>
@@ -19431,7 +19106,7 @@
           <a:lstStyle/>
           <a:p>
             <a:pPr algn="ctr"/>
-            <a:endParaRPr kumimoji="1" lang="ja-JP" altLang="en-US"/>
+            <a:endParaRPr kumimoji="1" lang="ja-JP" altLang="en-US" dirty="0"/>
           </a:p>
         </p:txBody>
       </p:sp>
@@ -19585,7 +19260,7 @@
           <a:lstStyle/>
           <a:p>
             <a:pPr algn="ctr"/>
-            <a:endParaRPr kumimoji="1" lang="ja-JP" altLang="en-US">
+            <a:endParaRPr kumimoji="1" lang="ja-JP" altLang="en-US" dirty="0">
               <a:solidFill>
                 <a:schemeClr val="tx1"/>
               </a:solidFill>
@@ -19635,7 +19310,7 @@
           <a:lstStyle/>
           <a:p>
             <a:pPr algn="ctr"/>
-            <a:endParaRPr kumimoji="1" lang="ja-JP" altLang="en-US"/>
+            <a:endParaRPr kumimoji="1" lang="ja-JP" altLang="en-US" dirty="0"/>
           </a:p>
         </p:txBody>
       </p:sp>
@@ -19707,11 +19382,7 @@
           <a:p>
             <a:r>
               <a:rPr lang="ja-JP" altLang="en-US" dirty="0" smtClean="0"/>
-              <a:t>呼び出し可能に</a:t>
-            </a:r>
-            <a:r>
-              <a:rPr lang="ja-JP" altLang="en-US" dirty="0" smtClean="0"/>
-              <a:t>なる。</a:t>
+              <a:t>呼び出し可能になる。</a:t>
             </a:r>
             <a:endParaRPr kumimoji="1" lang="ja-JP" altLang="en-US" dirty="0"/>
           </a:p>
@@ -19789,7 +19460,7 @@
           <a:lstStyle/>
           <a:p>
             <a:pPr algn="ctr"/>
-            <a:endParaRPr kumimoji="1" lang="ja-JP" altLang="en-US"/>
+            <a:endParaRPr kumimoji="1" lang="ja-JP" altLang="en-US" dirty="0"/>
           </a:p>
         </p:txBody>
       </p:sp>
@@ -19840,7 +19511,7 @@
           <a:lstStyle/>
           <a:p>
             <a:pPr algn="ctr"/>
-            <a:endParaRPr kumimoji="1" lang="ja-JP" altLang="en-US"/>
+            <a:endParaRPr kumimoji="1" lang="ja-JP" altLang="en-US" dirty="0"/>
           </a:p>
         </p:txBody>
       </p:sp>
@@ -19891,7 +19562,7 @@
           <a:lstStyle/>
           <a:p>
             <a:pPr algn="ctr"/>
-            <a:endParaRPr kumimoji="1" lang="ja-JP" altLang="en-US"/>
+            <a:endParaRPr kumimoji="1" lang="ja-JP" altLang="en-US" dirty="0"/>
           </a:p>
         </p:txBody>
       </p:sp>
@@ -19942,7 +19613,7 @@
           <a:lstStyle/>
           <a:p>
             <a:pPr algn="ctr"/>
-            <a:endParaRPr kumimoji="1" lang="ja-JP" altLang="en-US"/>
+            <a:endParaRPr kumimoji="1" lang="ja-JP" altLang="en-US" dirty="0"/>
           </a:p>
         </p:txBody>
       </p:sp>
@@ -20050,7 +19721,7 @@
           <a:lstStyle/>
           <a:p>
             <a:pPr algn="ctr"/>
-            <a:endParaRPr kumimoji="1" lang="ja-JP" altLang="en-US">
+            <a:endParaRPr kumimoji="1" lang="ja-JP" altLang="en-US" dirty="0">
               <a:solidFill>
                 <a:schemeClr val="tx1"/>
               </a:solidFill>
@@ -20285,7 +19956,7 @@
           <a:lstStyle/>
           <a:p>
             <a:pPr algn="ctr"/>
-            <a:endParaRPr kumimoji="1" lang="ja-JP" altLang="en-US">
+            <a:endParaRPr kumimoji="1" lang="ja-JP" altLang="en-US" dirty="0">
               <a:solidFill>
                 <a:schemeClr val="tx1"/>
               </a:solidFill>
@@ -20335,7 +20006,7 @@
           <a:lstStyle/>
           <a:p>
             <a:pPr algn="ctr"/>
-            <a:endParaRPr kumimoji="1" lang="ja-JP" altLang="en-US"/>
+            <a:endParaRPr kumimoji="1" lang="ja-JP" altLang="en-US" dirty="0"/>
           </a:p>
         </p:txBody>
       </p:sp>
@@ -20469,7 +20140,7 @@
           <a:lstStyle/>
           <a:p>
             <a:pPr algn="ctr"/>
-            <a:endParaRPr kumimoji="1" lang="ja-JP" altLang="en-US"/>
+            <a:endParaRPr kumimoji="1" lang="ja-JP" altLang="en-US" dirty="0"/>
           </a:p>
         </p:txBody>
       </p:sp>
@@ -20557,7 +20228,7 @@
           <a:lstStyle/>
           <a:p>
             <a:pPr algn="ctr"/>
-            <a:endParaRPr kumimoji="1" lang="ja-JP" altLang="en-US"/>
+            <a:endParaRPr kumimoji="1" lang="ja-JP" altLang="en-US" dirty="0"/>
           </a:p>
         </p:txBody>
       </p:sp>
@@ -20608,7 +20279,7 @@
           <a:lstStyle/>
           <a:p>
             <a:pPr algn="ctr"/>
-            <a:endParaRPr kumimoji="1" lang="ja-JP" altLang="en-US"/>
+            <a:endParaRPr kumimoji="1" lang="ja-JP" altLang="en-US" dirty="0"/>
           </a:p>
         </p:txBody>
       </p:sp>
@@ -20659,7 +20330,7 @@
           <a:lstStyle/>
           <a:p>
             <a:pPr algn="ctr"/>
-            <a:endParaRPr kumimoji="1" lang="ja-JP" altLang="en-US"/>
+            <a:endParaRPr kumimoji="1" lang="ja-JP" altLang="en-US" dirty="0"/>
           </a:p>
         </p:txBody>
       </p:sp>
@@ -20710,7 +20381,7 @@
           <a:lstStyle/>
           <a:p>
             <a:pPr algn="ctr"/>
-            <a:endParaRPr kumimoji="1" lang="ja-JP" altLang="en-US"/>
+            <a:endParaRPr kumimoji="1" lang="ja-JP" altLang="en-US" dirty="0"/>
           </a:p>
         </p:txBody>
       </p:sp>
@@ -20935,7 +20606,7 @@
           <a:lstStyle/>
           <a:p>
             <a:pPr algn="ctr"/>
-            <a:endParaRPr kumimoji="1" lang="ja-JP" altLang="en-US">
+            <a:endParaRPr kumimoji="1" lang="ja-JP" altLang="en-US" dirty="0">
               <a:solidFill>
                 <a:schemeClr val="tx1"/>
               </a:solidFill>
@@ -20985,7 +20656,7 @@
           <a:lstStyle/>
           <a:p>
             <a:pPr algn="ctr"/>
-            <a:endParaRPr kumimoji="1" lang="ja-JP" altLang="en-US"/>
+            <a:endParaRPr kumimoji="1" lang="ja-JP" altLang="en-US" dirty="0"/>
           </a:p>
         </p:txBody>
       </p:sp>
@@ -21139,7 +20810,7 @@
           <a:lstStyle/>
           <a:p>
             <a:pPr algn="ctr"/>
-            <a:endParaRPr kumimoji="1" lang="ja-JP" altLang="en-US">
+            <a:endParaRPr kumimoji="1" lang="ja-JP" altLang="en-US" dirty="0">
               <a:solidFill>
                 <a:schemeClr val="tx1"/>
               </a:solidFill>
@@ -21189,7 +20860,7 @@
           <a:lstStyle/>
           <a:p>
             <a:pPr algn="ctr"/>
-            <a:endParaRPr kumimoji="1" lang="ja-JP" altLang="en-US"/>
+            <a:endParaRPr kumimoji="1" lang="ja-JP" altLang="en-US" dirty="0"/>
           </a:p>
         </p:txBody>
       </p:sp>
@@ -21330,7 +21001,7 @@
           <a:lstStyle/>
           <a:p>
             <a:pPr algn="ctr"/>
-            <a:endParaRPr kumimoji="1" lang="ja-JP" altLang="en-US"/>
+            <a:endParaRPr kumimoji="1" lang="ja-JP" altLang="en-US" dirty="0"/>
           </a:p>
         </p:txBody>
       </p:sp>
@@ -21381,7 +21052,7 @@
           <a:lstStyle/>
           <a:p>
             <a:pPr algn="ctr"/>
-            <a:endParaRPr kumimoji="1" lang="ja-JP" altLang="en-US"/>
+            <a:endParaRPr kumimoji="1" lang="ja-JP" altLang="en-US" dirty="0"/>
           </a:p>
         </p:txBody>
       </p:sp>
@@ -21432,7 +21103,7 @@
           <a:lstStyle/>
           <a:p>
             <a:pPr algn="ctr"/>
-            <a:endParaRPr kumimoji="1" lang="ja-JP" altLang="en-US"/>
+            <a:endParaRPr kumimoji="1" lang="ja-JP" altLang="en-US" dirty="0"/>
           </a:p>
         </p:txBody>
       </p:sp>
@@ -21483,7 +21154,7 @@
           <a:lstStyle/>
           <a:p>
             <a:pPr algn="ctr"/>
-            <a:endParaRPr kumimoji="1" lang="ja-JP" altLang="en-US"/>
+            <a:endParaRPr kumimoji="1" lang="ja-JP" altLang="en-US" dirty="0"/>
           </a:p>
         </p:txBody>
       </p:sp>
@@ -21532,12 +21203,12 @@
           <a:p>
             <a:pPr algn="ctr"/>
             <a:r>
-              <a:rPr kumimoji="1" lang="ja-JP" altLang="en-US" sz="1400" dirty="0" smtClean="0">
+              <a:rPr kumimoji="1" lang="ko-KR" altLang="en-US" sz="1400" dirty="0" smtClean="0">
                 <a:solidFill>
                   <a:schemeClr val="tx1"/>
                 </a:solidFill>
               </a:rPr>
-              <a:t>プロバイダ</a:t>
+              <a:t>프로바이더</a:t>
             </a:r>
             <a:endParaRPr kumimoji="1" lang="ja-JP" altLang="en-US" sz="1400" dirty="0">
               <a:solidFill>
@@ -21591,7 +21262,7 @@
           <a:lstStyle/>
           <a:p>
             <a:pPr algn="ctr"/>
-            <a:endParaRPr kumimoji="1" lang="ja-JP" altLang="en-US">
+            <a:endParaRPr kumimoji="1" lang="ja-JP" altLang="en-US" dirty="0">
               <a:solidFill>
                 <a:schemeClr val="tx1"/>
               </a:solidFill>
@@ -21645,8 +21316,8 @@
         </p:nvCxnSpPr>
         <p:spPr>
           <a:xfrm rot="5400000" flipH="1" flipV="1">
-            <a:off x="6263021" y="1512005"/>
-            <a:ext cx="570626" cy="390752"/>
+            <a:off x="6148406" y="1626620"/>
+            <a:ext cx="570626" cy="161522"/>
           </a:xfrm>
           <a:prstGeom prst="line">
             <a:avLst/>
@@ -21681,7 +21352,7 @@
         <p:spPr>
           <a:xfrm>
             <a:off x="5171003" y="1052736"/>
-            <a:ext cx="3145413" cy="369332"/>
+            <a:ext cx="2686954" cy="369332"/>
           </a:xfrm>
           <a:prstGeom prst="rect">
             <a:avLst/>
@@ -21695,16 +21366,20 @@
           <a:lstStyle/>
           <a:p>
             <a:r>
-              <a:rPr lang="ja-JP" altLang="en-US" dirty="0" smtClean="0"/>
-              <a:t>参照</a:t>
-            </a:r>
-            <a:r>
-              <a:rPr lang="ja-JP" altLang="en-US" dirty="0" smtClean="0"/>
-              <a:t>（</a:t>
-            </a:r>
-            <a:r>
-              <a:rPr lang="ja-JP" altLang="en-US" dirty="0" smtClean="0"/>
-              <a:t>オブジェクトリファレンス）</a:t>
+              <a:rPr lang="ko-KR" altLang="en-US" dirty="0" smtClean="0"/>
+              <a:t>참조</a:t>
+            </a:r>
+            <a:r>
+              <a:rPr lang="en-US" altLang="ko-KR" dirty="0" smtClean="0"/>
+              <a:t>(</a:t>
+            </a:r>
+            <a:r>
+              <a:rPr lang="ko-KR" altLang="en-US" dirty="0" smtClean="0"/>
+              <a:t>오브젝트 레퍼런스</a:t>
+            </a:r>
+            <a:r>
+              <a:rPr lang="en-US" altLang="ko-KR" dirty="0" smtClean="0"/>
+              <a:t>)</a:t>
             </a:r>
             <a:endParaRPr kumimoji="1" lang="ja-JP" altLang="en-US" dirty="0"/>
           </a:p>
@@ -21771,7 +21446,7 @@
         <p:spPr>
           <a:xfrm>
             <a:off x="1714619" y="1753071"/>
-            <a:ext cx="1125629" cy="307777"/>
+            <a:ext cx="723275" cy="307777"/>
           </a:xfrm>
           <a:prstGeom prst="rect">
             <a:avLst/>
@@ -21785,8 +21460,8 @@
           <a:lstStyle/>
           <a:p>
             <a:r>
-              <a:rPr kumimoji="1" lang="ja-JP" altLang="en-US" sz="1400" dirty="0" smtClean="0"/>
-              <a:t>コンシューマ</a:t>
+              <a:rPr kumimoji="1" lang="ko-KR" altLang="en-US" sz="1400" dirty="0" smtClean="0"/>
+              <a:t>컨슈머</a:t>
             </a:r>
             <a:endParaRPr kumimoji="1" lang="ja-JP" altLang="en-US" sz="1400" dirty="0"/>
           </a:p>
@@ -21834,7 +21509,7 @@
           <a:lstStyle/>
           <a:p>
             <a:pPr algn="ctr"/>
-            <a:endParaRPr kumimoji="1" lang="ja-JP" altLang="en-US">
+            <a:endParaRPr kumimoji="1" lang="ja-JP" altLang="en-US" dirty="0">
               <a:solidFill>
                 <a:schemeClr val="tx1"/>
               </a:solidFill>
@@ -21884,7 +21559,7 @@
           <a:lstStyle/>
           <a:p>
             <a:pPr algn="ctr"/>
-            <a:endParaRPr kumimoji="1" lang="ja-JP" altLang="en-US"/>
+            <a:endParaRPr kumimoji="1" lang="ja-JP" altLang="en-US" dirty="0"/>
           </a:p>
         </p:txBody>
       </p:sp>
@@ -21897,9 +21572,9 @@
           <p:nvPr/>
         </p:nvCxnSpPr>
         <p:spPr>
-          <a:xfrm rot="16200000" flipV="1">
-            <a:off x="2575031" y="1625116"/>
-            <a:ext cx="494764" cy="88668"/>
+          <a:xfrm rot="5400000" flipH="1" flipV="1">
+            <a:off x="2679630" y="1609196"/>
+            <a:ext cx="494768" cy="120513"/>
           </a:xfrm>
           <a:prstGeom prst="line">
             <a:avLst/>
@@ -21934,7 +21609,7 @@
         <p:spPr>
           <a:xfrm>
             <a:off x="1426587" y="1052736"/>
-            <a:ext cx="2702984" cy="369332"/>
+            <a:ext cx="3121367" cy="369332"/>
           </a:xfrm>
           <a:prstGeom prst="rect">
             <a:avLst/>
@@ -21948,20 +21623,28 @@
           <a:lstStyle/>
           <a:p>
             <a:r>
+              <a:rPr lang="ko-KR" altLang="en-US" dirty="0" smtClean="0"/>
+              <a:t>빈공간을 참조</a:t>
+            </a:r>
+            <a:r>
               <a:rPr lang="ja-JP" altLang="en-US" dirty="0" smtClean="0"/>
-              <a:t>空の参照</a:t>
+              <a:t> </a:t>
+            </a:r>
+            <a:r>
+              <a:rPr lang="en-US" altLang="ja-JP" dirty="0" smtClean="0"/>
+              <a:t>(nil</a:t>
             </a:r>
             <a:r>
               <a:rPr lang="ja-JP" altLang="en-US" dirty="0" smtClean="0"/>
-              <a:t>（</a:t>
-            </a:r>
-            <a:r>
-              <a:rPr lang="en-US" altLang="ja-JP" dirty="0" smtClean="0"/>
-              <a:t>nil</a:t>
-            </a:r>
-            <a:r>
-              <a:rPr lang="ja-JP" altLang="en-US" dirty="0" smtClean="0"/>
-              <a:t>リファレンス）</a:t>
+              <a:t>　</a:t>
+            </a:r>
+            <a:r>
+              <a:rPr lang="ko-KR" altLang="en-US" dirty="0" smtClean="0"/>
+              <a:t>레퍼런스</a:t>
+            </a:r>
+            <a:r>
+              <a:rPr lang="en-US" altLang="ko-KR" dirty="0" smtClean="0"/>
+              <a:t>)</a:t>
             </a:r>
             <a:endParaRPr kumimoji="1" lang="ja-JP" altLang="en-US" dirty="0"/>
           </a:p>
@@ -22021,7 +21704,7 @@
           <a:lstStyle/>
           <a:p>
             <a:pPr algn="ctr"/>
-            <a:endParaRPr kumimoji="1" lang="ja-JP" altLang="en-US"/>
+            <a:endParaRPr kumimoji="1" lang="ja-JP" altLang="en-US" dirty="0"/>
           </a:p>
         </p:txBody>
       </p:sp>
@@ -22109,7 +21792,7 @@
           <a:lstStyle/>
           <a:p>
             <a:pPr algn="ctr"/>
-            <a:endParaRPr kumimoji="1" lang="ja-JP" altLang="en-US"/>
+            <a:endParaRPr kumimoji="1" lang="ja-JP" altLang="en-US" dirty="0"/>
           </a:p>
         </p:txBody>
       </p:sp>
@@ -22160,7 +21843,7 @@
           <a:lstStyle/>
           <a:p>
             <a:pPr algn="ctr"/>
-            <a:endParaRPr kumimoji="1" lang="ja-JP" altLang="en-US"/>
+            <a:endParaRPr kumimoji="1" lang="ja-JP" altLang="en-US" dirty="0"/>
           </a:p>
         </p:txBody>
       </p:sp>
@@ -22211,7 +21894,7 @@
           <a:lstStyle/>
           <a:p>
             <a:pPr algn="ctr"/>
-            <a:endParaRPr kumimoji="1" lang="ja-JP" altLang="en-US"/>
+            <a:endParaRPr kumimoji="1" lang="ja-JP" altLang="en-US" dirty="0"/>
           </a:p>
         </p:txBody>
       </p:sp>
@@ -22262,7 +21945,7 @@
           <a:lstStyle/>
           <a:p>
             <a:pPr algn="ctr"/>
-            <a:endParaRPr kumimoji="1" lang="ja-JP" altLang="en-US"/>
+            <a:endParaRPr kumimoji="1" lang="ja-JP" altLang="en-US" dirty="0"/>
           </a:p>
         </p:txBody>
       </p:sp>
@@ -22311,12 +21994,12 @@
           <a:p>
             <a:pPr algn="ctr"/>
             <a:r>
-              <a:rPr kumimoji="1" lang="ja-JP" altLang="en-US" sz="1400" dirty="0" smtClean="0">
+              <a:rPr kumimoji="1" lang="ko-KR" altLang="en-US" sz="1400" dirty="0" smtClean="0">
                 <a:solidFill>
                   <a:schemeClr val="tx1"/>
                 </a:solidFill>
               </a:rPr>
-              <a:t>プロバイダ</a:t>
+              <a:t>프로바이더</a:t>
             </a:r>
             <a:endParaRPr kumimoji="1" lang="ja-JP" altLang="en-US" sz="1400" dirty="0">
               <a:solidFill>
@@ -22424,7 +22107,7 @@
         <p:spPr>
           <a:xfrm>
             <a:off x="1714619" y="4235024"/>
-            <a:ext cx="1125629" cy="307777"/>
+            <a:ext cx="723275" cy="307777"/>
           </a:xfrm>
           <a:prstGeom prst="rect">
             <a:avLst/>
@@ -22438,8 +22121,8 @@
           <a:lstStyle/>
           <a:p>
             <a:r>
-              <a:rPr kumimoji="1" lang="ja-JP" altLang="en-US" sz="1400" dirty="0" smtClean="0"/>
-              <a:t>コンシューマ</a:t>
+              <a:rPr kumimoji="1" lang="ko-KR" altLang="en-US" sz="1400" dirty="0" smtClean="0"/>
+              <a:t>컨슈머</a:t>
             </a:r>
             <a:endParaRPr kumimoji="1" lang="ja-JP" altLang="en-US" sz="1400" dirty="0"/>
           </a:p>
@@ -22487,7 +22170,7 @@
           <a:lstStyle/>
           <a:p>
             <a:pPr algn="ctr"/>
-            <a:endParaRPr kumimoji="1" lang="ja-JP" altLang="en-US">
+            <a:endParaRPr kumimoji="1" lang="ja-JP" altLang="en-US" dirty="0">
               <a:solidFill>
                 <a:schemeClr val="tx1"/>
               </a:solidFill>
@@ -22537,7 +22220,7 @@
           <a:lstStyle/>
           <a:p>
             <a:pPr algn="ctr"/>
-            <a:endParaRPr kumimoji="1" lang="ja-JP" altLang="en-US"/>
+            <a:endParaRPr kumimoji="1" lang="ja-JP" altLang="en-US" dirty="0"/>
           </a:p>
         </p:txBody>
       </p:sp>
@@ -22552,8 +22235,8 @@
         </p:nvCxnSpPr>
         <p:spPr>
           <a:xfrm rot="5400000" flipH="1" flipV="1">
-            <a:off x="2897412" y="3918069"/>
-            <a:ext cx="533091" cy="504997"/>
+            <a:off x="2807644" y="4007837"/>
+            <a:ext cx="533091" cy="325460"/>
           </a:xfrm>
           <a:prstGeom prst="line">
             <a:avLst/>
@@ -22588,7 +22271,7 @@
         <p:spPr>
           <a:xfrm>
             <a:off x="1982409" y="3534689"/>
-            <a:ext cx="2868093" cy="369332"/>
+            <a:ext cx="2509020" cy="369332"/>
           </a:xfrm>
           <a:prstGeom prst="rect">
             <a:avLst/>
@@ -22602,8 +22285,24 @@
           <a:lstStyle/>
           <a:p>
             <a:r>
-              <a:rPr lang="ja-JP" altLang="en-US" dirty="0" smtClean="0"/>
-              <a:t>有効な参照（呼び出し可能）</a:t>
+              <a:rPr lang="ko-KR" altLang="en-US" dirty="0" smtClean="0"/>
+              <a:t>유효한 </a:t>
+            </a:r>
+            <a:r>
+              <a:rPr lang="ko-KR" altLang="en-US" dirty="0" smtClean="0"/>
+              <a:t>참조</a:t>
+            </a:r>
+            <a:r>
+              <a:rPr lang="en-US" altLang="ja-JP" dirty="0" smtClean="0"/>
+              <a:t>(</a:t>
+            </a:r>
+            <a:r>
+              <a:rPr lang="ko-KR" altLang="en-US" dirty="0" smtClean="0"/>
+              <a:t>호출 가능</a:t>
+            </a:r>
+            <a:r>
+              <a:rPr lang="en-US" altLang="ko-KR" dirty="0" smtClean="0"/>
+              <a:t>)</a:t>
             </a:r>
             <a:endParaRPr kumimoji="1" lang="ja-JP" altLang="en-US" dirty="0"/>
           </a:p>
@@ -22691,7 +22390,7 @@
           <a:lstStyle/>
           <a:p>
             <a:pPr algn="ctr"/>
-            <a:endParaRPr kumimoji="1" lang="ja-JP" altLang="en-US">
+            <a:endParaRPr kumimoji="1" lang="ja-JP" altLang="en-US" dirty="0">
               <a:solidFill>
                 <a:schemeClr val="tx1"/>
               </a:solidFill>
@@ -22741,7 +22440,7 @@
           <a:lstStyle/>
           <a:p>
             <a:pPr algn="ctr"/>
-            <a:endParaRPr kumimoji="1" lang="ja-JP" altLang="en-US"/>
+            <a:endParaRPr kumimoji="1" lang="ja-JP" altLang="en-US" dirty="0"/>
           </a:p>
         </p:txBody>
       </p:sp>
@@ -22753,8 +22452,8 @@
         </p:nvSpPr>
         <p:spPr>
           <a:xfrm>
-            <a:off x="3563888" y="2483604"/>
-            <a:ext cx="2029723" cy="369332"/>
+            <a:off x="3666960" y="2483604"/>
+            <a:ext cx="1853392" cy="369332"/>
           </a:xfrm>
           <a:prstGeom prst="rect">
             <a:avLst/>
@@ -22768,8 +22467,8 @@
           <a:lstStyle/>
           <a:p>
             <a:r>
-              <a:rPr lang="ja-JP" altLang="en-US" dirty="0" smtClean="0"/>
-              <a:t>ポートを接続すると</a:t>
+              <a:rPr lang="ko-KR" altLang="en-US" dirty="0" smtClean="0"/>
+              <a:t>포트를 접속하면</a:t>
             </a:r>
             <a:endParaRPr kumimoji="1" lang="ja-JP" altLang="en-US" dirty="0"/>
           </a:p>
@@ -22783,8 +22482,8 @@
         </p:nvSpPr>
         <p:spPr>
           <a:xfrm>
-            <a:off x="2658943" y="5313982"/>
-            <a:ext cx="3929281" cy="923330"/>
+            <a:off x="2843808" y="5313982"/>
+            <a:ext cx="3627916" cy="923330"/>
           </a:xfrm>
           <a:prstGeom prst="rect">
             <a:avLst/>
@@ -22798,26 +22497,26 @@
           <a:lstStyle/>
           <a:p>
             <a:r>
-              <a:rPr lang="ja-JP" altLang="en-US" dirty="0" smtClean="0"/>
-              <a:t>コンシューマに有効な参照がセットされ</a:t>
+              <a:rPr lang="ko-KR" altLang="en-US" dirty="0" smtClean="0"/>
+              <a:t>컨슈머에 유효한 참조가 세트 되어</a:t>
             </a:r>
             <a:endParaRPr lang="en-US" altLang="ja-JP" dirty="0" smtClean="0"/>
           </a:p>
           <a:p>
             <a:r>
-              <a:rPr lang="ja-JP" altLang="en-US" dirty="0" smtClean="0"/>
-              <a:t>リモートオブジェクトのオペレーションが</a:t>
+              <a:rPr lang="ko-KR" altLang="en-US" dirty="0" smtClean="0"/>
+              <a:t>원격 오브젝트의 오퍼레이션이</a:t>
             </a:r>
             <a:endParaRPr lang="en-US" altLang="ja-JP" dirty="0" smtClean="0"/>
           </a:p>
           <a:p>
             <a:r>
-              <a:rPr lang="ja-JP" altLang="en-US" dirty="0" smtClean="0"/>
-              <a:t>呼び出し可能に</a:t>
-            </a:r>
-            <a:r>
-              <a:rPr lang="ja-JP" altLang="en-US" dirty="0" smtClean="0"/>
-              <a:t>なる。</a:t>
+              <a:rPr lang="ko-KR" altLang="en-US" dirty="0" smtClean="0"/>
+              <a:t>호출 가능하게 된다</a:t>
+            </a:r>
+            <a:r>
+              <a:rPr lang="en-US" altLang="ko-KR" dirty="0" smtClean="0"/>
+              <a:t>.</a:t>
             </a:r>
             <a:endParaRPr kumimoji="1" lang="ja-JP" altLang="en-US" dirty="0"/>
           </a:p>
@@ -22888,7 +22587,7 @@
           <a:bodyPr/>
           <a:lstStyle/>
           <a:p>
-            <a:endParaRPr kumimoji="1" lang="ja-JP" altLang="en-US"/>
+            <a:endParaRPr kumimoji="1" lang="ja-JP" altLang="en-US" dirty="0"/>
           </a:p>
         </p:txBody>
       </p:sp>
@@ -22900,10 +22599,10 @@
         </p:nvGrpSpPr>
         <p:grpSpPr>
           <a:xfrm>
-            <a:off x="1757508" y="2555619"/>
-            <a:ext cx="5766822" cy="3063700"/>
-            <a:chOff x="1769981" y="2035127"/>
-            <a:chExt cx="3705406" cy="1968547"/>
+            <a:off x="1775145" y="2555619"/>
+            <a:ext cx="5749170" cy="3159235"/>
+            <a:chOff x="1781319" y="2035127"/>
+            <a:chExt cx="3694068" cy="2029933"/>
           </a:xfrm>
         </p:grpSpPr>
         <p:sp>
@@ -22936,7 +22635,7 @@
             <a:bodyPr/>
             <a:lstStyle/>
             <a:p>
-              <a:endParaRPr lang="ja-JP" altLang="en-US" sz="3600"/>
+              <a:endParaRPr lang="ja-JP" altLang="en-US" sz="3600" dirty="0"/>
             </a:p>
           </p:txBody>
         </p:sp>
@@ -22970,7 +22669,7 @@
             <a:bodyPr/>
             <a:lstStyle/>
             <a:p>
-              <a:endParaRPr lang="ja-JP" altLang="en-US" sz="3600"/>
+              <a:endParaRPr lang="ja-JP" altLang="en-US" sz="3600" dirty="0"/>
             </a:p>
           </p:txBody>
         </p:sp>
@@ -23004,7 +22703,7 @@
             <a:bodyPr/>
             <a:lstStyle/>
             <a:p>
-              <a:endParaRPr lang="ja-JP" altLang="en-US" sz="3600"/>
+              <a:endParaRPr lang="ja-JP" altLang="en-US" sz="3600" dirty="0"/>
             </a:p>
           </p:txBody>
         </p:sp>
@@ -23038,7 +22737,7 @@
             <a:bodyPr/>
             <a:lstStyle/>
             <a:p>
-              <a:endParaRPr lang="ja-JP" altLang="en-US" sz="3600"/>
+              <a:endParaRPr lang="ja-JP" altLang="en-US" sz="3600" dirty="0"/>
             </a:p>
           </p:txBody>
         </p:sp>
@@ -23072,7 +22771,7 @@
             <a:bodyPr/>
             <a:lstStyle/>
             <a:p>
-              <a:endParaRPr lang="ja-JP" altLang="en-US" sz="3600"/>
+              <a:endParaRPr lang="ja-JP" altLang="en-US" sz="3600" dirty="0"/>
             </a:p>
           </p:txBody>
         </p:sp>
@@ -23106,7 +22805,7 @@
             <a:bodyPr/>
             <a:lstStyle/>
             <a:p>
-              <a:endParaRPr lang="ja-JP" altLang="en-US" sz="3600"/>
+              <a:endParaRPr lang="ja-JP" altLang="en-US" sz="3600" dirty="0"/>
             </a:p>
           </p:txBody>
         </p:sp>
@@ -23140,7 +22839,7 @@
             <a:bodyPr/>
             <a:lstStyle/>
             <a:p>
-              <a:endParaRPr lang="ja-JP" altLang="en-US" sz="3600"/>
+              <a:endParaRPr lang="ja-JP" altLang="en-US" sz="3600" dirty="0"/>
             </a:p>
           </p:txBody>
         </p:sp>
@@ -23174,7 +22873,7 @@
             <a:bodyPr/>
             <a:lstStyle/>
             <a:p>
-              <a:endParaRPr lang="ja-JP" altLang="en-US" sz="3600"/>
+              <a:endParaRPr lang="ja-JP" altLang="en-US" sz="3600" dirty="0"/>
             </a:p>
           </p:txBody>
         </p:sp>
@@ -23208,7 +22907,7 @@
             <a:bodyPr/>
             <a:lstStyle/>
             <a:p>
-              <a:endParaRPr lang="ja-JP" altLang="en-US" sz="3600"/>
+              <a:endParaRPr lang="ja-JP" altLang="en-US" sz="3600" dirty="0"/>
             </a:p>
           </p:txBody>
         </p:sp>
@@ -23242,7 +22941,7 @@
             <a:bodyPr/>
             <a:lstStyle/>
             <a:p>
-              <a:endParaRPr lang="ja-JP" altLang="en-US" sz="3600"/>
+              <a:endParaRPr lang="ja-JP" altLang="en-US" sz="3600" dirty="0"/>
             </a:p>
           </p:txBody>
         </p:sp>
@@ -23276,7 +22975,7 @@
             <a:bodyPr/>
             <a:lstStyle/>
             <a:p>
-              <a:endParaRPr lang="ja-JP" altLang="en-US" sz="3600"/>
+              <a:endParaRPr lang="ja-JP" altLang="en-US" sz="3600" dirty="0"/>
             </a:p>
           </p:txBody>
         </p:sp>
@@ -23310,7 +23009,7 @@
             <a:bodyPr/>
             <a:lstStyle/>
             <a:p>
-              <a:endParaRPr lang="ja-JP" altLang="en-US" sz="3600"/>
+              <a:endParaRPr lang="ja-JP" altLang="en-US" sz="3600" dirty="0"/>
             </a:p>
           </p:txBody>
         </p:sp>
@@ -23344,7 +23043,7 @@
             <a:bodyPr/>
             <a:lstStyle/>
             <a:p>
-              <a:endParaRPr lang="ja-JP" altLang="en-US" sz="3600"/>
+              <a:endParaRPr lang="ja-JP" altLang="en-US" sz="3600" dirty="0"/>
             </a:p>
           </p:txBody>
         </p:sp>
@@ -23358,8 +23057,8 @@
           </p:nvSpPr>
           <p:spPr bwMode="auto">
             <a:xfrm>
-              <a:off x="4691582" y="3349578"/>
-              <a:ext cx="707604" cy="316414"/>
+              <a:off x="4871840" y="3349579"/>
+              <a:ext cx="527356" cy="316414"/>
             </a:xfrm>
             <a:prstGeom prst="rect">
               <a:avLst/>
@@ -23380,29 +23079,38 @@
             <a:p>
               <a:pPr algn="r"/>
               <a:r>
-                <a:rPr lang="ja-JP" altLang="en-US" sz="1600">
+                <a:rPr lang="ko-KR" altLang="en-US" sz="1600" dirty="0" smtClean="0">
                   <a:solidFill>
                     <a:srgbClr val="1F1A17"/>
                   </a:solidFill>
-                  <a:latin typeface="MS UI Gothic" pitchFamily="50" charset="-128"/>
-                  <a:ea typeface="MS UI Gothic" pitchFamily="50" charset="-128"/>
+                  <a:latin typeface="Malgun Gothic" pitchFamily="34" charset="-127"/>
+                  <a:ea typeface="Malgun Gothic" pitchFamily="34" charset="-127"/>
                 </a:rPr>
-                <a:t>アーム</a:t>
+                <a:t>로봇 암</a:t>
               </a:r>
+              <a:endParaRPr lang="ja-JP" altLang="en-US" sz="1600" dirty="0">
+                <a:solidFill>
+                  <a:srgbClr val="1F1A17"/>
+                </a:solidFill>
+                <a:latin typeface="Malgun Gothic" pitchFamily="34" charset="-127"/>
+                <a:ea typeface="MS UI Gothic" pitchFamily="50" charset="-128"/>
+              </a:endParaRPr>
             </a:p>
             <a:p>
               <a:pPr algn="r"/>
               <a:r>
-                <a:rPr lang="ja-JP" altLang="en-US" sz="1600">
+                <a:rPr lang="ko-KR" altLang="en-US" sz="1600" dirty="0" smtClean="0">
                   <a:solidFill>
                     <a:srgbClr val="1F1A17"/>
                   </a:solidFill>
-                  <a:latin typeface="MS UI Gothic" pitchFamily="50" charset="-128"/>
-                  <a:ea typeface="MS UI Gothic" pitchFamily="50" charset="-128"/>
+                  <a:latin typeface="Malgun Gothic" pitchFamily="34" charset="-127"/>
+                  <a:ea typeface="Malgun Gothic" pitchFamily="34" charset="-127"/>
                 </a:rPr>
-                <a:t>コンポーネント</a:t>
+                <a:t>컴포넌트</a:t>
               </a:r>
-              <a:endParaRPr lang="ja-JP" altLang="en-US" sz="3600"/>
+              <a:endParaRPr lang="ja-JP" altLang="en-US" sz="3600" dirty="0">
+                <a:latin typeface="Malgun Gothic" pitchFamily="34" charset="-127"/>
+              </a:endParaRPr>
             </a:p>
           </p:txBody>
         </p:sp>
@@ -23452,7 +23160,7 @@
               <a:bodyPr/>
               <a:lstStyle/>
               <a:p>
-                <a:endParaRPr lang="ja-JP" altLang="en-US" sz="3600"/>
+                <a:endParaRPr lang="ja-JP" altLang="en-US" sz="3600" dirty="0"/>
               </a:p>
             </p:txBody>
           </p:sp>
@@ -23488,7 +23196,7 @@
               <a:bodyPr/>
               <a:lstStyle/>
               <a:p>
-                <a:endParaRPr lang="ja-JP" altLang="en-US" sz="3600"/>
+                <a:endParaRPr lang="ja-JP" altLang="en-US" sz="3600" dirty="0"/>
               </a:p>
             </p:txBody>
           </p:sp>
@@ -23571,7 +23279,7 @@
               <a:bodyPr/>
               <a:lstStyle/>
               <a:p>
-                <a:endParaRPr lang="ja-JP" altLang="en-US" sz="3600"/>
+                <a:endParaRPr lang="ja-JP" altLang="en-US" sz="3600" dirty="0"/>
               </a:p>
             </p:txBody>
           </p:sp>
@@ -23605,7 +23313,7 @@
               <a:bodyPr/>
               <a:lstStyle/>
               <a:p>
-                <a:endParaRPr lang="ja-JP" altLang="en-US" sz="3600"/>
+                <a:endParaRPr lang="ja-JP" altLang="en-US" sz="3600" dirty="0"/>
               </a:p>
             </p:txBody>
           </p:sp>
@@ -23642,7 +23350,7 @@
             <a:bodyPr wrap="none" anchor="ctr"/>
             <a:lstStyle/>
             <a:p>
-              <a:endParaRPr lang="ja-JP" altLang="en-US" sz="3600"/>
+              <a:endParaRPr lang="ja-JP" altLang="en-US" sz="3600" dirty="0"/>
             </a:p>
           </p:txBody>
         </p:sp>
@@ -23707,7 +23415,7 @@
             <a:lstStyle/>
             <a:p>
               <a:pPr algn="ctr"/>
-              <a:endParaRPr lang="en-US" altLang="ja-JP" sz="3600"/>
+              <a:endParaRPr lang="en-US" altLang="ja-JP" sz="3600" dirty="0"/>
             </a:p>
           </p:txBody>
         </p:sp>
@@ -23741,7 +23449,7 @@
             <a:bodyPr/>
             <a:lstStyle/>
             <a:p>
-              <a:endParaRPr lang="ja-JP" altLang="en-US" sz="3600"/>
+              <a:endParaRPr lang="ja-JP" altLang="en-US" sz="3600" dirty="0"/>
             </a:p>
           </p:txBody>
         </p:sp>
@@ -23755,8 +23463,8 @@
           </p:nvSpPr>
           <p:spPr bwMode="auto">
             <a:xfrm>
-              <a:off x="2016223" y="2085927"/>
-              <a:ext cx="1234136" cy="197759"/>
+              <a:off x="2121461" y="2121004"/>
+              <a:ext cx="1093028" cy="197759"/>
             </a:xfrm>
             <a:prstGeom prst="rect">
               <a:avLst/>
@@ -23776,9 +23484,10 @@
             <a:lstStyle/>
             <a:p>
               <a:r>
-                <a:rPr lang="ja-JP" altLang="en-US" sz="1400"/>
-                <a:t>アームインターフェース</a:t>
+                <a:rPr lang="ko-KR" altLang="en-US" sz="1400" b="1" dirty="0" smtClean="0"/>
+                <a:t>로봇 암 인터페이스</a:t>
               </a:r>
+              <a:endParaRPr lang="ja-JP" altLang="en-US" sz="1400" b="1" dirty="0"/>
             </a:p>
           </p:txBody>
         </p:sp>
@@ -23793,7 +23502,7 @@
           <p:spPr bwMode="auto">
             <a:xfrm>
               <a:off x="1979711" y="2420889"/>
-              <a:ext cx="1360824" cy="889913"/>
+              <a:ext cx="1407174" cy="889913"/>
             </a:xfrm>
             <a:prstGeom prst="rect">
               <a:avLst/>
@@ -23813,33 +23522,58 @@
             <a:lstStyle/>
             <a:p>
               <a:r>
-                <a:rPr lang="ja-JP" altLang="en-US" sz="1400" dirty="0"/>
-                <a:t>・モード設定関数</a:t>
+                <a:rPr lang="ja-JP" altLang="en-US" sz="1400" dirty="0" smtClean="0"/>
+                <a:t>・</a:t>
               </a:r>
+              <a:r>
+                <a:rPr lang="ko-KR" altLang="en-US" sz="1400" dirty="0" smtClean="0"/>
+                <a:t>모드 설정 함수</a:t>
+              </a:r>
+              <a:endParaRPr lang="ja-JP" altLang="en-US" sz="1400" dirty="0"/>
             </a:p>
             <a:p>
               <a:r>
-                <a:rPr lang="ja-JP" altLang="en-US" sz="1400" dirty="0"/>
-                <a:t>・座標系設定関数</a:t>
+                <a:rPr lang="ja-JP" altLang="en-US" sz="1400" dirty="0" smtClean="0"/>
+                <a:t>・</a:t>
               </a:r>
+              <a:r>
+                <a:rPr lang="ko-KR" altLang="en-US" sz="1400" dirty="0" smtClean="0"/>
+                <a:t>좌표계 설정 함수</a:t>
+              </a:r>
+              <a:endParaRPr lang="ja-JP" altLang="en-US" sz="1400" dirty="0"/>
             </a:p>
             <a:p>
               <a:r>
-                <a:rPr lang="ja-JP" altLang="en-US" sz="1400" dirty="0"/>
-                <a:t>・制御パラメータ設定関数</a:t>
+                <a:rPr lang="ja-JP" altLang="en-US" sz="1400" dirty="0" smtClean="0"/>
+                <a:t>・</a:t>
               </a:r>
+              <a:r>
+                <a:rPr lang="ko-KR" altLang="en-US" sz="1400" dirty="0" smtClean="0"/>
+                <a:t>제어 파라메터 설정 함수</a:t>
+              </a:r>
+              <a:endParaRPr lang="ja-JP" altLang="en-US" sz="1400" dirty="0"/>
             </a:p>
             <a:p>
               <a:r>
-                <a:rPr lang="ja-JP" altLang="en-US" sz="1400" dirty="0"/>
-                <a:t>・ヤコビ取得関数</a:t>
+                <a:rPr lang="ja-JP" altLang="en-US" sz="1400" dirty="0" smtClean="0"/>
+                <a:t>・</a:t>
               </a:r>
+              <a:r>
+                <a:rPr lang="ko-KR" altLang="en-US" sz="1400" dirty="0" smtClean="0"/>
+                <a:t>야코비 취득 함수</a:t>
+              </a:r>
+              <a:endParaRPr lang="ja-JP" altLang="en-US" sz="1400" dirty="0"/>
             </a:p>
             <a:p>
               <a:r>
-                <a:rPr lang="ja-JP" altLang="en-US" sz="1400" dirty="0"/>
-                <a:t>・ステータス取得関数</a:t>
+                <a:rPr lang="ja-JP" altLang="en-US" sz="1400" dirty="0" smtClean="0"/>
+                <a:t>・</a:t>
               </a:r>
+              <a:r>
+                <a:rPr lang="ko-KR" altLang="en-US" sz="1400" dirty="0" smtClean="0"/>
+                <a:t>스테이터스 취득 함수</a:t>
+              </a:r>
+              <a:endParaRPr lang="ja-JP" altLang="en-US" sz="1400" dirty="0"/>
             </a:p>
             <a:p>
               <a:r>
@@ -23884,7 +23618,7 @@
             <a:bodyPr/>
             <a:lstStyle/>
             <a:p>
-              <a:endParaRPr lang="ja-JP" altLang="en-US" sz="3600"/>
+              <a:endParaRPr lang="ja-JP" altLang="en-US" sz="3600" dirty="0"/>
             </a:p>
           </p:txBody>
         </p:sp>
@@ -23898,8 +23632,8 @@
           </p:nvSpPr>
           <p:spPr bwMode="auto">
             <a:xfrm>
-              <a:off x="1769981" y="3330999"/>
-              <a:ext cx="1783121" cy="375741"/>
+              <a:off x="1781319" y="3330999"/>
+              <a:ext cx="1760463" cy="375741"/>
             </a:xfrm>
             <a:prstGeom prst="rect">
               <a:avLst/>
@@ -23920,16 +23654,22 @@
             <a:p>
               <a:pPr algn="ctr"/>
               <a:r>
-                <a:rPr lang="ja-JP" altLang="en-US" sz="1600" dirty="0"/>
-                <a:t>他のコンポーネント・</a:t>
+                <a:rPr lang="ko-KR" altLang="en-US" sz="1600" dirty="0" smtClean="0"/>
+                <a:t>다른 컴포넌트</a:t>
               </a:r>
+              <a:r>
+                <a:rPr lang="ja-JP" altLang="en-US" sz="1600" dirty="0" smtClean="0"/>
+                <a:t>・</a:t>
+              </a:r>
+              <a:endParaRPr lang="ja-JP" altLang="en-US" sz="1600" dirty="0"/>
             </a:p>
             <a:p>
               <a:pPr algn="ctr"/>
               <a:r>
-                <a:rPr lang="ja-JP" altLang="en-US" sz="1600" dirty="0"/>
-                <a:t>上位アプリケーションから利用</a:t>
+                <a:rPr lang="ko-KR" altLang="en-US" sz="1600" dirty="0" smtClean="0"/>
+                <a:t>상위 어플리케이션에서 이용</a:t>
               </a:r>
+              <a:endParaRPr lang="ja-JP" altLang="en-US" sz="1600" dirty="0"/>
             </a:p>
           </p:txBody>
         </p:sp>
@@ -23963,7 +23703,7 @@
             <a:bodyPr/>
             <a:lstStyle/>
             <a:p>
-              <a:endParaRPr lang="ja-JP" altLang="en-US" sz="3600"/>
+              <a:endParaRPr lang="ja-JP" altLang="en-US" sz="3600" dirty="0"/>
             </a:p>
           </p:txBody>
         </p:sp>
@@ -23977,8 +23717,8 @@
           </p:nvSpPr>
           <p:spPr bwMode="auto">
             <a:xfrm>
-              <a:off x="3714030" y="3511503"/>
-              <a:ext cx="736650" cy="375741"/>
+              <a:off x="3555733" y="3511503"/>
+              <a:ext cx="807720" cy="375741"/>
             </a:xfrm>
             <a:prstGeom prst="rect">
               <a:avLst/>
@@ -23999,16 +23739,22 @@
             <a:p>
               <a:pPr algn="ctr"/>
               <a:r>
-                <a:rPr lang="ja-JP" altLang="en-US" sz="1600"/>
-                <a:t>手先位置・</a:t>
+                <a:rPr lang="ko-KR" altLang="en-US" sz="1600" dirty="0" smtClean="0"/>
+                <a:t>손끝 위치</a:t>
               </a:r>
+              <a:r>
+                <a:rPr lang="ja-JP" altLang="en-US" sz="1600" dirty="0" smtClean="0"/>
+                <a:t>・</a:t>
+              </a:r>
+              <a:endParaRPr lang="ja-JP" altLang="en-US" sz="1600" dirty="0"/>
             </a:p>
             <a:p>
               <a:pPr algn="ctr"/>
               <a:r>
-                <a:rPr lang="ja-JP" altLang="en-US" sz="1600"/>
-                <a:t>速度データ</a:t>
+                <a:rPr lang="ko-KR" altLang="en-US" sz="1600" dirty="0" smtClean="0"/>
+                <a:t>속도 데이터</a:t>
               </a:r>
+              <a:endParaRPr lang="ja-JP" altLang="en-US" sz="1600" dirty="0"/>
             </a:p>
           </p:txBody>
         </p:sp>
@@ -24022,8 +23768,8 @@
           </p:nvSpPr>
           <p:spPr bwMode="auto">
             <a:xfrm>
-              <a:off x="4025454" y="2035127"/>
-              <a:ext cx="948828" cy="217534"/>
+              <a:off x="4096018" y="2035127"/>
+              <a:ext cx="807720" cy="217534"/>
             </a:xfrm>
             <a:prstGeom prst="rect">
               <a:avLst/>
@@ -24044,9 +23790,10 @@
             <a:p>
               <a:pPr algn="ctr"/>
               <a:r>
-                <a:rPr lang="ja-JP" altLang="en-US" sz="1600"/>
-                <a:t>サービスポート</a:t>
+                <a:rPr lang="ko-KR" altLang="en-US" sz="1600" dirty="0" smtClean="0"/>
+                <a:t>서비스 포트</a:t>
               </a:r>
+              <a:endParaRPr lang="ja-JP" altLang="en-US" sz="1600" dirty="0"/>
             </a:p>
           </p:txBody>
         </p:sp>
@@ -24060,8 +23807,8 @@
           </p:nvSpPr>
           <p:spPr bwMode="auto">
             <a:xfrm>
-              <a:off x="4563568" y="3786140"/>
-              <a:ext cx="810809" cy="217534"/>
+              <a:off x="4565123" y="3847526"/>
+              <a:ext cx="807720" cy="217534"/>
             </a:xfrm>
             <a:prstGeom prst="rect">
               <a:avLst/>
@@ -24082,9 +23829,10 @@
             <a:p>
               <a:pPr algn="ctr"/>
               <a:r>
-                <a:rPr lang="ja-JP" altLang="en-US" sz="1600"/>
-                <a:t>データポート</a:t>
+                <a:rPr lang="ko-KR" altLang="en-US" sz="1600" dirty="0" smtClean="0"/>
+                <a:t>데이터 포트</a:t>
               </a:r>
+              <a:endParaRPr lang="ja-JP" altLang="en-US" sz="1600" dirty="0"/>
             </a:p>
           </p:txBody>
         </p:sp>
@@ -24118,7 +23866,7 @@
             <a:bodyPr/>
             <a:lstStyle/>
             <a:p>
-              <a:endParaRPr lang="ja-JP" altLang="en-US" sz="3600"/>
+              <a:endParaRPr lang="ja-JP" altLang="en-US" sz="3600" dirty="0"/>
             </a:p>
           </p:txBody>
         </p:sp>
@@ -24152,7 +23900,7 @@
             <a:bodyPr/>
             <a:lstStyle/>
             <a:p>
-              <a:endParaRPr lang="ja-JP" altLang="en-US" sz="3600"/>
+              <a:endParaRPr lang="ja-JP" altLang="en-US" sz="3600" dirty="0"/>
             </a:p>
           </p:txBody>
         </p:sp>
@@ -24220,7 +23968,7 @@
               <a:pPr algn="r"/>
               <a:t>4</a:t>
             </a:fld>
-            <a:endParaRPr lang="en-US" altLang="ja-JP">
+            <a:endParaRPr lang="en-US" altLang="ja-JP" dirty="0">
               <a:solidFill>
                 <a:srgbClr val="4D4D4D"/>
               </a:solidFill>
@@ -24245,7 +23993,7 @@
           <a:p>
             <a:pPr eaLnBrk="1" hangingPunct="1"/>
             <a:r>
-              <a:rPr lang="ja-JP" altLang="en-US" smtClean="0"/>
+              <a:rPr lang="ja-JP" altLang="en-US" dirty="0" smtClean="0"/>
               <a:t>サービスポート</a:t>
             </a:r>
           </a:p>
@@ -24277,7 +24025,7 @@
               </a:lnSpc>
             </a:pPr>
             <a:r>
-              <a:rPr lang="ja-JP" altLang="en-US" sz="1800" smtClean="0"/>
+              <a:rPr lang="ja-JP" altLang="en-US" sz="1800" dirty="0" smtClean="0"/>
               <a:t>任意に定義可能なインターフェースを持つポート</a:t>
             </a:r>
           </a:p>
@@ -24288,7 +24036,7 @@
               </a:lnSpc>
             </a:pPr>
             <a:r>
-              <a:rPr lang="ja-JP" altLang="en-US" sz="1600" smtClean="0"/>
+              <a:rPr lang="ja-JP" altLang="en-US" sz="1600" dirty="0" smtClean="0"/>
               <a:t>コマンド・関数を自由に追加</a:t>
             </a:r>
           </a:p>
@@ -24299,7 +24047,7 @@
               </a:lnSpc>
             </a:pPr>
             <a:r>
-              <a:rPr lang="ja-JP" altLang="en-US" sz="1600" smtClean="0"/>
+              <a:rPr lang="ja-JP" altLang="en-US" sz="1600" dirty="0" smtClean="0"/>
               <a:t>他のコンポーネントからアクセス可能</a:t>
             </a:r>
           </a:p>
@@ -24310,7 +24058,7 @@
               </a:lnSpc>
             </a:pPr>
             <a:r>
-              <a:rPr lang="ja-JP" altLang="en-US" sz="1600" smtClean="0"/>
+              <a:rPr lang="ja-JP" altLang="en-US" sz="1600" dirty="0" smtClean="0"/>
               <a:t>（本当は標準化したい）</a:t>
             </a:r>
           </a:p>
@@ -24321,7 +24069,7 @@
               </a:lnSpc>
             </a:pPr>
             <a:r>
-              <a:rPr lang="ja-JP" altLang="en-US" sz="1800" smtClean="0"/>
+              <a:rPr lang="ja-JP" altLang="en-US" sz="1800" dirty="0" smtClean="0"/>
               <a:t>内部の詳細な機能にアクセス</a:t>
             </a:r>
           </a:p>
@@ -24332,7 +24080,7 @@
               </a:lnSpc>
             </a:pPr>
             <a:r>
-              <a:rPr lang="ja-JP" altLang="en-US" sz="1600" smtClean="0"/>
+              <a:rPr lang="ja-JP" altLang="en-US" sz="1600" dirty="0" smtClean="0"/>
               <a:t>パラメータ取得・設定</a:t>
             </a:r>
           </a:p>
@@ -24343,7 +24091,7 @@
               </a:lnSpc>
             </a:pPr>
             <a:r>
-              <a:rPr lang="ja-JP" altLang="en-US" sz="1600" smtClean="0"/>
+              <a:rPr lang="ja-JP" altLang="en-US" sz="1600" dirty="0" smtClean="0"/>
               <a:t>モード切替</a:t>
             </a:r>
           </a:p>
@@ -24354,7 +24102,7 @@
               </a:lnSpc>
             </a:pPr>
             <a:r>
-              <a:rPr lang="ja-JP" altLang="en-US" sz="1600" smtClean="0"/>
+              <a:rPr lang="ja-JP" altLang="en-US" sz="1600" dirty="0" smtClean="0"/>
               <a:t>処理の依頼と結果取得</a:t>
             </a:r>
           </a:p>
@@ -24365,7 +24113,7 @@
               </a:lnSpc>
             </a:pPr>
             <a:r>
-              <a:rPr lang="en-US" altLang="ja-JP" sz="1600" smtClean="0"/>
+              <a:rPr lang="en-US" altLang="ja-JP" sz="1600" dirty="0" smtClean="0"/>
               <a:t>etc…</a:t>
             </a:r>
           </a:p>
@@ -24405,7 +24153,7 @@
           <a:bodyPr wrap="none" anchor="ctr"/>
           <a:lstStyle/>
           <a:p>
-            <a:endParaRPr lang="ja-JP" altLang="en-US"/>
+            <a:endParaRPr lang="ja-JP" altLang="en-US" dirty="0"/>
           </a:p>
         </p:txBody>
       </p:sp>
@@ -24443,7 +24191,7 @@
           <a:bodyPr wrap="none" anchor="ctr"/>
           <a:lstStyle/>
           <a:p>
-            <a:endParaRPr lang="ja-JP" altLang="en-US"/>
+            <a:endParaRPr lang="ja-JP" altLang="en-US" dirty="0"/>
           </a:p>
         </p:txBody>
       </p:sp>
@@ -24477,7 +24225,7 @@
           <a:bodyPr/>
           <a:lstStyle/>
           <a:p>
-            <a:endParaRPr lang="ja-JP" altLang="en-US"/>
+            <a:endParaRPr lang="ja-JP" altLang="en-US" dirty="0"/>
           </a:p>
         </p:txBody>
       </p:sp>
@@ -24511,7 +24259,7 @@
           <a:bodyPr/>
           <a:lstStyle/>
           <a:p>
-            <a:endParaRPr lang="ja-JP" altLang="en-US"/>
+            <a:endParaRPr lang="ja-JP" altLang="en-US" dirty="0"/>
           </a:p>
         </p:txBody>
       </p:sp>
@@ -24545,7 +24293,7 @@
           <a:bodyPr/>
           <a:lstStyle/>
           <a:p>
-            <a:endParaRPr lang="ja-JP" altLang="en-US"/>
+            <a:endParaRPr lang="ja-JP" altLang="en-US" dirty="0"/>
           </a:p>
         </p:txBody>
       </p:sp>
@@ -24579,7 +24327,7 @@
           <a:bodyPr/>
           <a:lstStyle/>
           <a:p>
-            <a:endParaRPr lang="ja-JP" altLang="en-US"/>
+            <a:endParaRPr lang="ja-JP" altLang="en-US" dirty="0"/>
           </a:p>
         </p:txBody>
       </p:sp>
@@ -24613,7 +24361,7 @@
           <a:bodyPr/>
           <a:lstStyle/>
           <a:p>
-            <a:endParaRPr lang="ja-JP" altLang="en-US"/>
+            <a:endParaRPr lang="ja-JP" altLang="en-US" dirty="0"/>
           </a:p>
         </p:txBody>
       </p:sp>
@@ -24647,7 +24395,7 @@
           <a:bodyPr/>
           <a:lstStyle/>
           <a:p>
-            <a:endParaRPr lang="ja-JP" altLang="en-US"/>
+            <a:endParaRPr lang="ja-JP" altLang="en-US" dirty="0"/>
           </a:p>
         </p:txBody>
       </p:sp>
@@ -24681,7 +24429,7 @@
           <a:bodyPr/>
           <a:lstStyle/>
           <a:p>
-            <a:endParaRPr lang="ja-JP" altLang="en-US"/>
+            <a:endParaRPr lang="ja-JP" altLang="en-US" dirty="0"/>
           </a:p>
         </p:txBody>
       </p:sp>
@@ -24715,7 +24463,7 @@
           <a:bodyPr/>
           <a:lstStyle/>
           <a:p>
-            <a:endParaRPr lang="ja-JP" altLang="en-US"/>
+            <a:endParaRPr lang="ja-JP" altLang="en-US" dirty="0"/>
           </a:p>
         </p:txBody>
       </p:sp>
@@ -24749,7 +24497,7 @@
           <a:bodyPr/>
           <a:lstStyle/>
           <a:p>
-            <a:endParaRPr lang="ja-JP" altLang="en-US"/>
+            <a:endParaRPr lang="ja-JP" altLang="en-US" dirty="0"/>
           </a:p>
         </p:txBody>
       </p:sp>
@@ -24783,7 +24531,7 @@
           <a:bodyPr/>
           <a:lstStyle/>
           <a:p>
-            <a:endParaRPr lang="ja-JP" altLang="en-US"/>
+            <a:endParaRPr lang="ja-JP" altLang="en-US" dirty="0"/>
           </a:p>
         </p:txBody>
       </p:sp>
@@ -24817,7 +24565,7 @@
           <a:bodyPr/>
           <a:lstStyle/>
           <a:p>
-            <a:endParaRPr lang="ja-JP" altLang="en-US"/>
+            <a:endParaRPr lang="ja-JP" altLang="en-US" dirty="0"/>
           </a:p>
         </p:txBody>
       </p:sp>
@@ -24851,7 +24599,7 @@
           <a:bodyPr/>
           <a:lstStyle/>
           <a:p>
-            <a:endParaRPr lang="ja-JP" altLang="en-US"/>
+            <a:endParaRPr lang="ja-JP" altLang="en-US" dirty="0"/>
           </a:p>
         </p:txBody>
       </p:sp>
@@ -24885,7 +24633,7 @@
           <a:bodyPr/>
           <a:lstStyle/>
           <a:p>
-            <a:endParaRPr lang="ja-JP" altLang="en-US"/>
+            <a:endParaRPr lang="ja-JP" altLang="en-US" dirty="0"/>
           </a:p>
         </p:txBody>
       </p:sp>
@@ -24921,7 +24669,7 @@
           <a:p>
             <a:pPr algn="r"/>
             <a:r>
-              <a:rPr lang="ja-JP" altLang="en-US" sz="1000">
+              <a:rPr lang="ja-JP" altLang="en-US" sz="1000" dirty="0">
                 <a:solidFill>
                   <a:srgbClr val="1F1A17"/>
                 </a:solidFill>
@@ -24934,7 +24682,7 @@
           <a:p>
             <a:pPr algn="r"/>
             <a:r>
-              <a:rPr lang="ja-JP" altLang="en-US" sz="1000">
+              <a:rPr lang="ja-JP" altLang="en-US" sz="1000" dirty="0">
                 <a:solidFill>
                   <a:srgbClr val="1F1A17"/>
                 </a:solidFill>
@@ -24943,7 +24691,7 @@
               </a:rPr>
               <a:t>コンポーネント</a:t>
             </a:r>
-            <a:endParaRPr lang="ja-JP" altLang="en-US"/>
+            <a:endParaRPr lang="ja-JP" altLang="en-US" dirty="0"/>
           </a:p>
         </p:txBody>
       </p:sp>
@@ -24977,7 +24725,7 @@
           <a:bodyPr/>
           <a:lstStyle/>
           <a:p>
-            <a:endParaRPr lang="ja-JP" altLang="en-US"/>
+            <a:endParaRPr lang="ja-JP" altLang="en-US" dirty="0"/>
           </a:p>
         </p:txBody>
       </p:sp>
@@ -25011,7 +24759,7 @@
           <a:bodyPr/>
           <a:lstStyle/>
           <a:p>
-            <a:endParaRPr lang="ja-JP" altLang="en-US"/>
+            <a:endParaRPr lang="ja-JP" altLang="en-US" dirty="0"/>
           </a:p>
         </p:txBody>
       </p:sp>
@@ -25045,7 +24793,7 @@
           <a:bodyPr/>
           <a:lstStyle/>
           <a:p>
-            <a:endParaRPr lang="ja-JP" altLang="en-US"/>
+            <a:endParaRPr lang="ja-JP" altLang="en-US" dirty="0"/>
           </a:p>
         </p:txBody>
       </p:sp>
@@ -25079,7 +24827,7 @@
           <a:bodyPr/>
           <a:lstStyle/>
           <a:p>
-            <a:endParaRPr lang="ja-JP" altLang="en-US"/>
+            <a:endParaRPr lang="ja-JP" altLang="en-US" dirty="0"/>
           </a:p>
         </p:txBody>
       </p:sp>
@@ -25113,7 +24861,7 @@
           <a:bodyPr/>
           <a:lstStyle/>
           <a:p>
-            <a:endParaRPr lang="ja-JP" altLang="en-US"/>
+            <a:endParaRPr lang="ja-JP" altLang="en-US" dirty="0"/>
           </a:p>
         </p:txBody>
       </p:sp>
@@ -25147,7 +24895,7 @@
           <a:bodyPr/>
           <a:lstStyle/>
           <a:p>
-            <a:endParaRPr lang="ja-JP" altLang="en-US"/>
+            <a:endParaRPr lang="ja-JP" altLang="en-US" dirty="0"/>
           </a:p>
         </p:txBody>
       </p:sp>
@@ -25181,7 +24929,7 @@
           <a:bodyPr/>
           <a:lstStyle/>
           <a:p>
-            <a:endParaRPr lang="ja-JP" altLang="en-US"/>
+            <a:endParaRPr lang="ja-JP" altLang="en-US" dirty="0"/>
           </a:p>
         </p:txBody>
       </p:sp>
@@ -25275,7 +25023,7 @@
           <a:bodyPr/>
           <a:lstStyle/>
           <a:p>
-            <a:endParaRPr lang="ja-JP" altLang="en-US"/>
+            <a:endParaRPr lang="ja-JP" altLang="en-US" dirty="0"/>
           </a:p>
         </p:txBody>
       </p:sp>
@@ -25369,7 +25117,7 @@
           <a:bodyPr/>
           <a:lstStyle/>
           <a:p>
-            <a:endParaRPr lang="ja-JP" altLang="en-US"/>
+            <a:endParaRPr lang="ja-JP" altLang="en-US" dirty="0"/>
           </a:p>
         </p:txBody>
       </p:sp>
@@ -25463,7 +25211,7 @@
           <a:bodyPr/>
           <a:lstStyle/>
           <a:p>
-            <a:endParaRPr lang="ja-JP" altLang="en-US"/>
+            <a:endParaRPr lang="ja-JP" altLang="en-US" dirty="0"/>
           </a:p>
         </p:txBody>
       </p:sp>
@@ -25557,7 +25305,7 @@
           <a:bodyPr/>
           <a:lstStyle/>
           <a:p>
-            <a:endParaRPr lang="ja-JP" altLang="en-US"/>
+            <a:endParaRPr lang="ja-JP" altLang="en-US" dirty="0"/>
           </a:p>
         </p:txBody>
       </p:sp>
@@ -25591,7 +25339,7 @@
           <a:bodyPr/>
           <a:lstStyle/>
           <a:p>
-            <a:endParaRPr lang="ja-JP" altLang="en-US"/>
+            <a:endParaRPr lang="ja-JP" altLang="en-US" dirty="0"/>
           </a:p>
         </p:txBody>
       </p:sp>
@@ -25625,7 +25373,7 @@
           <a:bodyPr/>
           <a:lstStyle/>
           <a:p>
-            <a:endParaRPr lang="ja-JP" altLang="en-US"/>
+            <a:endParaRPr lang="ja-JP" altLang="en-US" dirty="0"/>
           </a:p>
         </p:txBody>
       </p:sp>
@@ -25719,7 +25467,7 @@
           <a:bodyPr/>
           <a:lstStyle/>
           <a:p>
-            <a:endParaRPr lang="ja-JP" altLang="en-US"/>
+            <a:endParaRPr lang="ja-JP" altLang="en-US" dirty="0"/>
           </a:p>
         </p:txBody>
       </p:sp>
@@ -25813,7 +25561,7 @@
           <a:bodyPr/>
           <a:lstStyle/>
           <a:p>
-            <a:endParaRPr lang="ja-JP" altLang="en-US"/>
+            <a:endParaRPr lang="ja-JP" altLang="en-US" dirty="0"/>
           </a:p>
         </p:txBody>
       </p:sp>
@@ -25907,7 +25655,7 @@
           <a:bodyPr/>
           <a:lstStyle/>
           <a:p>
-            <a:endParaRPr lang="ja-JP" altLang="en-US"/>
+            <a:endParaRPr lang="ja-JP" altLang="en-US" dirty="0"/>
           </a:p>
         </p:txBody>
       </p:sp>
@@ -26001,7 +25749,7 @@
           <a:bodyPr/>
           <a:lstStyle/>
           <a:p>
-            <a:endParaRPr lang="ja-JP" altLang="en-US"/>
+            <a:endParaRPr lang="ja-JP" altLang="en-US" dirty="0"/>
           </a:p>
         </p:txBody>
       </p:sp>
@@ -26095,7 +25843,7 @@
           <a:bodyPr/>
           <a:lstStyle/>
           <a:p>
-            <a:endParaRPr lang="ja-JP" altLang="en-US"/>
+            <a:endParaRPr lang="ja-JP" altLang="en-US" dirty="0"/>
           </a:p>
         </p:txBody>
       </p:sp>
@@ -26189,7 +25937,7 @@
           <a:bodyPr/>
           <a:lstStyle/>
           <a:p>
-            <a:endParaRPr lang="ja-JP" altLang="en-US"/>
+            <a:endParaRPr lang="ja-JP" altLang="en-US" dirty="0"/>
           </a:p>
         </p:txBody>
       </p:sp>
@@ -26283,7 +26031,7 @@
           <a:bodyPr/>
           <a:lstStyle/>
           <a:p>
-            <a:endParaRPr lang="ja-JP" altLang="en-US"/>
+            <a:endParaRPr lang="ja-JP" altLang="en-US" dirty="0"/>
           </a:p>
         </p:txBody>
       </p:sp>
@@ -26377,7 +26125,7 @@
           <a:bodyPr/>
           <a:lstStyle/>
           <a:p>
-            <a:endParaRPr lang="ja-JP" altLang="en-US"/>
+            <a:endParaRPr lang="ja-JP" altLang="en-US" dirty="0"/>
           </a:p>
         </p:txBody>
       </p:sp>
@@ -26471,7 +26219,7 @@
           <a:bodyPr/>
           <a:lstStyle/>
           <a:p>
-            <a:endParaRPr lang="ja-JP" altLang="en-US"/>
+            <a:endParaRPr lang="ja-JP" altLang="en-US" dirty="0"/>
           </a:p>
         </p:txBody>
       </p:sp>
@@ -26565,7 +26313,7 @@
           <a:bodyPr/>
           <a:lstStyle/>
           <a:p>
-            <a:endParaRPr lang="ja-JP" altLang="en-US"/>
+            <a:endParaRPr lang="ja-JP" altLang="en-US" dirty="0"/>
           </a:p>
         </p:txBody>
       </p:sp>
@@ -26659,7 +26407,7 @@
           <a:bodyPr/>
           <a:lstStyle/>
           <a:p>
-            <a:endParaRPr lang="ja-JP" altLang="en-US"/>
+            <a:endParaRPr lang="ja-JP" altLang="en-US" dirty="0"/>
           </a:p>
         </p:txBody>
       </p:sp>
@@ -26761,7 +26509,7 @@
           <a:bodyPr/>
           <a:lstStyle/>
           <a:p>
-            <a:endParaRPr lang="ja-JP" altLang="en-US"/>
+            <a:endParaRPr lang="ja-JP" altLang="en-US" dirty="0"/>
           </a:p>
         </p:txBody>
       </p:sp>
@@ -26863,7 +26611,7 @@
           <a:bodyPr/>
           <a:lstStyle/>
           <a:p>
-            <a:endParaRPr lang="ja-JP" altLang="en-US"/>
+            <a:endParaRPr lang="ja-JP" altLang="en-US" dirty="0"/>
           </a:p>
         </p:txBody>
       </p:sp>
@@ -26965,7 +26713,7 @@
           <a:bodyPr/>
           <a:lstStyle/>
           <a:p>
-            <a:endParaRPr lang="ja-JP" altLang="en-US"/>
+            <a:endParaRPr lang="ja-JP" altLang="en-US" dirty="0"/>
           </a:p>
         </p:txBody>
       </p:sp>
@@ -27067,7 +26815,7 @@
           <a:bodyPr/>
           <a:lstStyle/>
           <a:p>
-            <a:endParaRPr lang="ja-JP" altLang="en-US"/>
+            <a:endParaRPr lang="ja-JP" altLang="en-US" dirty="0"/>
           </a:p>
         </p:txBody>
       </p:sp>
@@ -27169,7 +26917,7 @@
           <a:bodyPr/>
           <a:lstStyle/>
           <a:p>
-            <a:endParaRPr lang="ja-JP" altLang="en-US"/>
+            <a:endParaRPr lang="ja-JP" altLang="en-US" dirty="0"/>
           </a:p>
         </p:txBody>
       </p:sp>
@@ -27271,7 +27019,7 @@
           <a:bodyPr/>
           <a:lstStyle/>
           <a:p>
-            <a:endParaRPr lang="ja-JP" altLang="en-US"/>
+            <a:endParaRPr lang="ja-JP" altLang="en-US" dirty="0"/>
           </a:p>
         </p:txBody>
       </p:sp>
@@ -27373,7 +27121,7 @@
           <a:bodyPr/>
           <a:lstStyle/>
           <a:p>
-            <a:endParaRPr lang="ja-JP" altLang="en-US"/>
+            <a:endParaRPr lang="ja-JP" altLang="en-US" dirty="0"/>
           </a:p>
         </p:txBody>
       </p:sp>
@@ -27475,7 +27223,7 @@
           <a:bodyPr/>
           <a:lstStyle/>
           <a:p>
-            <a:endParaRPr lang="ja-JP" altLang="en-US"/>
+            <a:endParaRPr lang="ja-JP" altLang="en-US" dirty="0"/>
           </a:p>
         </p:txBody>
       </p:sp>
@@ -27577,7 +27325,7 @@
           <a:bodyPr/>
           <a:lstStyle/>
           <a:p>
-            <a:endParaRPr lang="ja-JP" altLang="en-US"/>
+            <a:endParaRPr lang="ja-JP" altLang="en-US" dirty="0"/>
           </a:p>
         </p:txBody>
       </p:sp>
@@ -27679,7 +27427,7 @@
           <a:bodyPr/>
           <a:lstStyle/>
           <a:p>
-            <a:endParaRPr lang="ja-JP" altLang="en-US"/>
+            <a:endParaRPr lang="ja-JP" altLang="en-US" dirty="0"/>
           </a:p>
         </p:txBody>
       </p:sp>
@@ -27781,7 +27529,7 @@
           <a:bodyPr/>
           <a:lstStyle/>
           <a:p>
-            <a:endParaRPr lang="ja-JP" altLang="en-US"/>
+            <a:endParaRPr lang="ja-JP" altLang="en-US" dirty="0"/>
           </a:p>
         </p:txBody>
       </p:sp>
@@ -27883,7 +27631,7 @@
           <a:bodyPr/>
           <a:lstStyle/>
           <a:p>
-            <a:endParaRPr lang="ja-JP" altLang="en-US"/>
+            <a:endParaRPr lang="ja-JP" altLang="en-US" dirty="0"/>
           </a:p>
         </p:txBody>
       </p:sp>
@@ -27985,7 +27733,7 @@
           <a:bodyPr/>
           <a:lstStyle/>
           <a:p>
-            <a:endParaRPr lang="ja-JP" altLang="en-US"/>
+            <a:endParaRPr lang="ja-JP" altLang="en-US" dirty="0"/>
           </a:p>
         </p:txBody>
       </p:sp>
@@ -28087,7 +27835,7 @@
           <a:bodyPr/>
           <a:lstStyle/>
           <a:p>
-            <a:endParaRPr lang="ja-JP" altLang="en-US"/>
+            <a:endParaRPr lang="ja-JP" altLang="en-US" dirty="0"/>
           </a:p>
         </p:txBody>
       </p:sp>
@@ -28189,7 +27937,7 @@
           <a:bodyPr/>
           <a:lstStyle/>
           <a:p>
-            <a:endParaRPr lang="ja-JP" altLang="en-US"/>
+            <a:endParaRPr lang="ja-JP" altLang="en-US" dirty="0"/>
           </a:p>
         </p:txBody>
       </p:sp>
@@ -28291,7 +28039,7 @@
           <a:bodyPr/>
           <a:lstStyle/>
           <a:p>
-            <a:endParaRPr lang="ja-JP" altLang="en-US"/>
+            <a:endParaRPr lang="ja-JP" altLang="en-US" dirty="0"/>
           </a:p>
         </p:txBody>
       </p:sp>
@@ -28393,7 +28141,7 @@
           <a:bodyPr/>
           <a:lstStyle/>
           <a:p>
-            <a:endParaRPr lang="ja-JP" altLang="en-US"/>
+            <a:endParaRPr lang="ja-JP" altLang="en-US" dirty="0"/>
           </a:p>
         </p:txBody>
       </p:sp>
@@ -28495,7 +28243,7 @@
           <a:bodyPr/>
           <a:lstStyle/>
           <a:p>
-            <a:endParaRPr lang="ja-JP" altLang="en-US"/>
+            <a:endParaRPr lang="ja-JP" altLang="en-US" dirty="0"/>
           </a:p>
         </p:txBody>
       </p:sp>
@@ -28529,7 +28277,7 @@
           <a:bodyPr/>
           <a:lstStyle/>
           <a:p>
-            <a:endParaRPr lang="ja-JP" altLang="en-US"/>
+            <a:endParaRPr lang="ja-JP" altLang="en-US" dirty="0"/>
           </a:p>
         </p:txBody>
       </p:sp>
@@ -28563,7 +28311,7 @@
           <a:bodyPr/>
           <a:lstStyle/>
           <a:p>
-            <a:endParaRPr lang="ja-JP" altLang="en-US"/>
+            <a:endParaRPr lang="ja-JP" altLang="en-US" dirty="0"/>
           </a:p>
         </p:txBody>
       </p:sp>
@@ -28597,7 +28345,7 @@
           <a:bodyPr/>
           <a:lstStyle/>
           <a:p>
-            <a:endParaRPr lang="ja-JP" altLang="en-US"/>
+            <a:endParaRPr lang="ja-JP" altLang="en-US" dirty="0"/>
           </a:p>
         </p:txBody>
       </p:sp>
@@ -28631,7 +28379,7 @@
           <a:bodyPr/>
           <a:lstStyle/>
           <a:p>
-            <a:endParaRPr lang="ja-JP" altLang="en-US"/>
+            <a:endParaRPr lang="ja-JP" altLang="en-US" dirty="0"/>
           </a:p>
         </p:txBody>
       </p:sp>
@@ -28665,7 +28413,7 @@
           <a:bodyPr/>
           <a:lstStyle/>
           <a:p>
-            <a:endParaRPr lang="ja-JP" altLang="en-US"/>
+            <a:endParaRPr lang="ja-JP" altLang="en-US" dirty="0"/>
           </a:p>
         </p:txBody>
       </p:sp>
@@ -28699,7 +28447,7 @@
           <a:bodyPr/>
           <a:lstStyle/>
           <a:p>
-            <a:endParaRPr lang="ja-JP" altLang="en-US"/>
+            <a:endParaRPr lang="ja-JP" altLang="en-US" dirty="0"/>
           </a:p>
         </p:txBody>
       </p:sp>
@@ -28733,7 +28481,7 @@
           <a:bodyPr/>
           <a:lstStyle/>
           <a:p>
-            <a:endParaRPr lang="ja-JP" altLang="en-US"/>
+            <a:endParaRPr lang="ja-JP" altLang="en-US" dirty="0"/>
           </a:p>
         </p:txBody>
       </p:sp>
@@ -28767,7 +28515,7 @@
           <a:bodyPr/>
           <a:lstStyle/>
           <a:p>
-            <a:endParaRPr lang="ja-JP" altLang="en-US"/>
+            <a:endParaRPr lang="ja-JP" altLang="en-US" dirty="0"/>
           </a:p>
         </p:txBody>
       </p:sp>
@@ -28801,7 +28549,7 @@
           <a:bodyPr/>
           <a:lstStyle/>
           <a:p>
-            <a:endParaRPr lang="ja-JP" altLang="en-US"/>
+            <a:endParaRPr lang="ja-JP" altLang="en-US" dirty="0"/>
           </a:p>
         </p:txBody>
       </p:sp>
@@ -28835,7 +28583,7 @@
           <a:bodyPr/>
           <a:lstStyle/>
           <a:p>
-            <a:endParaRPr lang="ja-JP" altLang="en-US"/>
+            <a:endParaRPr lang="ja-JP" altLang="en-US" dirty="0"/>
           </a:p>
         </p:txBody>
       </p:sp>
@@ -28869,7 +28617,7 @@
           <a:bodyPr/>
           <a:lstStyle/>
           <a:p>
-            <a:endParaRPr lang="ja-JP" altLang="en-US"/>
+            <a:endParaRPr lang="ja-JP" altLang="en-US" dirty="0"/>
           </a:p>
         </p:txBody>
       </p:sp>
@@ -28903,7 +28651,7 @@
           <a:bodyPr/>
           <a:lstStyle/>
           <a:p>
-            <a:endParaRPr lang="ja-JP" altLang="en-US"/>
+            <a:endParaRPr lang="ja-JP" altLang="en-US" dirty="0"/>
           </a:p>
         </p:txBody>
       </p:sp>
@@ -28937,7 +28685,7 @@
           <a:bodyPr/>
           <a:lstStyle/>
           <a:p>
-            <a:endParaRPr lang="ja-JP" altLang="en-US"/>
+            <a:endParaRPr lang="ja-JP" altLang="en-US" dirty="0"/>
           </a:p>
         </p:txBody>
       </p:sp>
@@ -28971,7 +28719,7 @@
           <a:bodyPr/>
           <a:lstStyle/>
           <a:p>
-            <a:endParaRPr lang="ja-JP" altLang="en-US"/>
+            <a:endParaRPr lang="ja-JP" altLang="en-US" dirty="0"/>
           </a:p>
         </p:txBody>
       </p:sp>
@@ -29005,7 +28753,7 @@
           <a:bodyPr/>
           <a:lstStyle/>
           <a:p>
-            <a:endParaRPr lang="ja-JP" altLang="en-US"/>
+            <a:endParaRPr lang="ja-JP" altLang="en-US" dirty="0"/>
           </a:p>
         </p:txBody>
       </p:sp>
@@ -29039,7 +28787,7 @@
           <a:bodyPr/>
           <a:lstStyle/>
           <a:p>
-            <a:endParaRPr lang="ja-JP" altLang="en-US"/>
+            <a:endParaRPr lang="ja-JP" altLang="en-US" dirty="0"/>
           </a:p>
         </p:txBody>
       </p:sp>
@@ -29073,7 +28821,7 @@
           <a:bodyPr/>
           <a:lstStyle/>
           <a:p>
-            <a:endParaRPr lang="ja-JP" altLang="en-US"/>
+            <a:endParaRPr lang="ja-JP" altLang="en-US" dirty="0"/>
           </a:p>
         </p:txBody>
       </p:sp>
@@ -29107,7 +28855,7 @@
           <a:bodyPr/>
           <a:lstStyle/>
           <a:p>
-            <a:endParaRPr lang="ja-JP" altLang="en-US"/>
+            <a:endParaRPr lang="ja-JP" altLang="en-US" dirty="0"/>
           </a:p>
         </p:txBody>
       </p:sp>
@@ -29141,7 +28889,7 @@
           <a:bodyPr/>
           <a:lstStyle/>
           <a:p>
-            <a:endParaRPr lang="ja-JP" altLang="en-US"/>
+            <a:endParaRPr lang="ja-JP" altLang="en-US" dirty="0"/>
           </a:p>
         </p:txBody>
       </p:sp>
@@ -29175,7 +28923,7 @@
           <a:bodyPr/>
           <a:lstStyle/>
           <a:p>
-            <a:endParaRPr lang="ja-JP" altLang="en-US"/>
+            <a:endParaRPr lang="ja-JP" altLang="en-US" dirty="0"/>
           </a:p>
         </p:txBody>
       </p:sp>
@@ -29209,7 +28957,7 @@
           <a:bodyPr/>
           <a:lstStyle/>
           <a:p>
-            <a:endParaRPr lang="ja-JP" altLang="en-US"/>
+            <a:endParaRPr lang="ja-JP" altLang="en-US" dirty="0"/>
           </a:p>
         </p:txBody>
       </p:sp>
@@ -29243,7 +28991,7 @@
           <a:bodyPr/>
           <a:lstStyle/>
           <a:p>
-            <a:endParaRPr lang="ja-JP" altLang="en-US"/>
+            <a:endParaRPr lang="ja-JP" altLang="en-US" dirty="0"/>
           </a:p>
         </p:txBody>
       </p:sp>
@@ -29277,7 +29025,7 @@
           <a:bodyPr/>
           <a:lstStyle/>
           <a:p>
-            <a:endParaRPr lang="ja-JP" altLang="en-US"/>
+            <a:endParaRPr lang="ja-JP" altLang="en-US" dirty="0"/>
           </a:p>
         </p:txBody>
       </p:sp>
@@ -29311,7 +29059,7 @@
           <a:bodyPr/>
           <a:lstStyle/>
           <a:p>
-            <a:endParaRPr lang="ja-JP" altLang="en-US"/>
+            <a:endParaRPr lang="ja-JP" altLang="en-US" dirty="0"/>
           </a:p>
         </p:txBody>
       </p:sp>
@@ -29361,7 +29109,7 @@
             <a:bodyPr/>
             <a:lstStyle/>
             <a:p>
-              <a:endParaRPr lang="ja-JP" altLang="en-US"/>
+              <a:endParaRPr lang="ja-JP" altLang="en-US" dirty="0"/>
             </a:p>
           </p:txBody>
         </p:sp>
@@ -29397,7 +29145,7 @@
             <a:bodyPr/>
             <a:lstStyle/>
             <a:p>
-              <a:endParaRPr lang="ja-JP" altLang="en-US"/>
+              <a:endParaRPr lang="ja-JP" altLang="en-US" dirty="0"/>
             </a:p>
           </p:txBody>
         </p:sp>
@@ -29433,7 +29181,7 @@
           <a:lstStyle/>
           <a:p>
             <a:r>
-              <a:rPr lang="ja-JP" altLang="en-US" sz="1600"/>
+              <a:rPr lang="ja-JP" altLang="en-US" sz="1600" dirty="0"/>
               <a:t>アームの例</a:t>
             </a:r>
           </a:p>
@@ -29471,14 +29219,14 @@
           <a:p>
             <a:pPr algn="ctr"/>
             <a:r>
-              <a:rPr lang="ja-JP" altLang="en-US" sz="1000"/>
+              <a:rPr lang="ja-JP" altLang="en-US" sz="1000" dirty="0"/>
               <a:t>画像</a:t>
             </a:r>
           </a:p>
           <a:p>
             <a:pPr algn="ctr"/>
             <a:r>
-              <a:rPr lang="ja-JP" altLang="en-US" sz="1000"/>
+              <a:rPr lang="ja-JP" altLang="en-US" sz="1000" dirty="0"/>
               <a:t>データ</a:t>
             </a:r>
           </a:p>
@@ -29543,18 +29291,18 @@
           <a:p>
             <a:pPr algn="ctr"/>
             <a:r>
-              <a:rPr lang="en-US" altLang="ja-JP" sz="1000"/>
+              <a:rPr lang="en-US" altLang="ja-JP" sz="1000" dirty="0"/>
               <a:t>3D</a:t>
             </a:r>
             <a:r>
-              <a:rPr lang="ja-JP" altLang="en-US" sz="1000"/>
+              <a:rPr lang="ja-JP" altLang="en-US" sz="1000" dirty="0"/>
               <a:t>デプス</a:t>
             </a:r>
           </a:p>
           <a:p>
             <a:pPr algn="ctr"/>
             <a:r>
-              <a:rPr lang="ja-JP" altLang="en-US" sz="1000"/>
+              <a:rPr lang="ja-JP" altLang="en-US" sz="1000" dirty="0"/>
               <a:t>データ</a:t>
             </a:r>
           </a:p>
@@ -29591,7 +29339,7 @@
           <a:lstStyle/>
           <a:p>
             <a:r>
-              <a:rPr lang="ja-JP" altLang="en-US" sz="1600"/>
+              <a:rPr lang="ja-JP" altLang="en-US" sz="1600" dirty="0"/>
               <a:t>ステレオビジョンの例</a:t>
             </a:r>
           </a:p>
@@ -29675,7 +29423,7 @@
             <a:bodyPr/>
             <a:lstStyle/>
             <a:p>
-              <a:endParaRPr lang="ja-JP" altLang="en-US"/>
+              <a:endParaRPr lang="ja-JP" altLang="en-US" dirty="0"/>
             </a:p>
           </p:txBody>
         </p:sp>
@@ -29709,7 +29457,7 @@
             <a:bodyPr/>
             <a:lstStyle/>
             <a:p>
-              <a:endParaRPr lang="ja-JP" altLang="en-US"/>
+              <a:endParaRPr lang="ja-JP" altLang="en-US" dirty="0"/>
             </a:p>
           </p:txBody>
         </p:sp>
@@ -29746,7 +29494,7 @@
           <a:bodyPr wrap="none" anchor="ctr"/>
           <a:lstStyle/>
           <a:p>
-            <a:endParaRPr lang="ja-JP" altLang="en-US"/>
+            <a:endParaRPr lang="ja-JP" altLang="en-US" dirty="0"/>
           </a:p>
         </p:txBody>
       </p:sp>
@@ -29812,7 +29560,7 @@
           <a:lstStyle/>
           <a:p>
             <a:pPr algn="ctr"/>
-            <a:endParaRPr lang="en-US" altLang="ja-JP"/>
+            <a:endParaRPr lang="en-US" altLang="ja-JP" dirty="0"/>
           </a:p>
         </p:txBody>
       </p:sp>
@@ -29846,7 +29594,7 @@
           <a:bodyPr/>
           <a:lstStyle/>
           <a:p>
-            <a:endParaRPr lang="ja-JP" altLang="en-US"/>
+            <a:endParaRPr lang="ja-JP" altLang="en-US" dirty="0"/>
           </a:p>
         </p:txBody>
       </p:sp>
@@ -29881,7 +29629,7 @@
           <a:lstStyle/>
           <a:p>
             <a:r>
-              <a:rPr lang="ja-JP" altLang="en-US" sz="900"/>
+              <a:rPr lang="ja-JP" altLang="en-US" sz="900" dirty="0"/>
               <a:t>アームインターフェース</a:t>
             </a:r>
           </a:p>
@@ -29918,41 +29666,41 @@
           <a:lstStyle/>
           <a:p>
             <a:r>
-              <a:rPr lang="ja-JP" altLang="en-US" sz="900"/>
+              <a:rPr lang="ja-JP" altLang="en-US" sz="900" dirty="0"/>
               <a:t>・モード設定関数</a:t>
             </a:r>
           </a:p>
           <a:p>
             <a:r>
-              <a:rPr lang="ja-JP" altLang="en-US" sz="900"/>
+              <a:rPr lang="ja-JP" altLang="en-US" sz="900" dirty="0"/>
               <a:t>・座標系設定関数</a:t>
             </a:r>
           </a:p>
           <a:p>
             <a:r>
-              <a:rPr lang="ja-JP" altLang="en-US" sz="900"/>
+              <a:rPr lang="ja-JP" altLang="en-US" sz="900" dirty="0"/>
               <a:t>・制御パラメータ設定関数</a:t>
             </a:r>
           </a:p>
           <a:p>
             <a:r>
-              <a:rPr lang="ja-JP" altLang="en-US" sz="900"/>
+              <a:rPr lang="ja-JP" altLang="en-US" sz="900" dirty="0"/>
               <a:t>・ヤコビ取得関数</a:t>
             </a:r>
           </a:p>
           <a:p>
             <a:r>
-              <a:rPr lang="ja-JP" altLang="en-US" sz="900"/>
+              <a:rPr lang="ja-JP" altLang="en-US" sz="900" dirty="0"/>
               <a:t>・ステータス取得関数</a:t>
             </a:r>
           </a:p>
           <a:p>
             <a:r>
-              <a:rPr lang="ja-JP" altLang="en-US" sz="900"/>
+              <a:rPr lang="ja-JP" altLang="en-US" sz="900" dirty="0"/>
               <a:t>・</a:t>
             </a:r>
             <a:r>
-              <a:rPr lang="en-US" altLang="ja-JP" sz="900"/>
+              <a:rPr lang="en-US" altLang="ja-JP" sz="900" dirty="0"/>
               <a:t>etc…</a:t>
             </a:r>
           </a:p>
@@ -29989,7 +29737,7 @@
           <a:bodyPr/>
           <a:lstStyle/>
           <a:p>
-            <a:endParaRPr lang="ja-JP" altLang="en-US"/>
+            <a:endParaRPr lang="ja-JP" altLang="en-US" dirty="0"/>
           </a:p>
         </p:txBody>
       </p:sp>
@@ -30025,14 +29773,14 @@
           <a:p>
             <a:pPr algn="ctr"/>
             <a:r>
-              <a:rPr lang="ja-JP" altLang="en-US" sz="1000"/>
+              <a:rPr lang="ja-JP" altLang="en-US" sz="1000" dirty="0"/>
               <a:t>他のコンポーネント・</a:t>
             </a:r>
           </a:p>
           <a:p>
             <a:pPr algn="ctr"/>
             <a:r>
-              <a:rPr lang="ja-JP" altLang="en-US" sz="1000"/>
+              <a:rPr lang="ja-JP" altLang="en-US" sz="1000" dirty="0"/>
               <a:t>上位アプリケーションから利用</a:t>
             </a:r>
           </a:p>
@@ -30068,7 +29816,7 @@
           <a:bodyPr/>
           <a:lstStyle/>
           <a:p>
-            <a:endParaRPr lang="ja-JP" altLang="en-US"/>
+            <a:endParaRPr lang="ja-JP" altLang="en-US" dirty="0"/>
           </a:p>
         </p:txBody>
       </p:sp>
@@ -30104,14 +29852,14 @@
           <a:p>
             <a:pPr algn="ctr"/>
             <a:r>
-              <a:rPr lang="ja-JP" altLang="en-US" sz="1000"/>
+              <a:rPr lang="ja-JP" altLang="en-US" sz="1000" dirty="0"/>
               <a:t>手先位置・</a:t>
             </a:r>
           </a:p>
           <a:p>
             <a:pPr algn="ctr"/>
             <a:r>
-              <a:rPr lang="ja-JP" altLang="en-US" sz="1000"/>
+              <a:rPr lang="ja-JP" altLang="en-US" sz="1000" dirty="0"/>
               <a:t>速度データ</a:t>
             </a:r>
           </a:p>
@@ -30149,7 +29897,7 @@
           <a:p>
             <a:pPr algn="ctr"/>
             <a:r>
-              <a:rPr lang="ja-JP" altLang="en-US" sz="1000"/>
+              <a:rPr lang="ja-JP" altLang="en-US" sz="1000" dirty="0"/>
               <a:t>サービスポート</a:t>
             </a:r>
           </a:p>
@@ -30187,7 +29935,7 @@
           <a:p>
             <a:pPr algn="ctr"/>
             <a:r>
-              <a:rPr lang="ja-JP" altLang="en-US" sz="1000"/>
+              <a:rPr lang="ja-JP" altLang="en-US" sz="1000" dirty="0"/>
               <a:t>データポート</a:t>
             </a:r>
           </a:p>
@@ -30223,7 +29971,7 @@
           <a:bodyPr/>
           <a:lstStyle/>
           <a:p>
-            <a:endParaRPr lang="ja-JP" altLang="en-US"/>
+            <a:endParaRPr lang="ja-JP" altLang="en-US" dirty="0"/>
           </a:p>
         </p:txBody>
       </p:sp>
@@ -30257,7 +30005,7 @@
           <a:bodyPr/>
           <a:lstStyle/>
           <a:p>
-            <a:endParaRPr lang="ja-JP" altLang="en-US"/>
+            <a:endParaRPr lang="ja-JP" altLang="en-US" dirty="0"/>
           </a:p>
         </p:txBody>
       </p:sp>
@@ -30307,7 +30055,7 @@
             <a:bodyPr/>
             <a:lstStyle/>
             <a:p>
-              <a:endParaRPr lang="ja-JP" altLang="en-US"/>
+              <a:endParaRPr lang="ja-JP" altLang="en-US" dirty="0"/>
             </a:p>
           </p:txBody>
         </p:sp>
@@ -30343,7 +30091,7 @@
             <a:bodyPr/>
             <a:lstStyle/>
             <a:p>
-              <a:endParaRPr lang="ja-JP" altLang="en-US"/>
+              <a:endParaRPr lang="ja-JP" altLang="en-US" dirty="0"/>
             </a:p>
           </p:txBody>
         </p:sp>
@@ -30380,7 +30128,7 @@
           <a:bodyPr wrap="none" anchor="ctr"/>
           <a:lstStyle/>
           <a:p>
-            <a:endParaRPr lang="ja-JP" altLang="en-US"/>
+            <a:endParaRPr lang="ja-JP" altLang="en-US" dirty="0"/>
           </a:p>
         </p:txBody>
       </p:sp>
@@ -30459,7 +30207,7 @@
             <a:bodyPr/>
             <a:lstStyle/>
             <a:p>
-              <a:endParaRPr lang="ja-JP" altLang="en-US"/>
+              <a:endParaRPr lang="ja-JP" altLang="en-US" dirty="0"/>
             </a:p>
           </p:txBody>
         </p:sp>
@@ -30493,7 +30241,7 @@
             <a:bodyPr/>
             <a:lstStyle/>
             <a:p>
-              <a:endParaRPr lang="ja-JP" altLang="en-US"/>
+              <a:endParaRPr lang="ja-JP" altLang="en-US" dirty="0"/>
             </a:p>
           </p:txBody>
         </p:sp>
@@ -30530,7 +30278,7 @@
           <a:bodyPr wrap="none" anchor="ctr"/>
           <a:lstStyle/>
           <a:p>
-            <a:endParaRPr lang="ja-JP" altLang="en-US"/>
+            <a:endParaRPr lang="ja-JP" altLang="en-US" dirty="0"/>
           </a:p>
         </p:txBody>
       </p:sp>
@@ -30564,7 +30312,7 @@
           <a:bodyPr/>
           <a:lstStyle/>
           <a:p>
-            <a:endParaRPr lang="ja-JP" altLang="en-US"/>
+            <a:endParaRPr lang="ja-JP" altLang="en-US" dirty="0"/>
           </a:p>
         </p:txBody>
       </p:sp>
@@ -30599,13 +30347,13 @@
           <a:lstStyle/>
           <a:p>
             <a:r>
-              <a:rPr lang="ja-JP" altLang="en-US" sz="900"/>
+              <a:rPr lang="ja-JP" altLang="en-US" sz="900" dirty="0"/>
               <a:t>ステレオビジョン</a:t>
             </a:r>
           </a:p>
           <a:p>
             <a:r>
-              <a:rPr lang="ja-JP" altLang="en-US" sz="900"/>
+              <a:rPr lang="ja-JP" altLang="en-US" sz="900" dirty="0"/>
               <a:t>インターフェース</a:t>
             </a:r>
           </a:p>
@@ -30642,71 +30390,71 @@
           <a:lstStyle/>
           <a:p>
             <a:r>
-              <a:rPr lang="ja-JP" altLang="en-US" sz="900"/>
+              <a:rPr lang="ja-JP" altLang="en-US" sz="900" dirty="0"/>
               <a:t>・モード設定関数</a:t>
             </a:r>
           </a:p>
           <a:p>
             <a:r>
-              <a:rPr lang="ja-JP" altLang="en-US" sz="900"/>
+              <a:rPr lang="ja-JP" altLang="en-US" sz="900" dirty="0"/>
               <a:t>・座標系設定関数</a:t>
             </a:r>
           </a:p>
           <a:p>
             <a:r>
-              <a:rPr lang="ja-JP" altLang="en-US" sz="900"/>
+              <a:rPr lang="ja-JP" altLang="en-US" sz="900" dirty="0"/>
               <a:t>・キャリブレーション</a:t>
             </a:r>
           </a:p>
           <a:p>
             <a:r>
-              <a:rPr lang="ja-JP" altLang="en-US" sz="900"/>
+              <a:rPr lang="ja-JP" altLang="en-US" sz="900" dirty="0"/>
               <a:t> </a:t>
             </a:r>
             <a:r>
-              <a:rPr lang="en-US" altLang="ja-JP" sz="900"/>
+              <a:rPr lang="en-US" altLang="ja-JP" sz="900" dirty="0"/>
               <a:t>- </a:t>
             </a:r>
             <a:r>
-              <a:rPr lang="ja-JP" altLang="en-US" sz="900"/>
+              <a:rPr lang="ja-JP" altLang="en-US" sz="900" dirty="0"/>
               <a:t>カメラパラメータ設定関数</a:t>
             </a:r>
           </a:p>
           <a:p>
             <a:r>
-              <a:rPr lang="ja-JP" altLang="en-US" sz="900"/>
+              <a:rPr lang="ja-JP" altLang="en-US" sz="900" dirty="0"/>
               <a:t> </a:t>
             </a:r>
             <a:r>
-              <a:rPr lang="en-US" altLang="ja-JP" sz="900"/>
+              <a:rPr lang="en-US" altLang="ja-JP" sz="900" dirty="0"/>
               <a:t>- </a:t>
             </a:r>
             <a:r>
-              <a:rPr lang="ja-JP" altLang="en-US" sz="900"/>
+              <a:rPr lang="ja-JP" altLang="en-US" sz="900" dirty="0"/>
               <a:t>実行関数</a:t>
             </a:r>
           </a:p>
           <a:p>
             <a:r>
-              <a:rPr lang="ja-JP" altLang="en-US" sz="900"/>
+              <a:rPr lang="ja-JP" altLang="en-US" sz="900" dirty="0"/>
               <a:t> </a:t>
             </a:r>
             <a:r>
-              <a:rPr lang="en-US" altLang="ja-JP" sz="900"/>
+              <a:rPr lang="en-US" altLang="ja-JP" sz="900" dirty="0"/>
               <a:t>- </a:t>
             </a:r>
             <a:r>
-              <a:rPr lang="ja-JP" altLang="en-US" sz="900"/>
+              <a:rPr lang="ja-JP" altLang="en-US" sz="900" dirty="0"/>
               <a:t>パラメータ取得関数</a:t>
             </a:r>
           </a:p>
           <a:p>
             <a:r>
-              <a:rPr lang="ja-JP" altLang="en-US" sz="900"/>
+              <a:rPr lang="ja-JP" altLang="en-US" sz="900" dirty="0"/>
               <a:t>・</a:t>
             </a:r>
             <a:r>
-              <a:rPr lang="en-US" altLang="ja-JP" sz="900"/>
+              <a:rPr lang="en-US" altLang="ja-JP" sz="900" dirty="0"/>
               <a:t>etc…</a:t>
             </a:r>
           </a:p>
@@ -30785,7 +30533,7 @@
             <a:bodyPr/>
             <a:lstStyle/>
             <a:p>
-              <a:endParaRPr lang="ja-JP" altLang="en-US"/>
+              <a:endParaRPr lang="ja-JP" altLang="en-US" dirty="0"/>
             </a:p>
           </p:txBody>
         </p:sp>
@@ -30819,7 +30567,7 @@
             <a:bodyPr/>
             <a:lstStyle/>
             <a:p>
-              <a:endParaRPr lang="ja-JP" altLang="en-US"/>
+              <a:endParaRPr lang="ja-JP" altLang="en-US" dirty="0"/>
             </a:p>
           </p:txBody>
         </p:sp>
@@ -30870,7 +30618,7 @@
             <a:bodyPr/>
             <a:lstStyle/>
             <a:p>
-              <a:endParaRPr lang="ja-JP" altLang="en-US"/>
+              <a:endParaRPr lang="ja-JP" altLang="en-US" dirty="0"/>
             </a:p>
           </p:txBody>
         </p:sp>
@@ -30904,7 +30652,7 @@
             <a:bodyPr/>
             <a:lstStyle/>
             <a:p>
-              <a:endParaRPr lang="ja-JP" altLang="en-US"/>
+              <a:endParaRPr lang="ja-JP" altLang="en-US" dirty="0"/>
             </a:p>
           </p:txBody>
         </p:sp>
@@ -30968,7 +30716,7 @@
           <a:p>
             <a:pPr algn="ctr"/>
             <a:r>
-              <a:rPr lang="ja-JP" altLang="en-US" sz="1000"/>
+              <a:rPr lang="ja-JP" altLang="en-US" sz="1000" dirty="0"/>
               <a:t>サービスポート</a:t>
             </a:r>
           </a:p>
@@ -31004,7 +30752,7 @@
           <a:bodyPr/>
           <a:lstStyle/>
           <a:p>
-            <a:endParaRPr lang="ja-JP" altLang="en-US"/>
+            <a:endParaRPr lang="ja-JP" altLang="en-US" dirty="0"/>
           </a:p>
         </p:txBody>
       </p:sp>
@@ -31040,7 +30788,7 @@
           <a:p>
             <a:pPr algn="r"/>
             <a:r>
-              <a:rPr lang="ja-JP" altLang="en-US" sz="1000">
+              <a:rPr lang="ja-JP" altLang="en-US" sz="1000" dirty="0">
                 <a:solidFill>
                   <a:srgbClr val="1F1A17"/>
                 </a:solidFill>
@@ -31053,7 +30801,7 @@
           <a:p>
             <a:pPr algn="r"/>
             <a:r>
-              <a:rPr lang="ja-JP" altLang="en-US" sz="1000">
+              <a:rPr lang="ja-JP" altLang="en-US" sz="1000" dirty="0">
                 <a:solidFill>
                   <a:srgbClr val="1F1A17"/>
                 </a:solidFill>
@@ -31062,7 +30810,7 @@
               </a:rPr>
               <a:t>コンポーネント</a:t>
             </a:r>
-            <a:endParaRPr lang="ja-JP" altLang="en-US"/>
+            <a:endParaRPr lang="ja-JP" altLang="en-US" dirty="0"/>
           </a:p>
         </p:txBody>
       </p:sp>
@@ -31097,7 +30845,7 @@
           <a:bodyPr/>
           <a:lstStyle/>
           <a:p>
-            <a:endParaRPr lang="ja-JP" altLang="en-US"/>
+            <a:endParaRPr lang="ja-JP" altLang="en-US" dirty="0"/>
           </a:p>
         </p:txBody>
       </p:sp>
@@ -31133,14 +30881,14 @@
           <a:p>
             <a:pPr algn="ctr"/>
             <a:r>
-              <a:rPr lang="ja-JP" altLang="en-US" sz="1000"/>
+              <a:rPr lang="ja-JP" altLang="en-US" sz="1000" dirty="0"/>
               <a:t>他のコンポーネント・</a:t>
             </a:r>
           </a:p>
           <a:p>
             <a:pPr algn="ctr"/>
             <a:r>
-              <a:rPr lang="ja-JP" altLang="en-US" sz="1000"/>
+              <a:rPr lang="ja-JP" altLang="en-US" sz="1000" dirty="0"/>
               <a:t>上位アプリケーションから利用</a:t>
             </a:r>
           </a:p>
@@ -31178,7 +30926,7 @@
           <a:p>
             <a:pPr algn="ctr"/>
             <a:r>
-              <a:rPr lang="ja-JP" altLang="en-US" sz="1000"/>
+              <a:rPr lang="ja-JP" altLang="en-US" sz="1000" dirty="0"/>
               <a:t>データポート</a:t>
             </a:r>
           </a:p>
@@ -31214,7 +30962,7 @@
           <a:bodyPr/>
           <a:lstStyle/>
           <a:p>
-            <a:endParaRPr lang="ja-JP" altLang="en-US"/>
+            <a:endParaRPr lang="ja-JP" altLang="en-US" dirty="0"/>
           </a:p>
         </p:txBody>
       </p:sp>
@@ -31248,7 +30996,7 @@
           <a:bodyPr/>
           <a:lstStyle/>
           <a:p>
-            <a:endParaRPr lang="ja-JP" altLang="en-US"/>
+            <a:endParaRPr lang="ja-JP" altLang="en-US" dirty="0"/>
           </a:p>
         </p:txBody>
       </p:sp>
@@ -31282,7 +31030,7 @@
           <a:bodyPr/>
           <a:lstStyle/>
           <a:p>
-            <a:endParaRPr lang="ja-JP" altLang="en-US"/>
+            <a:endParaRPr lang="ja-JP" altLang="en-US" dirty="0"/>
           </a:p>
         </p:txBody>
       </p:sp>
@@ -31318,7 +31066,7 @@
           <a:bodyPr wrap="none" anchor="ctr"/>
           <a:lstStyle/>
           <a:p>
-            <a:endParaRPr lang="ja-JP" altLang="en-US"/>
+            <a:endParaRPr lang="ja-JP" altLang="en-US" dirty="0"/>
           </a:p>
         </p:txBody>
       </p:sp>
@@ -31353,11 +31101,11 @@
           <a:lstStyle/>
           <a:p>
             <a:r>
-              <a:rPr lang="ja-JP" altLang="en-US" sz="1400"/>
+              <a:rPr lang="ja-JP" altLang="en-US" sz="1400" dirty="0"/>
               <a:t>コンポーネント</a:t>
             </a:r>
             <a:r>
-              <a:rPr lang="en-US" altLang="ja-JP" sz="1400"/>
+              <a:rPr lang="en-US" altLang="ja-JP" sz="1400" dirty="0"/>
               <a:t>B</a:t>
             </a:r>
           </a:p>
@@ -31395,7 +31143,7 @@
           <a:bodyPr wrap="none" anchor="ctr"/>
           <a:lstStyle/>
           <a:p>
-            <a:endParaRPr lang="ja-JP" altLang="en-US"/>
+            <a:endParaRPr lang="ja-JP" altLang="en-US" dirty="0"/>
           </a:p>
         </p:txBody>
       </p:sp>
@@ -31501,7 +31249,7 @@
             <a:bodyPr/>
             <a:lstStyle/>
             <a:p>
-              <a:endParaRPr lang="ja-JP" altLang="en-US"/>
+              <a:endParaRPr lang="ja-JP" altLang="en-US" dirty="0"/>
             </a:p>
           </p:txBody>
         </p:sp>
@@ -31536,7 +31284,7 @@
             <a:lstStyle/>
             <a:p>
               <a:r>
-                <a:rPr lang="ja-JP" altLang="en-US" sz="1600"/>
+                <a:rPr lang="ja-JP" altLang="en-US" sz="1600" dirty="0"/>
                 <a:t>アクティビティ</a:t>
               </a:r>
             </a:p>
@@ -31574,11 +31322,11 @@
           <a:lstStyle/>
           <a:p>
             <a:r>
-              <a:rPr lang="ja-JP" altLang="en-US" sz="1400"/>
+              <a:rPr lang="ja-JP" altLang="en-US" sz="1400" dirty="0"/>
               <a:t>コンポーネント</a:t>
             </a:r>
             <a:r>
-              <a:rPr lang="en-US" altLang="ja-JP" sz="1400"/>
+              <a:rPr lang="en-US" altLang="ja-JP" sz="1400" dirty="0"/>
               <a:t>A</a:t>
             </a:r>
           </a:p>
@@ -31616,7 +31364,7 @@
           <a:bodyPr wrap="none" anchor="ctr"/>
           <a:lstStyle/>
           <a:p>
-            <a:endParaRPr lang="ja-JP" altLang="en-US"/>
+            <a:endParaRPr lang="ja-JP" altLang="en-US" dirty="0"/>
           </a:p>
         </p:txBody>
       </p:sp>
@@ -31654,14 +31402,14 @@
           <a:p>
             <a:pPr algn="ctr"/>
             <a:r>
-              <a:rPr lang="ja-JP" altLang="en-US" sz="1000"/>
+              <a:rPr lang="ja-JP" altLang="en-US" sz="1000" dirty="0"/>
               <a:t>サービス</a:t>
             </a:r>
           </a:p>
           <a:p>
             <a:pPr algn="ctr"/>
             <a:r>
-              <a:rPr lang="ja-JP" altLang="en-US" sz="1000"/>
+              <a:rPr lang="ja-JP" altLang="en-US" sz="1000" dirty="0"/>
               <a:t>プロキシ</a:t>
             </a:r>
           </a:p>
@@ -31701,39 +31449,39 @@
           <a:p>
             <a:pPr algn="ctr"/>
             <a:r>
-              <a:rPr lang="ja-JP" altLang="en-US" sz="1000"/>
+              <a:rPr lang="ja-JP" altLang="en-US" sz="1000" dirty="0"/>
               <a:t>サービス</a:t>
             </a:r>
           </a:p>
           <a:p>
             <a:pPr algn="ctr"/>
             <a:r>
-              <a:rPr lang="ja-JP" altLang="en-US" sz="1000"/>
+              <a:rPr lang="ja-JP" altLang="en-US" sz="1000" dirty="0"/>
               <a:t>インターフェース</a:t>
             </a:r>
           </a:p>
           <a:p>
             <a:pPr algn="ctr"/>
             <a:r>
-              <a:rPr lang="ja-JP" altLang="en-US" sz="1000"/>
+              <a:rPr lang="ja-JP" altLang="en-US" sz="1000" dirty="0"/>
               <a:t>の実体</a:t>
             </a:r>
           </a:p>
           <a:p>
             <a:pPr algn="ctr"/>
-            <a:endParaRPr lang="ja-JP" altLang="en-US" sz="1000"/>
+            <a:endParaRPr lang="ja-JP" altLang="en-US" sz="1000" dirty="0"/>
           </a:p>
           <a:p>
             <a:pPr algn="ctr"/>
             <a:r>
-              <a:rPr lang="ja-JP" altLang="en-US" sz="1000"/>
+              <a:rPr lang="ja-JP" altLang="en-US" sz="1000" dirty="0"/>
               <a:t>実際の処理は</a:t>
             </a:r>
           </a:p>
           <a:p>
             <a:pPr algn="ctr"/>
             <a:r>
-              <a:rPr lang="ja-JP" altLang="en-US" sz="1000"/>
+              <a:rPr lang="ja-JP" altLang="en-US" sz="1000" dirty="0"/>
               <a:t>ここで行われる</a:t>
             </a:r>
           </a:p>
@@ -31772,7 +31520,7 @@
           <a:lstStyle/>
           <a:p>
             <a:r>
-              <a:rPr lang="ja-JP" altLang="en-US" sz="1400"/>
+              <a:rPr lang="ja-JP" altLang="en-US" sz="1400" dirty="0"/>
               <a:t>サービスポート</a:t>
             </a:r>
           </a:p>
@@ -31808,7 +31556,7 @@
           <a:bodyPr/>
           <a:lstStyle/>
           <a:p>
-            <a:endParaRPr lang="ja-JP" altLang="en-US"/>
+            <a:endParaRPr lang="ja-JP" altLang="en-US" dirty="0"/>
           </a:p>
         </p:txBody>
       </p:sp>
@@ -31844,14 +31592,14 @@
           <a:p>
             <a:pPr algn="ctr"/>
             <a:r>
-              <a:rPr lang="ja-JP" altLang="en-US" sz="1000"/>
+              <a:rPr lang="ja-JP" altLang="en-US" sz="1000" dirty="0"/>
               <a:t>サービス利用者</a:t>
             </a:r>
           </a:p>
           <a:p>
             <a:pPr algn="ctr"/>
             <a:r>
-              <a:rPr lang="ja-JP" altLang="en-US" sz="1000"/>
+              <a:rPr lang="ja-JP" altLang="en-US" sz="1000" dirty="0"/>
               <a:t>（コンシューマ）</a:t>
             </a:r>
           </a:p>
@@ -31888,7 +31636,7 @@
           <a:lstStyle/>
           <a:p>
             <a:r>
-              <a:rPr lang="ja-JP" altLang="en-US" sz="1000"/>
+              <a:rPr lang="ja-JP" altLang="en-US" sz="1000" dirty="0"/>
               <a:t>関数呼び出し</a:t>
             </a:r>
           </a:p>
@@ -31926,7 +31674,7 @@
           <a:bodyPr wrap="none" anchor="ctr"/>
           <a:lstStyle/>
           <a:p>
-            <a:endParaRPr lang="ja-JP" altLang="en-US"/>
+            <a:endParaRPr lang="ja-JP" altLang="en-US" dirty="0"/>
           </a:p>
         </p:txBody>
       </p:sp>
@@ -31991,7 +31739,7 @@
           <a:bodyPr wrap="none" anchor="ctr"/>
           <a:lstStyle/>
           <a:p>
-            <a:endParaRPr lang="ja-JP" altLang="en-US"/>
+            <a:endParaRPr lang="ja-JP" altLang="en-US" dirty="0"/>
           </a:p>
         </p:txBody>
       </p:sp>
@@ -32025,7 +31773,7 @@
           <a:bodyPr/>
           <a:lstStyle/>
           <a:p>
-            <a:endParaRPr lang="ja-JP" altLang="en-US"/>
+            <a:endParaRPr lang="ja-JP" altLang="en-US" dirty="0"/>
           </a:p>
         </p:txBody>
       </p:sp>
@@ -32059,7 +31807,7 @@
           <a:bodyPr/>
           <a:lstStyle/>
           <a:p>
-            <a:endParaRPr lang="ja-JP" altLang="en-US"/>
+            <a:endParaRPr lang="ja-JP" altLang="en-US" dirty="0"/>
           </a:p>
         </p:txBody>
       </p:sp>
@@ -32180,7 +31928,7 @@
           <a:bodyPr wrap="none" anchor="ctr"/>
           <a:lstStyle/>
           <a:p>
-            <a:endParaRPr lang="ja-JP" altLang="en-US"/>
+            <a:endParaRPr lang="ja-JP" altLang="en-US" dirty="0"/>
           </a:p>
         </p:txBody>
       </p:sp>
@@ -32245,16 +31993,45 @@
           <a:p>
             <a:pPr algn="ctr"/>
             <a:r>
-              <a:rPr lang="ja-JP" altLang="en-US" sz="1000"/>
+              <a:rPr lang="ja-JP" altLang="en-US" sz="1000" dirty="0"/>
               <a:t>サービス提供者</a:t>
             </a:r>
           </a:p>
           <a:p>
             <a:pPr algn="ctr"/>
             <a:r>
-              <a:rPr lang="ja-JP" altLang="en-US" sz="1000"/>
+              <a:rPr lang="ja-JP" altLang="en-US" sz="1000" dirty="0"/>
               <a:t>（プロバイダ）</a:t>
             </a:r>
+          </a:p>
+        </p:txBody>
+      </p:sp>
+      <p:sp>
+        <p:nvSpPr>
+          <p:cNvPr id="164" name="正方形/長方形 163"/>
+          <p:cNvSpPr/>
+          <p:nvPr/>
+        </p:nvSpPr>
+        <p:spPr>
+          <a:xfrm>
+            <a:off x="2280347" y="3244334"/>
+            <a:ext cx="4583306" cy="369332"/>
+          </a:xfrm>
+          <a:prstGeom prst="rect">
+            <a:avLst/>
+          </a:prstGeom>
+        </p:spPr>
+        <p:txBody>
+          <a:bodyPr wrap="none">
+            <a:spAutoFit/>
+          </a:bodyPr>
+          <a:lstStyle/>
+          <a:p>
+            <a:r>
+              <a:rPr lang="ja-JP" altLang="en-US" dirty="0" smtClean="0"/>
+              <a:t>インターフェース同士が自動的に接続される。</a:t>
+            </a:r>
+            <a:endParaRPr lang="ja-JP" altLang="en-US" dirty="0"/>
           </a:p>
         </p:txBody>
       </p:sp>
@@ -32335,7 +32112,7 @@
           <a:lstStyle/>
           <a:p>
             <a:pPr algn="ctr"/>
-            <a:endParaRPr kumimoji="1" lang="ja-JP" altLang="en-US"/>
+            <a:endParaRPr kumimoji="1" lang="ja-JP" altLang="en-US" dirty="0"/>
           </a:p>
         </p:txBody>
       </p:sp>
@@ -32388,7 +32165,7 @@
           <a:lstStyle/>
           <a:p>
             <a:pPr algn="ctr"/>
-            <a:endParaRPr kumimoji="1" lang="ja-JP" altLang="en-US">
+            <a:endParaRPr kumimoji="1" lang="ja-JP" altLang="en-US" dirty="0">
               <a:solidFill>
                 <a:schemeClr val="tx1"/>
               </a:solidFill>
@@ -32692,7 +32469,7 @@
           <a:lstStyle/>
           <a:p>
             <a:pPr algn="ctr"/>
-            <a:endParaRPr kumimoji="1" lang="ja-JP" altLang="en-US"/>
+            <a:endParaRPr kumimoji="1" lang="ja-JP" altLang="en-US" dirty="0"/>
           </a:p>
         </p:txBody>
       </p:sp>
@@ -32766,7 +32543,7 @@
           <a:lstStyle/>
           <a:p>
             <a:pPr algn="ctr"/>
-            <a:endParaRPr kumimoji="1" lang="ja-JP" altLang="en-US"/>
+            <a:endParaRPr kumimoji="1" lang="ja-JP" altLang="en-US" dirty="0"/>
           </a:p>
         </p:txBody>
       </p:sp>
@@ -32956,7 +32733,7 @@
           <a:lstStyle/>
           <a:p>
             <a:pPr algn="ctr"/>
-            <a:endParaRPr kumimoji="1" lang="ja-JP" altLang="en-US"/>
+            <a:endParaRPr kumimoji="1" lang="ja-JP" altLang="en-US" dirty="0"/>
           </a:p>
         </p:txBody>
       </p:sp>
@@ -33009,7 +32786,7 @@
           <a:lstStyle/>
           <a:p>
             <a:pPr algn="ctr"/>
-            <a:endParaRPr kumimoji="1" lang="ja-JP" altLang="en-US">
+            <a:endParaRPr kumimoji="1" lang="ja-JP" altLang="en-US" dirty="0">
               <a:solidFill>
                 <a:schemeClr val="tx1"/>
               </a:solidFill>
@@ -33313,7 +33090,7 @@
           <a:lstStyle/>
           <a:p>
             <a:pPr algn="ctr"/>
-            <a:endParaRPr kumimoji="1" lang="ja-JP" altLang="en-US"/>
+            <a:endParaRPr kumimoji="1" lang="ja-JP" altLang="en-US" dirty="0"/>
           </a:p>
         </p:txBody>
       </p:sp>
@@ -33387,7 +33164,7 @@
           <a:lstStyle/>
           <a:p>
             <a:pPr algn="ctr"/>
-            <a:endParaRPr kumimoji="1" lang="ja-JP" altLang="en-US"/>
+            <a:endParaRPr kumimoji="1" lang="ja-JP" altLang="en-US" dirty="0"/>
           </a:p>
         </p:txBody>
       </p:sp>
@@ -33577,7 +33354,7 @@
           <a:lstStyle/>
           <a:p>
             <a:pPr algn="ctr"/>
-            <a:endParaRPr kumimoji="1" lang="ja-JP" altLang="en-US"/>
+            <a:endParaRPr kumimoji="1" lang="ja-JP" altLang="en-US" dirty="0"/>
           </a:p>
         </p:txBody>
       </p:sp>
@@ -33630,7 +33407,7 @@
           <a:lstStyle/>
           <a:p>
             <a:pPr algn="ctr"/>
-            <a:endParaRPr kumimoji="1" lang="ja-JP" altLang="en-US">
+            <a:endParaRPr kumimoji="1" lang="ja-JP" altLang="en-US" dirty="0">
               <a:solidFill>
                 <a:schemeClr val="tx1"/>
               </a:solidFill>
@@ -33723,7 +33500,7 @@
         <p:spPr>
           <a:xfrm>
             <a:off x="4788024" y="1988840"/>
-            <a:ext cx="1148071" cy="369332"/>
+            <a:ext cx="877163" cy="369332"/>
           </a:xfrm>
           <a:prstGeom prst="rect">
             <a:avLst/>
@@ -33737,8 +33514,8 @@
           <a:lstStyle/>
           <a:p>
             <a:r>
-              <a:rPr lang="ja-JP" altLang="en-US" dirty="0" smtClean="0"/>
-              <a:t>ロリポップ</a:t>
+              <a:rPr lang="ko-KR" altLang="en-US" dirty="0" smtClean="0"/>
+              <a:t>롤리팝</a:t>
             </a:r>
             <a:endParaRPr kumimoji="1" lang="ja-JP" altLang="en-US" dirty="0"/>
           </a:p>
@@ -33753,7 +33530,7 @@
         <p:spPr>
           <a:xfrm>
             <a:off x="2843808" y="1988840"/>
-            <a:ext cx="904415" cy="369332"/>
+            <a:ext cx="646331" cy="369332"/>
           </a:xfrm>
           <a:prstGeom prst="rect">
             <a:avLst/>
@@ -33767,8 +33544,8 @@
           <a:lstStyle/>
           <a:p>
             <a:r>
-              <a:rPr lang="ja-JP" altLang="en-US" dirty="0" smtClean="0"/>
-              <a:t>ソケット</a:t>
+              <a:rPr lang="ko-KR" altLang="en-US" dirty="0" smtClean="0"/>
+              <a:t>소켓</a:t>
             </a:r>
             <a:endParaRPr kumimoji="1" lang="ja-JP" altLang="en-US" dirty="0"/>
           </a:p>
@@ -33782,8 +33559,8 @@
         </p:nvSpPr>
         <p:spPr>
           <a:xfrm>
-            <a:off x="4499992" y="3707740"/>
-            <a:ext cx="1221809" cy="369332"/>
+            <a:off x="4716016" y="3707740"/>
+            <a:ext cx="1391728" cy="369332"/>
           </a:xfrm>
           <a:prstGeom prst="rect">
             <a:avLst/>
@@ -33797,8 +33574,8 @@
           <a:lstStyle/>
           <a:p>
             <a:r>
-              <a:rPr lang="ja-JP" altLang="en-US" dirty="0" smtClean="0"/>
-              <a:t>プロバイダ</a:t>
+              <a:rPr lang="ko-KR" altLang="en-US" dirty="0" smtClean="0"/>
+              <a:t> 프로바이더</a:t>
             </a:r>
             <a:endParaRPr kumimoji="1" lang="ja-JP" altLang="en-US" dirty="0"/>
           </a:p>
@@ -33813,7 +33590,7 @@
         <p:spPr>
           <a:xfrm>
             <a:off x="2843808" y="3707740"/>
-            <a:ext cx="1391728" cy="369332"/>
+            <a:ext cx="877163" cy="369332"/>
           </a:xfrm>
           <a:prstGeom prst="rect">
             <a:avLst/>
@@ -33827,8 +33604,8 @@
           <a:lstStyle/>
           <a:p>
             <a:r>
-              <a:rPr lang="ja-JP" altLang="en-US" dirty="0" smtClean="0"/>
-              <a:t>コンシューマ</a:t>
+              <a:rPr lang="ko-KR" altLang="en-US" dirty="0" smtClean="0"/>
+              <a:t>컨슈머</a:t>
             </a:r>
             <a:endParaRPr kumimoji="1" lang="ja-JP" altLang="en-US" dirty="0"/>
           </a:p>
@@ -33934,7 +33711,7 @@
           <a:lstStyle/>
           <a:p>
             <a:pPr algn="ctr"/>
-            <a:endParaRPr kumimoji="1" lang="ja-JP" altLang="en-US"/>
+            <a:endParaRPr kumimoji="1" lang="ja-JP" altLang="en-US" dirty="0"/>
           </a:p>
         </p:txBody>
       </p:sp>
@@ -33946,8 +33723,8 @@
         </p:nvSpPr>
         <p:spPr>
           <a:xfrm>
-            <a:off x="2668583" y="4259421"/>
-            <a:ext cx="1183337" cy="307777"/>
+            <a:off x="2421640" y="4259421"/>
+            <a:ext cx="1701107" cy="307777"/>
           </a:xfrm>
           <a:prstGeom prst="rect">
             <a:avLst/>
@@ -33961,8 +33738,8 @@
           <a:lstStyle/>
           <a:p>
             <a:r>
-              <a:rPr lang="ja-JP" altLang="en-US" sz="1400" dirty="0" smtClean="0"/>
-              <a:t>機能を使う側</a:t>
+              <a:rPr lang="ko-KR" altLang="en-US" sz="1400" dirty="0" smtClean="0"/>
+              <a:t>기능을 사용하는 쪽</a:t>
             </a:r>
             <a:endParaRPr kumimoji="1" lang="ja-JP" altLang="en-US" sz="1400" dirty="0"/>
           </a:p>
@@ -34008,7 +33785,7 @@
           <a:lstStyle/>
           <a:p>
             <a:pPr algn="ctr"/>
-            <a:endParaRPr kumimoji="1" lang="ja-JP" altLang="en-US"/>
+            <a:endParaRPr kumimoji="1" lang="ja-JP" altLang="en-US" dirty="0"/>
           </a:p>
         </p:txBody>
       </p:sp>
@@ -34020,8 +33797,8 @@
         </p:nvSpPr>
         <p:spPr>
           <a:xfrm>
-            <a:off x="4735340" y="4259188"/>
-            <a:ext cx="1564852" cy="307777"/>
+            <a:off x="4657656" y="4259188"/>
+            <a:ext cx="1701107" cy="307777"/>
           </a:xfrm>
           <a:prstGeom prst="rect">
             <a:avLst/>
@@ -34035,8 +33812,8 @@
           <a:lstStyle/>
           <a:p>
             <a:r>
-              <a:rPr lang="ja-JP" altLang="en-US" sz="1400" dirty="0" smtClean="0"/>
-              <a:t>機能を提供する側</a:t>
+              <a:rPr lang="ko-KR" altLang="en-US" sz="1400" dirty="0" smtClean="0"/>
+              <a:t>기능을 제공하는 쪽</a:t>
             </a:r>
             <a:endParaRPr kumimoji="1" lang="ja-JP" altLang="en-US" sz="1400" dirty="0"/>
           </a:p>
@@ -34091,8 +33868,8 @@
         </p:nvCxnSpPr>
         <p:spPr>
           <a:xfrm rot="5400000" flipH="1" flipV="1">
-            <a:off x="4944190" y="2394967"/>
-            <a:ext cx="517827" cy="299894"/>
+            <a:off x="4917054" y="2494275"/>
+            <a:ext cx="445655" cy="173450"/>
           </a:xfrm>
           <a:prstGeom prst="line">
             <a:avLst/>
@@ -34200,7 +33977,7 @@
           <a:lstStyle/>
           <a:p>
             <a:pPr algn="ctr"/>
-            <a:endParaRPr kumimoji="1" lang="ja-JP" altLang="en-US"/>
+            <a:endParaRPr kumimoji="1" lang="ja-JP" altLang="en-US" dirty="0"/>
           </a:p>
         </p:txBody>
       </p:sp>
@@ -34251,7 +34028,7 @@
           <a:lstStyle/>
           <a:p>
             <a:pPr algn="ctr"/>
-            <a:endParaRPr kumimoji="1" lang="ja-JP" altLang="en-US"/>
+            <a:endParaRPr kumimoji="1" lang="ja-JP" altLang="en-US" dirty="0"/>
           </a:p>
         </p:txBody>
       </p:sp>
@@ -34302,7 +34079,7 @@
           <a:lstStyle/>
           <a:p>
             <a:pPr algn="ctr"/>
-            <a:endParaRPr kumimoji="1" lang="ja-JP" altLang="en-US"/>
+            <a:endParaRPr kumimoji="1" lang="ja-JP" altLang="en-US" dirty="0"/>
           </a:p>
         </p:txBody>
       </p:sp>
@@ -34353,7 +34130,7 @@
           <a:lstStyle/>
           <a:p>
             <a:pPr algn="ctr"/>
-            <a:endParaRPr kumimoji="1" lang="ja-JP" altLang="en-US"/>
+            <a:endParaRPr kumimoji="1" lang="ja-JP" altLang="en-US" dirty="0"/>
           </a:p>
         </p:txBody>
       </p:sp>
@@ -34404,7 +34181,7 @@
           <a:lstStyle/>
           <a:p>
             <a:pPr algn="ctr"/>
-            <a:endParaRPr kumimoji="1" lang="ja-JP" altLang="en-US"/>
+            <a:endParaRPr kumimoji="1" lang="ja-JP" altLang="en-US" dirty="0"/>
           </a:p>
         </p:txBody>
       </p:sp>
@@ -34455,7 +34232,7 @@
           <a:lstStyle/>
           <a:p>
             <a:pPr algn="ctr"/>
-            <a:endParaRPr kumimoji="1" lang="ja-JP" altLang="en-US"/>
+            <a:endParaRPr kumimoji="1" lang="ja-JP" altLang="en-US" dirty="0"/>
           </a:p>
         </p:txBody>
       </p:sp>
@@ -34551,7 +34328,7 @@
           <a:lstStyle/>
           <a:p>
             <a:pPr algn="ctr"/>
-            <a:endParaRPr kumimoji="1" lang="ja-JP" altLang="en-US">
+            <a:endParaRPr kumimoji="1" lang="ja-JP" altLang="en-US" dirty="0">
               <a:solidFill>
                 <a:schemeClr val="tx1"/>
               </a:solidFill>
@@ -34606,7 +34383,7 @@
           <a:lstStyle/>
           <a:p>
             <a:pPr algn="ctr"/>
-            <a:endParaRPr kumimoji="1" lang="ja-JP" altLang="en-US"/>
+            <a:endParaRPr kumimoji="1" lang="ja-JP" altLang="en-US" dirty="0"/>
           </a:p>
         </p:txBody>
       </p:sp>
@@ -34661,7 +34438,7 @@
           <a:lstStyle/>
           <a:p>
             <a:pPr algn="ctr"/>
-            <a:endParaRPr kumimoji="1" lang="ja-JP" altLang="en-US">
+            <a:endParaRPr kumimoji="1" lang="ja-JP" altLang="en-US" dirty="0">
               <a:solidFill>
                 <a:schemeClr val="tx1"/>
               </a:solidFill>
@@ -34841,7 +34618,7 @@
           <a:lstStyle/>
           <a:p>
             <a:pPr algn="ctr"/>
-            <a:endParaRPr kumimoji="1" lang="ja-JP" altLang="en-US">
+            <a:endParaRPr kumimoji="1" lang="ja-JP" altLang="en-US" dirty="0">
               <a:solidFill>
                 <a:schemeClr val="tx1"/>
               </a:solidFill>
@@ -34936,7 +34713,7 @@
           <a:lstStyle/>
           <a:p>
             <a:pPr algn="ctr"/>
-            <a:endParaRPr kumimoji="1" lang="ja-JP" altLang="en-US"/>
+            <a:endParaRPr kumimoji="1" lang="ja-JP" altLang="en-US" dirty="0"/>
           </a:p>
         </p:txBody>
       </p:sp>
@@ -35356,7 +35133,7 @@
           <a:lstStyle/>
           <a:p>
             <a:pPr algn="ctr"/>
-            <a:endParaRPr kumimoji="1" lang="ja-JP" altLang="en-US"/>
+            <a:endParaRPr kumimoji="1" lang="ja-JP" altLang="en-US" dirty="0"/>
           </a:p>
         </p:txBody>
       </p:sp>
@@ -35407,7 +35184,7 @@
           <a:lstStyle/>
           <a:p>
             <a:pPr algn="ctr"/>
-            <a:endParaRPr kumimoji="1" lang="ja-JP" altLang="en-US"/>
+            <a:endParaRPr kumimoji="1" lang="ja-JP" altLang="en-US" dirty="0"/>
           </a:p>
         </p:txBody>
       </p:sp>
@@ -35458,7 +35235,7 @@
           <a:lstStyle/>
           <a:p>
             <a:pPr algn="ctr"/>
-            <a:endParaRPr kumimoji="1" lang="ja-JP" altLang="en-US"/>
+            <a:endParaRPr kumimoji="1" lang="ja-JP" altLang="en-US" dirty="0"/>
           </a:p>
         </p:txBody>
       </p:sp>
@@ -35509,7 +35286,7 @@
           <a:lstStyle/>
           <a:p>
             <a:pPr algn="ctr"/>
-            <a:endParaRPr kumimoji="1" lang="ja-JP" altLang="en-US"/>
+            <a:endParaRPr kumimoji="1" lang="ja-JP" altLang="en-US" dirty="0"/>
           </a:p>
         </p:txBody>
       </p:sp>
@@ -35560,7 +35337,7 @@
           <a:lstStyle/>
           <a:p>
             <a:pPr algn="ctr"/>
-            <a:endParaRPr kumimoji="1" lang="ja-JP" altLang="en-US"/>
+            <a:endParaRPr kumimoji="1" lang="ja-JP" altLang="en-US" dirty="0"/>
           </a:p>
         </p:txBody>
       </p:sp>
@@ -35611,7 +35388,7 @@
           <a:lstStyle/>
           <a:p>
             <a:pPr algn="ctr"/>
-            <a:endParaRPr kumimoji="1" lang="ja-JP" altLang="en-US"/>
+            <a:endParaRPr kumimoji="1" lang="ja-JP" altLang="en-US" dirty="0"/>
           </a:p>
         </p:txBody>
       </p:sp>
@@ -35707,7 +35484,7 @@
           <a:lstStyle/>
           <a:p>
             <a:pPr algn="ctr"/>
-            <a:endParaRPr kumimoji="1" lang="ja-JP" altLang="en-US">
+            <a:endParaRPr kumimoji="1" lang="ja-JP" altLang="en-US" dirty="0">
               <a:solidFill>
                 <a:schemeClr val="tx1"/>
               </a:solidFill>
@@ -35762,7 +35539,7 @@
           <a:lstStyle/>
           <a:p>
             <a:pPr algn="ctr"/>
-            <a:endParaRPr kumimoji="1" lang="ja-JP" altLang="en-US"/>
+            <a:endParaRPr kumimoji="1" lang="ja-JP" altLang="en-US" dirty="0"/>
           </a:p>
         </p:txBody>
       </p:sp>
@@ -35817,7 +35594,7 @@
           <a:lstStyle/>
           <a:p>
             <a:pPr algn="ctr"/>
-            <a:endParaRPr kumimoji="1" lang="ja-JP" altLang="en-US">
+            <a:endParaRPr kumimoji="1" lang="ja-JP" altLang="en-US" dirty="0">
               <a:solidFill>
                 <a:schemeClr val="tx1"/>
               </a:solidFill>
@@ -35997,7 +35774,7 @@
           <a:lstStyle/>
           <a:p>
             <a:pPr algn="ctr"/>
-            <a:endParaRPr kumimoji="1" lang="ja-JP" altLang="en-US">
+            <a:endParaRPr kumimoji="1" lang="ja-JP" altLang="en-US" dirty="0">
               <a:solidFill>
                 <a:schemeClr val="tx1"/>
               </a:solidFill>
@@ -36092,7 +35869,7 @@
           <a:lstStyle/>
           <a:p>
             <a:pPr algn="ctr"/>
-            <a:endParaRPr kumimoji="1" lang="ja-JP" altLang="en-US"/>
+            <a:endParaRPr kumimoji="1" lang="ja-JP" altLang="en-US" dirty="0"/>
           </a:p>
         </p:txBody>
       </p:sp>
